--- a/GroupPPt_UM.pptx
+++ b/GroupPPt_UM.pptx
@@ -5,7 +5,7 @@
     <p:sldMasterId id="2147483648" r:id="rId1"/>
   </p:sldMasterIdLst>
   <p:notesMasterIdLst>
-    <p:notesMasterId r:id="rId20"/>
+    <p:notesMasterId r:id="rId21"/>
   </p:notesMasterIdLst>
   <p:sldIdLst>
     <p:sldId id="258" r:id="rId2"/>
@@ -25,7 +25,8 @@
     <p:sldId id="268" r:id="rId16"/>
     <p:sldId id="270" r:id="rId17"/>
     <p:sldId id="271" r:id="rId18"/>
-    <p:sldId id="272" r:id="rId19"/>
+    <p:sldId id="274" r:id="rId19"/>
+    <p:sldId id="272" r:id="rId20"/>
   </p:sldIdLst>
   <p:sldSz cx="12192000" cy="6858000"/>
   <p:notesSz cx="6858000" cy="9144000"/>
@@ -124,6 +125,11 @@
       </a:defRPr>
     </a:lvl9pPr>
   </p:defaultTextStyle>
+  <p:extLst>
+    <p:ext uri="{EFAFB233-063F-42B5-8137-9DF3F51BA10A}">
+      <p15:sldGuideLst xmlns:p15="http://schemas.microsoft.com/office/powerpoint/2012/main"/>
+    </p:ext>
+  </p:extLst>
 </p:presentation>
 </file>
 
@@ -209,7 +215,7 @@
           <a:p>
             <a:fld id="{4404A92C-501F-4635-ADCF-9D7648FF0ADD}" type="datetimeFigureOut">
               <a:rPr lang="en-IN" smtClean="0"/>
-              <a:t>06-07-2021</a:t>
+              <a:t>07-07-2021</a:t>
             </a:fld>
             <a:endParaRPr lang="en-IN"/>
           </a:p>
@@ -6697,6 +6703,608 @@
 </file>
 
 <file path=ppt/slides/slide18.xml><?xml version="1.0" encoding="utf-8"?>
+<p:sld xmlns:a="http://schemas.openxmlformats.org/drawingml/2006/main" xmlns:r="http://schemas.openxmlformats.org/officeDocument/2006/relationships" xmlns:p="http://schemas.openxmlformats.org/presentationml/2006/main">
+  <p:cSld>
+    <p:spTree>
+      <p:nvGrpSpPr>
+        <p:cNvPr id="1" name=""/>
+        <p:cNvGrpSpPr/>
+        <p:nvPr/>
+      </p:nvGrpSpPr>
+      <p:grpSpPr>
+        <a:xfrm>
+          <a:off x="0" y="0"/>
+          <a:ext cx="0" cy="0"/>
+          <a:chOff x="0" y="0"/>
+          <a:chExt cx="0" cy="0"/>
+        </a:xfrm>
+      </p:grpSpPr>
+      <p:sp>
+        <p:nvSpPr>
+          <p:cNvPr id="2" name="Rectangle 1"/>
+          <p:cNvSpPr/>
+          <p:nvPr/>
+        </p:nvSpPr>
+        <p:spPr>
+          <a:xfrm>
+            <a:off x="0" y="0"/>
+            <a:ext cx="6665479" cy="923330"/>
+          </a:xfrm>
+          <a:prstGeom prst="rect">
+            <a:avLst/>
+          </a:prstGeom>
+          <a:noFill/>
+        </p:spPr>
+        <p:txBody>
+          <a:bodyPr wrap="none" lIns="91440" tIns="45720" rIns="91440" bIns="45720">
+            <a:spAutoFit/>
+          </a:bodyPr>
+          <a:lstStyle/>
+          <a:p>
+            <a:pPr algn="ctr"/>
+            <a:r>
+              <a:rPr lang="en-US" sz="5400" b="1" cap="none" spc="0" dirty="0" smtClean="0">
+                <a:ln w="9525">
+                  <a:solidFill>
+                    <a:schemeClr val="bg1"/>
+                  </a:solidFill>
+                  <a:prstDash val="solid"/>
+                </a:ln>
+                <a:solidFill>
+                  <a:schemeClr val="tx1"/>
+                </a:solidFill>
+                <a:effectLst>
+                  <a:outerShdw blurRad="12700" dist="38100" dir="2700000" algn="tl" rotWithShape="0">
+                    <a:schemeClr val="bg1">
+                      <a:lumMod val="50000"/>
+                    </a:schemeClr>
+                  </a:outerShdw>
+                </a:effectLst>
+              </a:rPr>
+              <a:t>EMPLOYMENT RATING</a:t>
+            </a:r>
+            <a:endParaRPr lang="en-US" sz="5400" b="1" cap="none" spc="0" dirty="0">
+              <a:ln w="9525">
+                <a:solidFill>
+                  <a:schemeClr val="bg1"/>
+                </a:solidFill>
+                <a:prstDash val="solid"/>
+              </a:ln>
+              <a:solidFill>
+                <a:schemeClr val="tx1"/>
+              </a:solidFill>
+              <a:effectLst>
+                <a:outerShdw blurRad="12700" dist="38100" dir="2700000" algn="tl" rotWithShape="0">
+                  <a:schemeClr val="bg1">
+                    <a:lumMod val="50000"/>
+                  </a:schemeClr>
+                </a:outerShdw>
+              </a:effectLst>
+            </a:endParaRPr>
+          </a:p>
+        </p:txBody>
+      </p:sp>
+      <p:sp>
+        <p:nvSpPr>
+          <p:cNvPr id="3" name="Rectangle 2"/>
+          <p:cNvSpPr/>
+          <p:nvPr/>
+        </p:nvSpPr>
+        <p:spPr>
+          <a:xfrm>
+            <a:off x="163772" y="1845859"/>
+            <a:ext cx="2047164" cy="859809"/>
+          </a:xfrm>
+          <a:prstGeom prst="rect">
+            <a:avLst/>
+          </a:prstGeom>
+        </p:spPr>
+        <p:style>
+          <a:lnRef idx="2">
+            <a:schemeClr val="accent1">
+              <a:shade val="50000"/>
+            </a:schemeClr>
+          </a:lnRef>
+          <a:fillRef idx="1">
+            <a:schemeClr val="accent1"/>
+          </a:fillRef>
+          <a:effectRef idx="0">
+            <a:schemeClr val="accent1"/>
+          </a:effectRef>
+          <a:fontRef idx="minor">
+            <a:schemeClr val="lt1"/>
+          </a:fontRef>
+        </p:style>
+        <p:txBody>
+          <a:bodyPr rtlCol="0" anchor="ctr"/>
+          <a:lstStyle/>
+          <a:p>
+            <a:pPr algn="ctr"/>
+            <a:r>
+              <a:rPr lang="en-IN" dirty="0" smtClean="0"/>
+              <a:t>ALUMNI</a:t>
+            </a:r>
+            <a:endParaRPr lang="en-IN" dirty="0"/>
+          </a:p>
+        </p:txBody>
+      </p:sp>
+      <p:cxnSp>
+        <p:nvCxnSpPr>
+          <p:cNvPr id="5" name="Straight Arrow Connector 4"/>
+          <p:cNvCxnSpPr>
+            <a:stCxn id="3" idx="3"/>
+          </p:cNvCxnSpPr>
+          <p:nvPr/>
+        </p:nvCxnSpPr>
+        <p:spPr>
+          <a:xfrm flipV="1">
+            <a:off x="2210936" y="2268940"/>
+            <a:ext cx="2101756" cy="6824"/>
+          </a:xfrm>
+          <a:prstGeom prst="straightConnector1">
+            <a:avLst/>
+          </a:prstGeom>
+          <a:ln>
+            <a:tailEnd type="triangle"/>
+          </a:ln>
+        </p:spPr>
+        <p:style>
+          <a:lnRef idx="1">
+            <a:schemeClr val="accent1"/>
+          </a:lnRef>
+          <a:fillRef idx="0">
+            <a:schemeClr val="accent1"/>
+          </a:fillRef>
+          <a:effectRef idx="0">
+            <a:schemeClr val="accent1"/>
+          </a:effectRef>
+          <a:fontRef idx="minor">
+            <a:schemeClr val="tx1"/>
+          </a:fontRef>
+        </p:style>
+      </p:cxnSp>
+      <p:sp>
+        <p:nvSpPr>
+          <p:cNvPr id="40" name="Oval 39"/>
+          <p:cNvSpPr/>
+          <p:nvPr/>
+        </p:nvSpPr>
+        <p:spPr>
+          <a:xfrm>
+            <a:off x="4312692" y="1459888"/>
+            <a:ext cx="2976350" cy="1618103"/>
+          </a:xfrm>
+          <a:prstGeom prst="ellipse">
+            <a:avLst/>
+          </a:prstGeom>
+        </p:spPr>
+        <p:style>
+          <a:lnRef idx="2">
+            <a:schemeClr val="accent1">
+              <a:shade val="50000"/>
+            </a:schemeClr>
+          </a:lnRef>
+          <a:fillRef idx="1">
+            <a:schemeClr val="accent1"/>
+          </a:fillRef>
+          <a:effectRef idx="0">
+            <a:schemeClr val="accent1"/>
+          </a:effectRef>
+          <a:fontRef idx="minor">
+            <a:schemeClr val="lt1"/>
+          </a:fontRef>
+        </p:style>
+        <p:txBody>
+          <a:bodyPr rtlCol="0" anchor="ctr"/>
+          <a:lstStyle/>
+          <a:p>
+            <a:pPr algn="ctr"/>
+            <a:r>
+              <a:rPr lang="en-IN" dirty="0" err="1" smtClean="0"/>
+              <a:t>getJobPosition</a:t>
+            </a:r>
+            <a:r>
+              <a:rPr lang="en-IN" dirty="0" smtClean="0"/>
+              <a:t>()</a:t>
+            </a:r>
+            <a:endParaRPr lang="en-IN" dirty="0"/>
+          </a:p>
+        </p:txBody>
+      </p:sp>
+      <p:cxnSp>
+        <p:nvCxnSpPr>
+          <p:cNvPr id="43" name="Straight Arrow Connector 42"/>
+          <p:cNvCxnSpPr/>
+          <p:nvPr/>
+        </p:nvCxnSpPr>
+        <p:spPr>
+          <a:xfrm flipH="1">
+            <a:off x="5800866" y="3077991"/>
+            <a:ext cx="1" cy="1552178"/>
+          </a:xfrm>
+          <a:prstGeom prst="straightConnector1">
+            <a:avLst/>
+          </a:prstGeom>
+          <a:ln>
+            <a:tailEnd type="triangle"/>
+          </a:ln>
+        </p:spPr>
+        <p:style>
+          <a:lnRef idx="1">
+            <a:schemeClr val="accent1"/>
+          </a:lnRef>
+          <a:fillRef idx="0">
+            <a:schemeClr val="accent1"/>
+          </a:fillRef>
+          <a:effectRef idx="0">
+            <a:schemeClr val="accent1"/>
+          </a:effectRef>
+          <a:fontRef idx="minor">
+            <a:schemeClr val="tx1"/>
+          </a:fontRef>
+        </p:style>
+      </p:cxnSp>
+      <p:sp>
+        <p:nvSpPr>
+          <p:cNvPr id="44" name="Oval 43"/>
+          <p:cNvSpPr/>
+          <p:nvPr/>
+        </p:nvSpPr>
+        <p:spPr>
+          <a:xfrm>
+            <a:off x="4053953" y="4650348"/>
+            <a:ext cx="3493827" cy="1491145"/>
+          </a:xfrm>
+          <a:prstGeom prst="ellipse">
+            <a:avLst/>
+          </a:prstGeom>
+        </p:spPr>
+        <p:style>
+          <a:lnRef idx="2">
+            <a:schemeClr val="accent1">
+              <a:shade val="50000"/>
+            </a:schemeClr>
+          </a:lnRef>
+          <a:fillRef idx="1">
+            <a:schemeClr val="accent1"/>
+          </a:fillRef>
+          <a:effectRef idx="0">
+            <a:schemeClr val="accent1"/>
+          </a:effectRef>
+          <a:fontRef idx="minor">
+            <a:schemeClr val="lt1"/>
+          </a:fontRef>
+        </p:style>
+        <p:txBody>
+          <a:bodyPr rtlCol="0" anchor="ctr"/>
+          <a:lstStyle/>
+          <a:p>
+            <a:pPr algn="ctr"/>
+            <a:r>
+              <a:rPr lang="en-IN" dirty="0" err="1" smtClean="0"/>
+              <a:t>getEmploymentRating</a:t>
+            </a:r>
+            <a:r>
+              <a:rPr lang="en-IN" dirty="0" smtClean="0"/>
+              <a:t>()</a:t>
+            </a:r>
+            <a:endParaRPr lang="en-IN" dirty="0"/>
+          </a:p>
+        </p:txBody>
+      </p:sp>
+      <p:sp>
+        <p:nvSpPr>
+          <p:cNvPr id="34" name="TextBox 33"/>
+          <p:cNvSpPr txBox="1"/>
+          <p:nvPr/>
+        </p:nvSpPr>
+        <p:spPr>
+          <a:xfrm>
+            <a:off x="2348551" y="1826084"/>
+            <a:ext cx="1282890" cy="369332"/>
+          </a:xfrm>
+          <a:prstGeom prst="rect">
+            <a:avLst/>
+          </a:prstGeom>
+          <a:noFill/>
+        </p:spPr>
+        <p:txBody>
+          <a:bodyPr wrap="square" rtlCol="0">
+            <a:spAutoFit/>
+          </a:bodyPr>
+          <a:lstStyle/>
+          <a:p>
+            <a:r>
+              <a:rPr lang="en-IN" dirty="0" err="1" smtClean="0"/>
+              <a:t>getSalary</a:t>
+            </a:r>
+            <a:r>
+              <a:rPr lang="en-IN" dirty="0" smtClean="0"/>
+              <a:t>()</a:t>
+            </a:r>
+            <a:endParaRPr lang="en-IN" dirty="0"/>
+          </a:p>
+        </p:txBody>
+      </p:sp>
+      <p:sp>
+        <p:nvSpPr>
+          <p:cNvPr id="41" name="Rectangle 40"/>
+          <p:cNvSpPr/>
+          <p:nvPr/>
+        </p:nvSpPr>
+        <p:spPr>
+          <a:xfrm>
+            <a:off x="7419150" y="1087421"/>
+            <a:ext cx="3703775" cy="2246769"/>
+          </a:xfrm>
+          <a:prstGeom prst="rect">
+            <a:avLst/>
+          </a:prstGeom>
+        </p:spPr>
+        <p:style>
+          <a:lnRef idx="1">
+            <a:schemeClr val="dk1"/>
+          </a:lnRef>
+          <a:fillRef idx="2">
+            <a:schemeClr val="dk1"/>
+          </a:fillRef>
+          <a:effectRef idx="1">
+            <a:schemeClr val="dk1"/>
+          </a:effectRef>
+          <a:fontRef idx="minor">
+            <a:schemeClr val="dk1"/>
+          </a:fontRef>
+        </p:style>
+        <p:txBody>
+          <a:bodyPr wrap="square" lIns="91440" tIns="45720" rIns="91440" bIns="45720">
+            <a:spAutoFit/>
+          </a:bodyPr>
+          <a:lstStyle/>
+          <a:p>
+            <a:pPr algn="ctr"/>
+            <a:r>
+              <a:rPr lang="en-US" sz="2000" dirty="0" smtClean="0">
+                <a:ln w="0"/>
+                <a:solidFill>
+                  <a:schemeClr val="tx1"/>
+                </a:solidFill>
+                <a:effectLst>
+                  <a:outerShdw blurRad="38100" dist="19050" dir="2700000" algn="tl" rotWithShape="0">
+                    <a:schemeClr val="dk1">
+                      <a:alpha val="40000"/>
+                    </a:schemeClr>
+                  </a:outerShdw>
+                </a:effectLst>
+                <a:latin typeface="Times New Roman" panose="02020603050405020304" pitchFamily="18" charset="0"/>
+                <a:cs typeface="Times New Roman" panose="02020603050405020304" pitchFamily="18" charset="0"/>
+              </a:rPr>
+              <a:t>Alumni Salary is fetched and </a:t>
+            </a:r>
+          </a:p>
+          <a:p>
+            <a:pPr algn="ctr"/>
+            <a:r>
+              <a:rPr lang="en-US" sz="2000" dirty="0" smtClean="0">
+                <a:ln w="0"/>
+                <a:solidFill>
+                  <a:schemeClr val="tx1"/>
+                </a:solidFill>
+                <a:effectLst>
+                  <a:outerShdw blurRad="38100" dist="19050" dir="2700000" algn="tl" rotWithShape="0">
+                    <a:schemeClr val="dk1">
+                      <a:alpha val="40000"/>
+                    </a:schemeClr>
+                  </a:outerShdw>
+                </a:effectLst>
+                <a:latin typeface="Times New Roman" panose="02020603050405020304" pitchFamily="18" charset="0"/>
+                <a:cs typeface="Times New Roman" panose="02020603050405020304" pitchFamily="18" charset="0"/>
+              </a:rPr>
+              <a:t>Based on the amount of the </a:t>
+            </a:r>
+          </a:p>
+          <a:p>
+            <a:pPr algn="ctr"/>
+            <a:r>
+              <a:rPr lang="en-US" sz="2000" dirty="0" smtClean="0">
+                <a:ln w="0"/>
+                <a:solidFill>
+                  <a:schemeClr val="tx1"/>
+                </a:solidFill>
+                <a:effectLst>
+                  <a:outerShdw blurRad="38100" dist="19050" dir="2700000" algn="tl" rotWithShape="0">
+                    <a:schemeClr val="dk1">
+                      <a:alpha val="40000"/>
+                    </a:schemeClr>
+                  </a:outerShdw>
+                </a:effectLst>
+                <a:latin typeface="Times New Roman" panose="02020603050405020304" pitchFamily="18" charset="0"/>
+                <a:cs typeface="Times New Roman" panose="02020603050405020304" pitchFamily="18" charset="0"/>
+              </a:rPr>
+              <a:t>Salary – </a:t>
+            </a:r>
+            <a:r>
+              <a:rPr lang="en-US" sz="2000" dirty="0" err="1" smtClean="0">
+                <a:ln w="0"/>
+                <a:solidFill>
+                  <a:schemeClr val="tx1"/>
+                </a:solidFill>
+                <a:effectLst>
+                  <a:outerShdw blurRad="38100" dist="19050" dir="2700000" algn="tl" rotWithShape="0">
+                    <a:schemeClr val="dk1">
+                      <a:alpha val="40000"/>
+                    </a:schemeClr>
+                  </a:outerShdw>
+                </a:effectLst>
+                <a:latin typeface="Times New Roman" panose="02020603050405020304" pitchFamily="18" charset="0"/>
+                <a:cs typeface="Times New Roman" panose="02020603050405020304" pitchFamily="18" charset="0"/>
+              </a:rPr>
+              <a:t>JobPosition</a:t>
+            </a:r>
+            <a:r>
+              <a:rPr lang="en-US" sz="2000" dirty="0" smtClean="0">
+                <a:ln w="0"/>
+                <a:solidFill>
+                  <a:schemeClr val="tx1"/>
+                </a:solidFill>
+                <a:effectLst>
+                  <a:outerShdw blurRad="38100" dist="19050" dir="2700000" algn="tl" rotWithShape="0">
+                    <a:schemeClr val="dk1">
+                      <a:alpha val="40000"/>
+                    </a:schemeClr>
+                  </a:outerShdw>
+                </a:effectLst>
+                <a:latin typeface="Times New Roman" panose="02020603050405020304" pitchFamily="18" charset="0"/>
+                <a:cs typeface="Times New Roman" panose="02020603050405020304" pitchFamily="18" charset="0"/>
+              </a:rPr>
+              <a:t> is calculated</a:t>
+            </a:r>
+          </a:p>
+          <a:p>
+            <a:pPr algn="ctr"/>
+            <a:r>
+              <a:rPr lang="en-US" sz="2000" dirty="0" smtClean="0">
+                <a:ln w="0"/>
+                <a:solidFill>
+                  <a:schemeClr val="tx1"/>
+                </a:solidFill>
+                <a:effectLst>
+                  <a:outerShdw blurRad="38100" dist="19050" dir="2700000" algn="tl" rotWithShape="0">
+                    <a:schemeClr val="dk1">
+                      <a:alpha val="40000"/>
+                    </a:schemeClr>
+                  </a:outerShdw>
+                </a:effectLst>
+                <a:latin typeface="Times New Roman" panose="02020603050405020304" pitchFamily="18" charset="0"/>
+                <a:cs typeface="Times New Roman" panose="02020603050405020304" pitchFamily="18" charset="0"/>
+              </a:rPr>
+              <a:t>And employment rating is calculated</a:t>
+            </a:r>
+          </a:p>
+          <a:p>
+            <a:pPr algn="ctr"/>
+            <a:endParaRPr lang="en-US" sz="2000" b="1" dirty="0">
+              <a:ln w="9525">
+                <a:solidFill>
+                  <a:schemeClr val="bg1"/>
+                </a:solidFill>
+                <a:prstDash val="solid"/>
+              </a:ln>
+              <a:effectLst>
+                <a:outerShdw blurRad="12700" dist="38100" dir="2700000" algn="tl" rotWithShape="0">
+                  <a:schemeClr val="bg1">
+                    <a:lumMod val="50000"/>
+                  </a:schemeClr>
+                </a:outerShdw>
+              </a:effectLst>
+              <a:latin typeface="Times New Roman" panose="02020603050405020304" pitchFamily="18" charset="0"/>
+              <a:cs typeface="Times New Roman" panose="02020603050405020304" pitchFamily="18" charset="0"/>
+            </a:endParaRPr>
+          </a:p>
+          <a:p>
+            <a:pPr algn="ctr"/>
+            <a:endParaRPr lang="en-US" sz="2000" b="1" cap="none" spc="0" dirty="0">
+              <a:ln w="9525">
+                <a:solidFill>
+                  <a:schemeClr val="bg1"/>
+                </a:solidFill>
+                <a:prstDash val="solid"/>
+              </a:ln>
+              <a:solidFill>
+                <a:schemeClr val="tx1"/>
+              </a:solidFill>
+              <a:effectLst>
+                <a:outerShdw blurRad="12700" dist="38100" dir="2700000" algn="tl" rotWithShape="0">
+                  <a:schemeClr val="bg1">
+                    <a:lumMod val="50000"/>
+                  </a:schemeClr>
+                </a:outerShdw>
+              </a:effectLst>
+            </a:endParaRPr>
+          </a:p>
+        </p:txBody>
+      </p:sp>
+      <p:sp>
+        <p:nvSpPr>
+          <p:cNvPr id="46" name="Rectangle 45"/>
+          <p:cNvSpPr/>
+          <p:nvPr/>
+        </p:nvSpPr>
+        <p:spPr>
+          <a:xfrm>
+            <a:off x="7970293" y="2787237"/>
+            <a:ext cx="3936925" cy="1015663"/>
+          </a:xfrm>
+          <a:prstGeom prst="rect">
+            <a:avLst/>
+          </a:prstGeom>
+        </p:spPr>
+        <p:style>
+          <a:lnRef idx="1">
+            <a:schemeClr val="dk1"/>
+          </a:lnRef>
+          <a:fillRef idx="2">
+            <a:schemeClr val="dk1"/>
+          </a:fillRef>
+          <a:effectRef idx="1">
+            <a:schemeClr val="dk1"/>
+          </a:effectRef>
+          <a:fontRef idx="minor">
+            <a:schemeClr val="dk1"/>
+          </a:fontRef>
+        </p:style>
+        <p:txBody>
+          <a:bodyPr wrap="square" lIns="91440" tIns="45720" rIns="91440" bIns="45720">
+            <a:spAutoFit/>
+          </a:bodyPr>
+          <a:lstStyle/>
+          <a:p>
+            <a:pPr algn="ctr"/>
+            <a:r>
+              <a:rPr lang="en-US" sz="2000" dirty="0" smtClean="0">
+                <a:ln w="0"/>
+                <a:solidFill>
+                  <a:schemeClr val="tx1"/>
+                </a:solidFill>
+                <a:effectLst>
+                  <a:outerShdw blurRad="38100" dist="19050" dir="2700000" algn="tl" rotWithShape="0">
+                    <a:schemeClr val="dk1">
+                      <a:alpha val="40000"/>
+                    </a:schemeClr>
+                  </a:outerShdw>
+                </a:effectLst>
+              </a:rPr>
+              <a:t>HIGHER THE POSITION – HIGHER THE REMPLOYMENT RATING FOR THAT PARTICULAR ALUMNI</a:t>
+            </a:r>
+            <a:endParaRPr lang="en-US" sz="2000" dirty="0">
+              <a:ln w="0"/>
+              <a:solidFill>
+                <a:schemeClr val="tx1"/>
+              </a:solidFill>
+              <a:effectLst>
+                <a:outerShdw blurRad="38100" dist="19050" dir="2700000" algn="tl" rotWithShape="0">
+                  <a:schemeClr val="dk1">
+                    <a:alpha val="40000"/>
+                  </a:schemeClr>
+                </a:outerShdw>
+              </a:effectLst>
+            </a:endParaRPr>
+          </a:p>
+        </p:txBody>
+      </p:sp>
+    </p:spTree>
+    <p:extLst>
+      <p:ext uri="{BB962C8B-B14F-4D97-AF65-F5344CB8AC3E}">
+        <p14:creationId xmlns:p14="http://schemas.microsoft.com/office/powerpoint/2010/main" val="3230847770"/>
+      </p:ext>
+    </p:extLst>
+  </p:cSld>
+  <p:clrMapOvr>
+    <a:masterClrMapping/>
+  </p:clrMapOvr>
+</p:sld>
+</file>
+
+<file path=ppt/slides/slide19.xml><?xml version="1.0" encoding="utf-8"?>
 <p:sld xmlns:a="http://schemas.openxmlformats.org/drawingml/2006/main" xmlns:r="http://schemas.openxmlformats.org/officeDocument/2006/relationships" xmlns:p="http://schemas.openxmlformats.org/presentationml/2006/main">
   <p:cSld>
     <p:spTree>

--- a/GroupPPt_UM.pptx
+++ b/GroupPPt_UM.pptx
@@ -5,7 +5,7 @@
     <p:sldMasterId id="2147483648" r:id="rId1"/>
   </p:sldMasterIdLst>
   <p:notesMasterIdLst>
-    <p:notesMasterId r:id="rId20"/>
+    <p:notesMasterId r:id="rId24"/>
   </p:notesMasterIdLst>
   <p:sldIdLst>
     <p:sldId id="258" r:id="rId2"/>
@@ -19,13 +19,17 @@
     <p:sldId id="265" r:id="rId10"/>
     <p:sldId id="266" r:id="rId11"/>
     <p:sldId id="267" r:id="rId12"/>
-    <p:sldId id="256" r:id="rId13"/>
-    <p:sldId id="273" r:id="rId14"/>
-    <p:sldId id="268" r:id="rId15"/>
-    <p:sldId id="270" r:id="rId16"/>
-    <p:sldId id="271" r:id="rId17"/>
-    <p:sldId id="274" r:id="rId18"/>
-    <p:sldId id="272" r:id="rId19"/>
+    <p:sldId id="275" r:id="rId13"/>
+    <p:sldId id="256" r:id="rId14"/>
+    <p:sldId id="277" r:id="rId15"/>
+    <p:sldId id="273" r:id="rId16"/>
+    <p:sldId id="278" r:id="rId17"/>
+    <p:sldId id="276" r:id="rId18"/>
+    <p:sldId id="268" r:id="rId19"/>
+    <p:sldId id="270" r:id="rId20"/>
+    <p:sldId id="271" r:id="rId21"/>
+    <p:sldId id="274" r:id="rId22"/>
+    <p:sldId id="272" r:id="rId23"/>
   </p:sldIdLst>
   <p:sldSz cx="12192000" cy="6858000"/>
   <p:notesSz cx="6858000" cy="9144000"/>
@@ -214,7 +218,7 @@
           <a:p>
             <a:fld id="{4404A92C-501F-4635-ADCF-9D7648FF0ADD}" type="datetimeFigureOut">
               <a:rPr lang="en-IN" smtClean="0"/>
-              <a:t>08-07-2021</a:t>
+              <a:t>11-07-2021</a:t>
             </a:fld>
             <a:endParaRPr lang="en-IN"/>
           </a:p>
@@ -715,7 +719,7 @@
           <a:p>
             <a:fld id="{CAA23ADD-8D8D-4FF5-9D8E-57C0196A28AB}" type="slidenum">
               <a:rPr lang="en-IN" smtClean="0"/>
-              <a:t>14</a:t>
+              <a:t>18</a:t>
             </a:fld>
             <a:endParaRPr lang="en-IN"/>
           </a:p>
@@ -865,7 +869,7 @@
           <a:p>
             <a:fld id="{C36AD31D-0979-4E5E-B4A3-12A8C8F6CCD6}" type="datetime1">
               <a:rPr lang="en-IN" smtClean="0"/>
-              <a:t>08-07-2021</a:t>
+              <a:t>11-07-2021</a:t>
             </a:fld>
             <a:endParaRPr lang="en-IN"/>
           </a:p>
@@ -1035,7 +1039,7 @@
           <a:p>
             <a:fld id="{8B70E734-61D7-4539-986A-7B651940DC49}" type="datetime1">
               <a:rPr lang="en-IN" smtClean="0"/>
-              <a:t>08-07-2021</a:t>
+              <a:t>11-07-2021</a:t>
             </a:fld>
             <a:endParaRPr lang="en-IN"/>
           </a:p>
@@ -1215,7 +1219,7 @@
           <a:p>
             <a:fld id="{875E8063-B8A8-42A2-B503-72C2DFD35F7D}" type="datetime1">
               <a:rPr lang="en-IN" smtClean="0"/>
-              <a:t>08-07-2021</a:t>
+              <a:t>11-07-2021</a:t>
             </a:fld>
             <a:endParaRPr lang="en-IN"/>
           </a:p>
@@ -1385,7 +1389,7 @@
           <a:p>
             <a:fld id="{6994E99F-6189-4348-BF44-28D97158FC7E}" type="datetime1">
               <a:rPr lang="en-IN" smtClean="0"/>
-              <a:t>08-07-2021</a:t>
+              <a:t>11-07-2021</a:t>
             </a:fld>
             <a:endParaRPr lang="en-IN"/>
           </a:p>
@@ -1631,7 +1635,7 @@
           <a:p>
             <a:fld id="{EBA424C2-83CD-4BC8-AFF6-F28BF06D0B5B}" type="datetime1">
               <a:rPr lang="en-IN" smtClean="0"/>
-              <a:t>08-07-2021</a:t>
+              <a:t>11-07-2021</a:t>
             </a:fld>
             <a:endParaRPr lang="en-IN"/>
           </a:p>
@@ -1863,7 +1867,7 @@
           <a:p>
             <a:fld id="{2EE95C22-E03F-446B-BFD6-A25186610B00}" type="datetime1">
               <a:rPr lang="en-IN" smtClean="0"/>
-              <a:t>08-07-2021</a:t>
+              <a:t>11-07-2021</a:t>
             </a:fld>
             <a:endParaRPr lang="en-IN"/>
           </a:p>
@@ -2230,7 +2234,7 @@
           <a:p>
             <a:fld id="{B52DEBE8-A2A7-4114-BEB5-D852DAF79973}" type="datetime1">
               <a:rPr lang="en-IN" smtClean="0"/>
-              <a:t>08-07-2021</a:t>
+              <a:t>11-07-2021</a:t>
             </a:fld>
             <a:endParaRPr lang="en-IN"/>
           </a:p>
@@ -2348,7 +2352,7 @@
           <a:p>
             <a:fld id="{1CBE9DC5-8D23-4ACB-8403-A991060A8666}" type="datetime1">
               <a:rPr lang="en-IN" smtClean="0"/>
-              <a:t>08-07-2021</a:t>
+              <a:t>11-07-2021</a:t>
             </a:fld>
             <a:endParaRPr lang="en-IN"/>
           </a:p>
@@ -2443,7 +2447,7 @@
           <a:p>
             <a:fld id="{9C40D37A-D925-4D33-8A26-6C0B405206A2}" type="datetime1">
               <a:rPr lang="en-IN" smtClean="0"/>
-              <a:t>08-07-2021</a:t>
+              <a:t>11-07-2021</a:t>
             </a:fld>
             <a:endParaRPr lang="en-IN"/>
           </a:p>
@@ -2720,7 +2724,7 @@
           <a:p>
             <a:fld id="{58785018-E1C9-49A8-B8B7-F5A2253E2783}" type="datetime1">
               <a:rPr lang="en-IN" smtClean="0"/>
-              <a:t>08-07-2021</a:t>
+              <a:t>11-07-2021</a:t>
             </a:fld>
             <a:endParaRPr lang="en-IN"/>
           </a:p>
@@ -2973,7 +2977,7 @@
           <a:p>
             <a:fld id="{E7FBB6D7-3592-4E62-8EB2-F25F0DE13EA5}" type="datetime1">
               <a:rPr lang="en-IN" smtClean="0"/>
-              <a:t>08-07-2021</a:t>
+              <a:t>11-07-2021</a:t>
             </a:fld>
             <a:endParaRPr lang="en-IN"/>
           </a:p>
@@ -3189,7 +3193,7 @@
           <a:p>
             <a:fld id="{7F3C0498-9499-45A8-A7DE-7C04129F5103}" type="datetime1">
               <a:rPr lang="en-IN" smtClean="0"/>
-              <a:t>08-07-2021</a:t>
+              <a:t>11-07-2021</a:t>
             </a:fld>
             <a:endParaRPr lang="en-IN"/>
           </a:p>
@@ -3827,9 +3831,104 @@
           </a:p>
         </p:txBody>
       </p:sp>
+      <p:sp>
+        <p:nvSpPr>
+          <p:cNvPr id="6" name="Rectangle 5"/>
+          <p:cNvSpPr/>
+          <p:nvPr/>
+        </p:nvSpPr>
+        <p:spPr>
+          <a:xfrm>
+            <a:off x="8452514" y="1122423"/>
+            <a:ext cx="1674125" cy="2234926"/>
+          </a:xfrm>
+          <a:prstGeom prst="rect">
+            <a:avLst/>
+          </a:prstGeom>
+        </p:spPr>
+        <p:style>
+          <a:lnRef idx="2">
+            <a:schemeClr val="accent1">
+              <a:shade val="50000"/>
+            </a:schemeClr>
+          </a:lnRef>
+          <a:fillRef idx="1">
+            <a:schemeClr val="accent1"/>
+          </a:fillRef>
+          <a:effectRef idx="0">
+            <a:schemeClr val="accent1"/>
+          </a:effectRef>
+          <a:fontRef idx="minor">
+            <a:schemeClr val="lt1"/>
+          </a:fontRef>
+        </p:style>
+        <p:txBody>
+          <a:bodyPr rtlCol="0" anchor="ctr"/>
+          <a:lstStyle/>
+          <a:p>
+            <a:pPr algn="ctr"/>
+            <a:r>
+              <a:rPr lang="en-IN" dirty="0" smtClean="0"/>
+              <a:t>Here all the information about the alumni</a:t>
+            </a:r>
+          </a:p>
+          <a:p>
+            <a:pPr algn="ctr"/>
+            <a:r>
+              <a:rPr lang="en-IN" dirty="0" smtClean="0"/>
+              <a:t>Is retrieved</a:t>
+            </a:r>
+            <a:endParaRPr lang="en-IN" dirty="0"/>
+          </a:p>
+        </p:txBody>
+      </p:sp>
+      <p:sp>
+        <p:nvSpPr>
+          <p:cNvPr id="8" name="Rectangle 7"/>
+          <p:cNvSpPr/>
+          <p:nvPr/>
+        </p:nvSpPr>
+        <p:spPr>
+          <a:xfrm>
+            <a:off x="9753600" y="3043451"/>
+            <a:ext cx="1769659" cy="1501253"/>
+          </a:xfrm>
+          <a:prstGeom prst="rect">
+            <a:avLst/>
+          </a:prstGeom>
+        </p:spPr>
+        <p:style>
+          <a:lnRef idx="2">
+            <a:schemeClr val="accent1">
+              <a:shade val="50000"/>
+            </a:schemeClr>
+          </a:lnRef>
+          <a:fillRef idx="1">
+            <a:schemeClr val="accent1"/>
+          </a:fillRef>
+          <a:effectRef idx="0">
+            <a:schemeClr val="accent1"/>
+          </a:effectRef>
+          <a:fontRef idx="minor">
+            <a:schemeClr val="lt1"/>
+          </a:fontRef>
+        </p:style>
+        <p:txBody>
+          <a:bodyPr rtlCol="0" anchor="ctr"/>
+          <a:lstStyle/>
+          <a:p>
+            <a:pPr algn="ctr"/>
+            <a:r>
+              <a:rPr lang="en-IN" dirty="0" smtClean="0"/>
+              <a:t>Employment history about the alumni is maintained here</a:t>
+            </a:r>
+            <a:endParaRPr lang="en-IN" dirty="0"/>
+          </a:p>
+        </p:txBody>
+      </p:sp>
       <p:pic>
         <p:nvPicPr>
-          <p:cNvPr id="5" name="Picture 4"/>
+          <p:cNvPr id="2" name="Picture 1"/>
           <p:cNvPicPr>
             <a:picLocks noChangeAspect="1"/>
           </p:cNvPicPr>
@@ -3849,139 +3948,14 @@
         </p:blipFill>
         <p:spPr>
           <a:xfrm>
-            <a:off x="109183" y="1122423"/>
-            <a:ext cx="8044218" cy="5599052"/>
+            <a:off x="0" y="1106522"/>
+            <a:ext cx="8452514" cy="5751478"/>
           </a:xfrm>
           <a:prstGeom prst="rect">
             <a:avLst/>
           </a:prstGeom>
-          <a:solidFill>
-            <a:srgbClr val="FFFFFF">
-              <a:shade val="85000"/>
-            </a:srgbClr>
-          </a:solidFill>
-          <a:ln w="88900" cap="sq">
-            <a:solidFill>
-              <a:srgbClr val="FFFFFF"/>
-            </a:solidFill>
-            <a:miter lim="800000"/>
-          </a:ln>
-          <a:effectLst>
-            <a:outerShdw blurRad="55000" dist="18000" dir="5400000" algn="tl" rotWithShape="0">
-              <a:srgbClr val="000000">
-                <a:alpha val="40000"/>
-              </a:srgbClr>
-            </a:outerShdw>
-          </a:effectLst>
-          <a:scene3d>
-            <a:camera prst="orthographicFront"/>
-            <a:lightRig rig="twoPt" dir="t">
-              <a:rot lat="0" lon="0" rev="7200000"/>
-            </a:lightRig>
-          </a:scene3d>
-          <a:sp3d>
-            <a:bevelT w="25400" h="19050"/>
-            <a:contourClr>
-              <a:srgbClr val="FFFFFF"/>
-            </a:contourClr>
-          </a:sp3d>
         </p:spPr>
       </p:pic>
-      <p:sp>
-        <p:nvSpPr>
-          <p:cNvPr id="6" name="Rectangle 5"/>
-          <p:cNvSpPr/>
-          <p:nvPr/>
-        </p:nvSpPr>
-        <p:spPr>
-          <a:xfrm>
-            <a:off x="8452514" y="1122423"/>
-            <a:ext cx="1674125" cy="2234926"/>
-          </a:xfrm>
-          <a:prstGeom prst="rect">
-            <a:avLst/>
-          </a:prstGeom>
-        </p:spPr>
-        <p:style>
-          <a:lnRef idx="2">
-            <a:schemeClr val="accent1">
-              <a:shade val="50000"/>
-            </a:schemeClr>
-          </a:lnRef>
-          <a:fillRef idx="1">
-            <a:schemeClr val="accent1"/>
-          </a:fillRef>
-          <a:effectRef idx="0">
-            <a:schemeClr val="accent1"/>
-          </a:effectRef>
-          <a:fontRef idx="minor">
-            <a:schemeClr val="lt1"/>
-          </a:fontRef>
-        </p:style>
-        <p:txBody>
-          <a:bodyPr rtlCol="0" anchor="ctr"/>
-          <a:lstStyle/>
-          <a:p>
-            <a:pPr algn="ctr"/>
-            <a:r>
-              <a:rPr lang="en-IN" dirty="0" smtClean="0"/>
-              <a:t>Here all the information about the alumni</a:t>
-            </a:r>
-          </a:p>
-          <a:p>
-            <a:pPr algn="ctr"/>
-            <a:r>
-              <a:rPr lang="en-IN" dirty="0" smtClean="0"/>
-              <a:t>Is retrieved</a:t>
-            </a:r>
-            <a:endParaRPr lang="en-IN" dirty="0"/>
-          </a:p>
-        </p:txBody>
-      </p:sp>
-      <p:sp>
-        <p:nvSpPr>
-          <p:cNvPr id="8" name="Rectangle 7"/>
-          <p:cNvSpPr/>
-          <p:nvPr/>
-        </p:nvSpPr>
-        <p:spPr>
-          <a:xfrm>
-            <a:off x="9753600" y="3043451"/>
-            <a:ext cx="1769659" cy="1501253"/>
-          </a:xfrm>
-          <a:prstGeom prst="rect">
-            <a:avLst/>
-          </a:prstGeom>
-        </p:spPr>
-        <p:style>
-          <a:lnRef idx="2">
-            <a:schemeClr val="accent1">
-              <a:shade val="50000"/>
-            </a:schemeClr>
-          </a:lnRef>
-          <a:fillRef idx="1">
-            <a:schemeClr val="accent1"/>
-          </a:fillRef>
-          <a:effectRef idx="0">
-            <a:schemeClr val="accent1"/>
-          </a:effectRef>
-          <a:fontRef idx="minor">
-            <a:schemeClr val="lt1"/>
-          </a:fontRef>
-        </p:style>
-        <p:txBody>
-          <a:bodyPr rtlCol="0" anchor="ctr"/>
-          <a:lstStyle/>
-          <a:p>
-            <a:pPr algn="ctr"/>
-            <a:r>
-              <a:rPr lang="en-IN" dirty="0" smtClean="0"/>
-              <a:t>Employment history about the alumni is maintained here</a:t>
-            </a:r>
-            <a:endParaRPr lang="en-IN" dirty="0"/>
-          </a:p>
-        </p:txBody>
-      </p:sp>
     </p:spTree>
     <p:extLst>
       <p:ext uri="{BB962C8B-B14F-4D97-AF65-F5344CB8AC3E}">
@@ -4099,8 +4073,8 @@
         </p:blipFill>
         <p:spPr>
           <a:xfrm>
-            <a:off x="313899" y="1172182"/>
-            <a:ext cx="7956644" cy="5366730"/>
+            <a:off x="0" y="1172182"/>
+            <a:ext cx="8723086" cy="5685818"/>
           </a:xfrm>
           <a:prstGeom prst="rect">
             <a:avLst/>
@@ -4181,9 +4155,74 @@
           <a:chExt cx="0" cy="0"/>
         </a:xfrm>
       </p:grpSpPr>
+      <p:sp>
+        <p:nvSpPr>
+          <p:cNvPr id="2" name="Rectangle 1"/>
+          <p:cNvSpPr/>
+          <p:nvPr/>
+        </p:nvSpPr>
+        <p:spPr>
+          <a:xfrm>
+            <a:off x="3082447" y="0"/>
+            <a:ext cx="6462539" cy="923330"/>
+          </a:xfrm>
+          <a:prstGeom prst="rect">
+            <a:avLst/>
+          </a:prstGeom>
+          <a:noFill/>
+        </p:spPr>
+        <p:txBody>
+          <a:bodyPr wrap="none" lIns="91440" tIns="45720" rIns="91440" bIns="45720">
+            <a:spAutoFit/>
+          </a:bodyPr>
+          <a:lstStyle/>
+          <a:p>
+            <a:pPr algn="ctr"/>
+            <a:r>
+              <a:rPr lang="en-US" sz="5400" b="1" cap="none" spc="0" dirty="0" smtClean="0">
+                <a:ln w="9525">
+                  <a:solidFill>
+                    <a:schemeClr val="bg1"/>
+                  </a:solidFill>
+                  <a:prstDash val="solid"/>
+                </a:ln>
+                <a:solidFill>
+                  <a:schemeClr val="tx1"/>
+                </a:solidFill>
+                <a:effectLst>
+                  <a:outerShdw blurRad="12700" dist="38100" dir="2700000" algn="tl" rotWithShape="0">
+                    <a:schemeClr val="bg1">
+                      <a:lumMod val="50000"/>
+                    </a:schemeClr>
+                  </a:outerShdw>
+                </a:effectLst>
+              </a:rPr>
+              <a:t>DO GRADES MATTER?</a:t>
+            </a:r>
+            <a:endParaRPr lang="en-US" sz="5400" b="1" cap="none" spc="0" dirty="0">
+              <a:ln w="9525">
+                <a:solidFill>
+                  <a:schemeClr val="bg1"/>
+                </a:solidFill>
+                <a:prstDash val="solid"/>
+              </a:ln>
+              <a:solidFill>
+                <a:schemeClr val="tx1"/>
+              </a:solidFill>
+              <a:effectLst>
+                <a:outerShdw blurRad="12700" dist="38100" dir="2700000" algn="tl" rotWithShape="0">
+                  <a:schemeClr val="bg1">
+                    <a:lumMod val="50000"/>
+                  </a:schemeClr>
+                </a:outerShdw>
+              </a:effectLst>
+            </a:endParaRPr>
+          </a:p>
+        </p:txBody>
+      </p:sp>
       <p:pic>
         <p:nvPicPr>
-          <p:cNvPr id="2" name="Picture 1"/>
+          <p:cNvPr id="3" name="Picture 2"/>
           <p:cNvPicPr>
             <a:picLocks noChangeAspect="1"/>
           </p:cNvPicPr>
@@ -4203,75 +4242,18 @@
         </p:blipFill>
         <p:spPr>
           <a:xfrm>
-            <a:off x="0" y="0"/>
-            <a:ext cx="12192000" cy="6857999"/>
+            <a:off x="1634263" y="1106330"/>
+            <a:ext cx="9097645" cy="5751669"/>
           </a:xfrm>
           <a:prstGeom prst="rect">
             <a:avLst/>
           </a:prstGeom>
         </p:spPr>
       </p:pic>
-      <p:sp>
-        <p:nvSpPr>
-          <p:cNvPr id="6" name="Rectangle 5"/>
-          <p:cNvSpPr/>
-          <p:nvPr/>
-        </p:nvSpPr>
-        <p:spPr>
-          <a:xfrm>
-            <a:off x="150125" y="264597"/>
-            <a:ext cx="4124944" cy="646331"/>
-          </a:xfrm>
-          <a:prstGeom prst="rect">
-            <a:avLst/>
-          </a:prstGeom>
-        </p:spPr>
-        <p:txBody>
-          <a:bodyPr wrap="square">
-            <a:spAutoFit/>
-          </a:bodyPr>
-          <a:lstStyle/>
-          <a:p>
-            <a:pPr algn="ctr"/>
-            <a:r>
-              <a:rPr lang="en-US" dirty="0" smtClean="0">
-                <a:ln w="0"/>
-                <a:solidFill>
-                  <a:schemeClr val="accent1"/>
-                </a:solidFill>
-                <a:effectLst>
-                  <a:outerShdw blurRad="38100" dist="25400" dir="5400000" algn="ctr" rotWithShape="0">
-                    <a:srgbClr val="6E747A">
-                      <a:alpha val="43000"/>
-                    </a:srgbClr>
-                  </a:outerShdw>
-                </a:effectLst>
-              </a:rPr>
-              <a:t>HIERARCHY FOR DIFFERENT PEOPLE</a:t>
-            </a:r>
-          </a:p>
-          <a:p>
-            <a:pPr algn="ctr"/>
-            <a:endParaRPr lang="en-US" b="0" cap="none" spc="0" dirty="0">
-              <a:ln w="0"/>
-              <a:solidFill>
-                <a:schemeClr val="accent1"/>
-              </a:solidFill>
-              <a:effectLst>
-                <a:outerShdw blurRad="38100" dist="25400" dir="5400000" algn="ctr" rotWithShape="0">
-                  <a:srgbClr val="6E747A">
-                    <a:alpha val="43000"/>
-                  </a:srgbClr>
-                </a:outerShdw>
-              </a:effectLst>
-            </a:endParaRPr>
-          </a:p>
-        </p:txBody>
-      </p:sp>
     </p:spTree>
     <p:extLst>
       <p:ext uri="{BB962C8B-B14F-4D97-AF65-F5344CB8AC3E}">
-        <p14:creationId xmlns:p14="http://schemas.microsoft.com/office/powerpoint/2010/main" val="1455910932"/>
+        <p14:creationId xmlns:p14="http://schemas.microsoft.com/office/powerpoint/2010/main" val="573085175"/>
       </p:ext>
     </p:extLst>
   </p:cSld>
@@ -4298,74 +4280,9 @@
           <a:chExt cx="0" cy="0"/>
         </a:xfrm>
       </p:grpSpPr>
-      <p:sp>
-        <p:nvSpPr>
-          <p:cNvPr id="2" name="Rectangle 1"/>
-          <p:cNvSpPr/>
-          <p:nvPr/>
-        </p:nvSpPr>
-        <p:spPr>
-          <a:xfrm>
-            <a:off x="0" y="0"/>
-            <a:ext cx="5607561" cy="923330"/>
-          </a:xfrm>
-          <a:prstGeom prst="rect">
-            <a:avLst/>
-          </a:prstGeom>
-          <a:noFill/>
-        </p:spPr>
-        <p:txBody>
-          <a:bodyPr wrap="none" lIns="91440" tIns="45720" rIns="91440" bIns="45720">
-            <a:spAutoFit/>
-          </a:bodyPr>
-          <a:lstStyle/>
-          <a:p>
-            <a:pPr algn="ctr"/>
-            <a:r>
-              <a:rPr lang="en-US" sz="5400" b="1" cap="none" spc="0" dirty="0" smtClean="0">
-                <a:ln w="9525">
-                  <a:solidFill>
-                    <a:schemeClr val="bg1"/>
-                  </a:solidFill>
-                  <a:prstDash val="solid"/>
-                </a:ln>
-                <a:solidFill>
-                  <a:schemeClr val="tx1"/>
-                </a:solidFill>
-                <a:effectLst>
-                  <a:outerShdw blurRad="12700" dist="38100" dir="2700000" algn="tl" rotWithShape="0">
-                    <a:schemeClr val="bg1">
-                      <a:lumMod val="50000"/>
-                    </a:schemeClr>
-                  </a:outerShdw>
-                </a:effectLst>
-              </a:rPr>
-              <a:t>SEAT ASSIGNMENT</a:t>
-            </a:r>
-            <a:endParaRPr lang="en-US" sz="5400" b="1" cap="none" spc="0" dirty="0">
-              <a:ln w="9525">
-                <a:solidFill>
-                  <a:schemeClr val="bg1"/>
-                </a:solidFill>
-                <a:prstDash val="solid"/>
-              </a:ln>
-              <a:solidFill>
-                <a:schemeClr val="tx1"/>
-              </a:solidFill>
-              <a:effectLst>
-                <a:outerShdw blurRad="12700" dist="38100" dir="2700000" algn="tl" rotWithShape="0">
-                  <a:schemeClr val="bg1">
-                    <a:lumMod val="50000"/>
-                  </a:schemeClr>
-                </a:outerShdw>
-              </a:effectLst>
-            </a:endParaRPr>
-          </a:p>
-        </p:txBody>
-      </p:sp>
       <p:pic>
         <p:nvPicPr>
-          <p:cNvPr id="3" name="Picture 2"/>
+          <p:cNvPr id="2" name="Picture 1"/>
           <p:cNvPicPr>
             <a:picLocks noChangeAspect="1"/>
           </p:cNvPicPr>
@@ -4385,18 +4302,75 @@
         </p:blipFill>
         <p:spPr>
           <a:xfrm>
-            <a:off x="-109182" y="1195246"/>
-            <a:ext cx="12057655" cy="5662754"/>
+            <a:off x="0" y="0"/>
+            <a:ext cx="12192000" cy="6857999"/>
           </a:xfrm>
           <a:prstGeom prst="rect">
             <a:avLst/>
           </a:prstGeom>
         </p:spPr>
       </p:pic>
+      <p:sp>
+        <p:nvSpPr>
+          <p:cNvPr id="6" name="Rectangle 5"/>
+          <p:cNvSpPr/>
+          <p:nvPr/>
+        </p:nvSpPr>
+        <p:spPr>
+          <a:xfrm>
+            <a:off x="150125" y="264597"/>
+            <a:ext cx="4124944" cy="646331"/>
+          </a:xfrm>
+          <a:prstGeom prst="rect">
+            <a:avLst/>
+          </a:prstGeom>
+        </p:spPr>
+        <p:txBody>
+          <a:bodyPr wrap="square">
+            <a:spAutoFit/>
+          </a:bodyPr>
+          <a:lstStyle/>
+          <a:p>
+            <a:pPr algn="ctr"/>
+            <a:r>
+              <a:rPr lang="en-US" dirty="0" smtClean="0">
+                <a:ln w="0"/>
+                <a:solidFill>
+                  <a:schemeClr val="accent1"/>
+                </a:solidFill>
+                <a:effectLst>
+                  <a:outerShdw blurRad="38100" dist="25400" dir="5400000" algn="ctr" rotWithShape="0">
+                    <a:srgbClr val="6E747A">
+                      <a:alpha val="43000"/>
+                    </a:srgbClr>
+                  </a:outerShdw>
+                </a:effectLst>
+              </a:rPr>
+              <a:t>HIERARCHY FOR DIFFERENT PEOPLE</a:t>
+            </a:r>
+          </a:p>
+          <a:p>
+            <a:pPr algn="ctr"/>
+            <a:endParaRPr lang="en-US" b="0" cap="none" spc="0" dirty="0">
+              <a:ln w="0"/>
+              <a:solidFill>
+                <a:schemeClr val="accent1"/>
+              </a:solidFill>
+              <a:effectLst>
+                <a:outerShdw blurRad="38100" dist="25400" dir="5400000" algn="ctr" rotWithShape="0">
+                  <a:srgbClr val="6E747A">
+                    <a:alpha val="43000"/>
+                  </a:srgbClr>
+                </a:outerShdw>
+              </a:effectLst>
+            </a:endParaRPr>
+          </a:p>
+        </p:txBody>
+      </p:sp>
     </p:spTree>
     <p:extLst>
       <p:ext uri="{BB962C8B-B14F-4D97-AF65-F5344CB8AC3E}">
-        <p14:creationId xmlns:p14="http://schemas.microsoft.com/office/powerpoint/2010/main" val="4128147562"/>
+        <p14:creationId xmlns:p14="http://schemas.microsoft.com/office/powerpoint/2010/main" val="1455910932"/>
       </p:ext>
     </p:extLst>
   </p:cSld>
@@ -4425,14 +4399,14 @@
       </p:grpSpPr>
       <p:sp>
         <p:nvSpPr>
-          <p:cNvPr id="4" name="Rectangle 3"/>
+          <p:cNvPr id="2" name="Rectangle 1"/>
           <p:cNvSpPr/>
           <p:nvPr/>
         </p:nvSpPr>
         <p:spPr>
           <a:xfrm>
-            <a:off x="191068" y="-80027"/>
-            <a:ext cx="9690613" cy="923330"/>
+            <a:off x="0" y="0"/>
+            <a:ext cx="5047087" cy="923330"/>
           </a:xfrm>
           <a:prstGeom prst="rect">
             <a:avLst/>
@@ -4440,850 +4414,78 @@
           <a:noFill/>
         </p:spPr>
         <p:txBody>
-          <a:bodyPr wrap="square" lIns="91440" tIns="45720" rIns="91440" bIns="45720">
+          <a:bodyPr wrap="none" lIns="91440" tIns="45720" rIns="91440" bIns="45720">
             <a:spAutoFit/>
           </a:bodyPr>
           <a:lstStyle/>
           <a:p>
             <a:pPr algn="ctr"/>
             <a:r>
-              <a:rPr lang="en-US" sz="5400" b="1" cap="none" spc="0" dirty="0" smtClean="0">
-                <a:ln w="9525">
-                  <a:solidFill>
-                    <a:schemeClr val="bg1"/>
-                  </a:solidFill>
-                  <a:prstDash val="solid"/>
-                </a:ln>
+              <a:rPr lang="en-US" sz="5400" b="0" cap="none" spc="0" dirty="0" smtClean="0">
+                <a:ln w="0"/>
                 <a:solidFill>
-                  <a:schemeClr val="tx1"/>
+                  <a:schemeClr val="accent1"/>
                 </a:solidFill>
                 <a:effectLst>
-                  <a:outerShdw blurRad="12700" dist="38100" dir="2700000" algn="tl" rotWithShape="0">
-                    <a:schemeClr val="bg1">
-                      <a:lumMod val="50000"/>
-                    </a:schemeClr>
+                  <a:outerShdw blurRad="38100" dist="25400" dir="5400000" algn="ctr" rotWithShape="0">
+                    <a:srgbClr val="6E747A">
+                      <a:alpha val="43000"/>
+                    </a:srgbClr>
                   </a:outerShdw>
                 </a:effectLst>
               </a:rPr>
-              <a:t>COURSE RANKING BY ALUMNI</a:t>
-            </a:r>
-            <a:endParaRPr lang="en-US" sz="5400" b="1" cap="none" spc="0" dirty="0">
-              <a:ln w="9525">
-                <a:solidFill>
-                  <a:schemeClr val="bg1"/>
-                </a:solidFill>
-                <a:prstDash val="solid"/>
-              </a:ln>
+              <a:t>COURSES MODEL</a:t>
+            </a:r>
+            <a:endParaRPr lang="en-US" sz="5400" b="0" cap="none" spc="0" dirty="0">
+              <a:ln w="0"/>
               <a:solidFill>
-                <a:schemeClr val="tx1"/>
+                <a:schemeClr val="accent1"/>
               </a:solidFill>
               <a:effectLst>
-                <a:outerShdw blurRad="12700" dist="38100" dir="2700000" algn="tl" rotWithShape="0">
-                  <a:schemeClr val="bg1">
-                    <a:lumMod val="50000"/>
-                  </a:schemeClr>
+                <a:outerShdw blurRad="38100" dist="25400" dir="5400000" algn="ctr" rotWithShape="0">
+                  <a:srgbClr val="6E747A">
+                    <a:alpha val="43000"/>
+                  </a:srgbClr>
                 </a:outerShdw>
               </a:effectLst>
             </a:endParaRPr>
           </a:p>
         </p:txBody>
       </p:sp>
-      <p:cxnSp>
-        <p:nvCxnSpPr>
-          <p:cNvPr id="8" name="Straight Arrow Connector 7"/>
-          <p:cNvCxnSpPr/>
-          <p:nvPr/>
-        </p:nvCxnSpPr>
-        <p:spPr>
-          <a:xfrm flipV="1">
-            <a:off x="4669153" y="1511892"/>
-            <a:ext cx="702859" cy="8577"/>
-          </a:xfrm>
-          <a:prstGeom prst="straightConnector1">
-            <a:avLst/>
-          </a:prstGeom>
-          <a:ln>
-            <a:tailEnd type="triangle"/>
-          </a:ln>
-        </p:spPr>
-        <p:style>
-          <a:lnRef idx="1">
-            <a:schemeClr val="accent1"/>
-          </a:lnRef>
-          <a:fillRef idx="0">
-            <a:schemeClr val="accent1"/>
-          </a:fillRef>
-          <a:effectRef idx="0">
-            <a:schemeClr val="accent1"/>
-          </a:effectRef>
-          <a:fontRef idx="minor">
-            <a:schemeClr val="tx1"/>
-          </a:fontRef>
-        </p:style>
-      </p:cxnSp>
-      <p:sp>
-        <p:nvSpPr>
-          <p:cNvPr id="15" name="TextBox 14"/>
-          <p:cNvSpPr txBox="1"/>
-          <p:nvPr/>
-        </p:nvSpPr>
-        <p:spPr>
-          <a:xfrm>
-            <a:off x="2416465" y="2587602"/>
-            <a:ext cx="1255593" cy="253916"/>
+      <p:pic>
+        <p:nvPicPr>
+          <p:cNvPr id="4" name="Picture 3"/>
+          <p:cNvPicPr>
+            <a:picLocks noChangeAspect="1"/>
+          </p:cNvPicPr>
+          <p:nvPr/>
+        </p:nvPicPr>
+        <p:blipFill>
+          <a:blip r:embed="rId2">
+            <a:extLst>
+              <a:ext uri="{28A0092B-C50C-407E-A947-70E740481C1C}">
+                <a14:useLocalDpi xmlns:a14="http://schemas.microsoft.com/office/drawing/2010/main" val="0"/>
+              </a:ext>
+            </a:extLst>
+          </a:blip>
+          <a:stretch>
+            <a:fillRect/>
+          </a:stretch>
+        </p:blipFill>
+        <p:spPr>
+          <a:xfrm>
+            <a:off x="145143" y="923330"/>
+            <a:ext cx="11654971" cy="6058041"/>
           </a:xfrm>
           <a:prstGeom prst="rect">
             <a:avLst/>
           </a:prstGeom>
-          <a:noFill/>
-        </p:spPr>
-        <p:txBody>
-          <a:bodyPr wrap="square" rtlCol="0">
-            <a:spAutoFit/>
-          </a:bodyPr>
-          <a:lstStyle/>
-          <a:p>
-            <a:r>
-              <a:rPr lang="en-IN" sz="1050" dirty="0" err="1" smtClean="0"/>
-              <a:t>getDepartments</a:t>
-            </a:r>
-            <a:r>
-              <a:rPr lang="en-IN" sz="1050" dirty="0" smtClean="0"/>
-              <a:t>()</a:t>
-            </a:r>
-            <a:endParaRPr lang="en-IN" sz="1050" dirty="0"/>
-          </a:p>
-        </p:txBody>
-      </p:sp>
-      <p:sp>
-        <p:nvSpPr>
-          <p:cNvPr id="20" name="Oval 19"/>
-          <p:cNvSpPr/>
-          <p:nvPr/>
-        </p:nvSpPr>
-        <p:spPr>
-          <a:xfrm>
-            <a:off x="8640827" y="815797"/>
-            <a:ext cx="1810596" cy="1351128"/>
-          </a:xfrm>
-          <a:prstGeom prst="ellipse">
-            <a:avLst/>
-          </a:prstGeom>
-        </p:spPr>
-        <p:style>
-          <a:lnRef idx="2">
-            <a:schemeClr val="accent1">
-              <a:shade val="50000"/>
-            </a:schemeClr>
-          </a:lnRef>
-          <a:fillRef idx="1">
-            <a:schemeClr val="accent1"/>
-          </a:fillRef>
-          <a:effectRef idx="0">
-            <a:schemeClr val="accent1"/>
-          </a:effectRef>
-          <a:fontRef idx="minor">
-            <a:schemeClr val="lt1"/>
-          </a:fontRef>
-        </p:style>
-        <p:txBody>
-          <a:bodyPr rtlCol="0" anchor="ctr"/>
-          <a:lstStyle/>
-          <a:p>
-            <a:pPr algn="ctr"/>
-            <a:r>
-              <a:rPr lang="en-IN" dirty="0" smtClean="0"/>
-              <a:t>ALUMNI</a:t>
-            </a:r>
-            <a:endParaRPr lang="en-IN" dirty="0"/>
-          </a:p>
-        </p:txBody>
-      </p:sp>
-      <p:sp>
-        <p:nvSpPr>
-          <p:cNvPr id="24" name="TextBox 23"/>
-          <p:cNvSpPr txBox="1"/>
-          <p:nvPr/>
-        </p:nvSpPr>
-        <p:spPr>
-          <a:xfrm>
-            <a:off x="5831877" y="4154084"/>
-            <a:ext cx="1255593" cy="253916"/>
-          </a:xfrm>
-          <a:prstGeom prst="rect">
-            <a:avLst/>
-          </a:prstGeom>
-          <a:noFill/>
-        </p:spPr>
-        <p:txBody>
-          <a:bodyPr wrap="square" rtlCol="0">
-            <a:spAutoFit/>
-          </a:bodyPr>
-          <a:lstStyle/>
-          <a:p>
-            <a:r>
-              <a:rPr lang="en-IN" sz="1050" dirty="0" err="1" smtClean="0"/>
-              <a:t>setCourseRating</a:t>
-            </a:r>
-            <a:r>
-              <a:rPr lang="en-IN" sz="1050" dirty="0" smtClean="0"/>
-              <a:t>()</a:t>
-            </a:r>
-            <a:endParaRPr lang="en-IN" sz="1050" dirty="0"/>
-          </a:p>
-        </p:txBody>
-      </p:sp>
-      <p:sp>
-        <p:nvSpPr>
-          <p:cNvPr id="35" name="Rectangle 34"/>
-          <p:cNvSpPr/>
-          <p:nvPr/>
-        </p:nvSpPr>
-        <p:spPr>
-          <a:xfrm>
-            <a:off x="5372012" y="1077042"/>
-            <a:ext cx="1915892" cy="807149"/>
-          </a:xfrm>
-          <a:prstGeom prst="rect">
-            <a:avLst/>
-          </a:prstGeom>
-        </p:spPr>
-        <p:style>
-          <a:lnRef idx="2">
-            <a:schemeClr val="accent1">
-              <a:shade val="50000"/>
-            </a:schemeClr>
-          </a:lnRef>
-          <a:fillRef idx="1">
-            <a:schemeClr val="accent1"/>
-          </a:fillRef>
-          <a:effectRef idx="0">
-            <a:schemeClr val="accent1"/>
-          </a:effectRef>
-          <a:fontRef idx="minor">
-            <a:schemeClr val="lt1"/>
-          </a:fontRef>
-        </p:style>
-        <p:txBody>
-          <a:bodyPr rtlCol="0" anchor="ctr"/>
-          <a:lstStyle/>
-          <a:p>
-            <a:pPr algn="ctr"/>
-            <a:r>
-              <a:rPr lang="en-IN" dirty="0" smtClean="0"/>
-              <a:t>COURSECATALOG</a:t>
-            </a:r>
-            <a:endParaRPr lang="en-IN" dirty="0"/>
-          </a:p>
-        </p:txBody>
-      </p:sp>
-      <p:sp>
-        <p:nvSpPr>
-          <p:cNvPr id="39" name="Rectangle 38"/>
-          <p:cNvSpPr/>
-          <p:nvPr/>
-        </p:nvSpPr>
-        <p:spPr>
-          <a:xfrm>
-            <a:off x="2750023" y="3231785"/>
-            <a:ext cx="1619851" cy="644183"/>
-          </a:xfrm>
-          <a:prstGeom prst="rect">
-            <a:avLst/>
-          </a:prstGeom>
-        </p:spPr>
-        <p:style>
-          <a:lnRef idx="2">
-            <a:schemeClr val="accent1">
-              <a:shade val="50000"/>
-            </a:schemeClr>
-          </a:lnRef>
-          <a:fillRef idx="1">
-            <a:schemeClr val="accent1"/>
-          </a:fillRef>
-          <a:effectRef idx="0">
-            <a:schemeClr val="accent1"/>
-          </a:effectRef>
-          <a:fontRef idx="minor">
-            <a:schemeClr val="lt1"/>
-          </a:fontRef>
-        </p:style>
-        <p:txBody>
-          <a:bodyPr rtlCol="0" anchor="ctr"/>
-          <a:lstStyle/>
-          <a:p>
-            <a:pPr algn="ctr"/>
-            <a:endParaRPr lang="en-IN" dirty="0" smtClean="0"/>
-          </a:p>
-          <a:p>
-            <a:pPr algn="ctr"/>
-            <a:r>
-              <a:rPr lang="en-IN" dirty="0" smtClean="0"/>
-              <a:t>UNIVERSITY</a:t>
-            </a:r>
-          </a:p>
-          <a:p>
-            <a:pPr algn="ctr"/>
-            <a:r>
-              <a:rPr lang="en-IN" dirty="0" smtClean="0"/>
-              <a:t> </a:t>
-            </a:r>
-            <a:endParaRPr lang="en-IN" dirty="0"/>
-          </a:p>
-        </p:txBody>
-      </p:sp>
-      <p:sp>
-        <p:nvSpPr>
-          <p:cNvPr id="40" name="Rectangle 39"/>
-          <p:cNvSpPr/>
-          <p:nvPr/>
-        </p:nvSpPr>
-        <p:spPr>
-          <a:xfrm>
-            <a:off x="2674962" y="1139594"/>
-            <a:ext cx="1994192" cy="744597"/>
-          </a:xfrm>
-          <a:prstGeom prst="rect">
-            <a:avLst/>
-          </a:prstGeom>
-        </p:spPr>
-        <p:style>
-          <a:lnRef idx="2">
-            <a:schemeClr val="accent1">
-              <a:shade val="50000"/>
-            </a:schemeClr>
-          </a:lnRef>
-          <a:fillRef idx="1">
-            <a:schemeClr val="accent1"/>
-          </a:fillRef>
-          <a:effectRef idx="0">
-            <a:schemeClr val="accent1"/>
-          </a:effectRef>
-          <a:fontRef idx="minor">
-            <a:schemeClr val="lt1"/>
-          </a:fontRef>
-        </p:style>
-        <p:txBody>
-          <a:bodyPr rtlCol="0" anchor="ctr"/>
-          <a:lstStyle/>
-          <a:p>
-            <a:pPr algn="ctr"/>
-            <a:r>
-              <a:rPr lang="en-IN" dirty="0" smtClean="0"/>
-              <a:t>DEPARTMENT</a:t>
-            </a:r>
-            <a:endParaRPr lang="en-IN" dirty="0"/>
-          </a:p>
-        </p:txBody>
-      </p:sp>
-      <p:cxnSp>
-        <p:nvCxnSpPr>
-          <p:cNvPr id="45" name="Straight Arrow Connector 44"/>
-          <p:cNvCxnSpPr/>
-          <p:nvPr/>
-        </p:nvCxnSpPr>
-        <p:spPr>
-          <a:xfrm flipH="1">
-            <a:off x="9573779" y="2169043"/>
-            <a:ext cx="1" cy="747052"/>
-          </a:xfrm>
-          <a:prstGeom prst="straightConnector1">
-            <a:avLst/>
-          </a:prstGeom>
-          <a:ln>
-            <a:tailEnd type="triangle"/>
-          </a:ln>
-        </p:spPr>
-        <p:style>
-          <a:lnRef idx="1">
-            <a:schemeClr val="accent1"/>
-          </a:lnRef>
-          <a:fillRef idx="0">
-            <a:schemeClr val="accent1"/>
-          </a:fillRef>
-          <a:effectRef idx="0">
-            <a:schemeClr val="accent1"/>
-          </a:effectRef>
-          <a:fontRef idx="minor">
-            <a:schemeClr val="tx1"/>
-          </a:fontRef>
-        </p:style>
-      </p:cxnSp>
-      <p:sp>
-        <p:nvSpPr>
-          <p:cNvPr id="46" name="Flowchart: Decision 45"/>
-          <p:cNvSpPr/>
-          <p:nvPr/>
-        </p:nvSpPr>
-        <p:spPr>
-          <a:xfrm>
-            <a:off x="8179291" y="2864659"/>
-            <a:ext cx="2788976" cy="1980296"/>
-          </a:xfrm>
-          <a:prstGeom prst="flowChartDecision">
-            <a:avLst/>
-          </a:prstGeom>
-        </p:spPr>
-        <p:style>
-          <a:lnRef idx="2">
-            <a:schemeClr val="accent1">
-              <a:shade val="50000"/>
-            </a:schemeClr>
-          </a:lnRef>
-          <a:fillRef idx="1">
-            <a:schemeClr val="accent1"/>
-          </a:fillRef>
-          <a:effectRef idx="0">
-            <a:schemeClr val="accent1"/>
-          </a:effectRef>
-          <a:fontRef idx="minor">
-            <a:schemeClr val="lt1"/>
-          </a:fontRef>
-        </p:style>
-        <p:txBody>
-          <a:bodyPr rtlCol="0" anchor="ctr"/>
-          <a:lstStyle/>
-          <a:p>
-            <a:pPr algn="ctr"/>
-            <a:r>
-              <a:rPr lang="en-IN" smtClean="0"/>
-              <a:t>IF ALUMNI COURSE LIST CONTAINS DESIRED COURSE</a:t>
-            </a:r>
-            <a:endParaRPr lang="en-IN" dirty="0"/>
-          </a:p>
-        </p:txBody>
-      </p:sp>
-      <p:cxnSp>
-        <p:nvCxnSpPr>
-          <p:cNvPr id="51" name="Straight Connector 50"/>
-          <p:cNvCxnSpPr>
-            <a:stCxn id="46" idx="1"/>
-          </p:cNvCxnSpPr>
-          <p:nvPr/>
-        </p:nvCxnSpPr>
-        <p:spPr>
-          <a:xfrm flipH="1" flipV="1">
-            <a:off x="7028597" y="3848669"/>
-            <a:ext cx="1150694" cy="6138"/>
-          </a:xfrm>
-          <a:prstGeom prst="line">
-            <a:avLst/>
-          </a:prstGeom>
-        </p:spPr>
-        <p:style>
-          <a:lnRef idx="1">
-            <a:schemeClr val="accent1"/>
-          </a:lnRef>
-          <a:fillRef idx="0">
-            <a:schemeClr val="accent1"/>
-          </a:fillRef>
-          <a:effectRef idx="0">
-            <a:schemeClr val="accent1"/>
-          </a:effectRef>
-          <a:fontRef idx="minor">
-            <a:schemeClr val="tx1"/>
-          </a:fontRef>
-        </p:style>
-      </p:cxnSp>
-      <p:cxnSp>
-        <p:nvCxnSpPr>
-          <p:cNvPr id="55" name="Straight Arrow Connector 54"/>
-          <p:cNvCxnSpPr/>
-          <p:nvPr/>
-        </p:nvCxnSpPr>
-        <p:spPr>
-          <a:xfrm>
-            <a:off x="7028597" y="3848669"/>
-            <a:ext cx="13648" cy="996286"/>
-          </a:xfrm>
-          <a:prstGeom prst="straightConnector1">
-            <a:avLst/>
-          </a:prstGeom>
-          <a:ln>
-            <a:tailEnd type="triangle"/>
-          </a:ln>
-        </p:spPr>
-        <p:style>
-          <a:lnRef idx="1">
-            <a:schemeClr val="accent1"/>
-          </a:lnRef>
-          <a:fillRef idx="0">
-            <a:schemeClr val="accent1"/>
-          </a:fillRef>
-          <a:effectRef idx="0">
-            <a:schemeClr val="accent1"/>
-          </a:effectRef>
-          <a:fontRef idx="minor">
-            <a:schemeClr val="tx1"/>
-          </a:fontRef>
-        </p:style>
-      </p:cxnSp>
-      <p:cxnSp>
-        <p:nvCxnSpPr>
-          <p:cNvPr id="56" name="Straight Connector 55"/>
-          <p:cNvCxnSpPr/>
-          <p:nvPr/>
-        </p:nvCxnSpPr>
-        <p:spPr>
-          <a:xfrm flipH="1">
-            <a:off x="10968267" y="3856925"/>
-            <a:ext cx="591135" cy="5392"/>
-          </a:xfrm>
-          <a:prstGeom prst="line">
-            <a:avLst/>
-          </a:prstGeom>
-        </p:spPr>
-        <p:style>
-          <a:lnRef idx="1">
-            <a:schemeClr val="accent1"/>
-          </a:lnRef>
-          <a:fillRef idx="0">
-            <a:schemeClr val="accent1"/>
-          </a:fillRef>
-          <a:effectRef idx="0">
-            <a:schemeClr val="accent1"/>
-          </a:effectRef>
-          <a:fontRef idx="minor">
-            <a:schemeClr val="tx1"/>
-          </a:fontRef>
-        </p:style>
-      </p:cxnSp>
-      <p:cxnSp>
-        <p:nvCxnSpPr>
-          <p:cNvPr id="59" name="Straight Arrow Connector 58"/>
-          <p:cNvCxnSpPr/>
-          <p:nvPr/>
-        </p:nvCxnSpPr>
-        <p:spPr>
-          <a:xfrm>
-            <a:off x="11559150" y="3875968"/>
-            <a:ext cx="0" cy="1439151"/>
-          </a:xfrm>
-          <a:prstGeom prst="straightConnector1">
-            <a:avLst/>
-          </a:prstGeom>
-          <a:ln>
-            <a:tailEnd type="triangle"/>
-          </a:ln>
-        </p:spPr>
-        <p:style>
-          <a:lnRef idx="1">
-            <a:schemeClr val="accent1"/>
-          </a:lnRef>
-          <a:fillRef idx="0">
-            <a:schemeClr val="accent1"/>
-          </a:fillRef>
-          <a:effectRef idx="0">
-            <a:schemeClr val="accent1"/>
-          </a:effectRef>
-          <a:fontRef idx="minor">
-            <a:schemeClr val="tx1"/>
-          </a:fontRef>
-        </p:style>
-      </p:cxnSp>
-      <p:sp>
-        <p:nvSpPr>
-          <p:cNvPr id="60" name="Oval 59"/>
-          <p:cNvSpPr/>
-          <p:nvPr/>
-        </p:nvSpPr>
-        <p:spPr>
-          <a:xfrm>
-            <a:off x="6016656" y="4838817"/>
-            <a:ext cx="2051178" cy="1596788"/>
-          </a:xfrm>
-          <a:prstGeom prst="ellipse">
-            <a:avLst/>
-          </a:prstGeom>
-        </p:spPr>
-        <p:style>
-          <a:lnRef idx="2">
-            <a:schemeClr val="accent1">
-              <a:shade val="50000"/>
-            </a:schemeClr>
-          </a:lnRef>
-          <a:fillRef idx="1">
-            <a:schemeClr val="accent1"/>
-          </a:fillRef>
-          <a:effectRef idx="0">
-            <a:schemeClr val="accent1"/>
-          </a:effectRef>
-          <a:fontRef idx="minor">
-            <a:schemeClr val="lt1"/>
-          </a:fontRef>
-        </p:style>
-        <p:txBody>
-          <a:bodyPr rtlCol="0" anchor="ctr"/>
-          <a:lstStyle/>
-          <a:p>
-            <a:pPr algn="ctr"/>
-            <a:r>
-              <a:rPr lang="en-IN" dirty="0" smtClean="0"/>
-              <a:t>ALUMNI GIVES RATING FOR THE COURSE</a:t>
-            </a:r>
-            <a:endParaRPr lang="en-IN" dirty="0"/>
-          </a:p>
-        </p:txBody>
-      </p:sp>
-      <p:sp>
-        <p:nvSpPr>
-          <p:cNvPr id="62" name="TextBox 61"/>
-          <p:cNvSpPr txBox="1"/>
-          <p:nvPr/>
-        </p:nvSpPr>
-        <p:spPr>
-          <a:xfrm>
-            <a:off x="7116660" y="3603009"/>
-            <a:ext cx="471496" cy="253916"/>
-          </a:xfrm>
-          <a:prstGeom prst="rect">
-            <a:avLst/>
-          </a:prstGeom>
-          <a:noFill/>
-        </p:spPr>
-        <p:txBody>
-          <a:bodyPr wrap="square" rtlCol="0">
-            <a:spAutoFit/>
-          </a:bodyPr>
-          <a:lstStyle/>
-          <a:p>
-            <a:r>
-              <a:rPr lang="en-IN" sz="1050" dirty="0" smtClean="0"/>
-              <a:t>YES</a:t>
-            </a:r>
-            <a:endParaRPr lang="en-IN" sz="1050" dirty="0"/>
-          </a:p>
-        </p:txBody>
-      </p:sp>
-      <p:sp>
-        <p:nvSpPr>
-          <p:cNvPr id="63" name="TextBox 62"/>
-          <p:cNvSpPr txBox="1"/>
-          <p:nvPr/>
-        </p:nvSpPr>
-        <p:spPr>
-          <a:xfrm>
-            <a:off x="11323654" y="3594753"/>
-            <a:ext cx="471496" cy="253916"/>
-          </a:xfrm>
-          <a:prstGeom prst="rect">
-            <a:avLst/>
-          </a:prstGeom>
-          <a:noFill/>
-        </p:spPr>
-        <p:txBody>
-          <a:bodyPr wrap="square" rtlCol="0">
-            <a:spAutoFit/>
-          </a:bodyPr>
-          <a:lstStyle/>
-          <a:p>
-            <a:r>
-              <a:rPr lang="en-IN" sz="1050" dirty="0" smtClean="0"/>
-              <a:t>NO</a:t>
-            </a:r>
-            <a:endParaRPr lang="en-IN" sz="1050" dirty="0"/>
-          </a:p>
-        </p:txBody>
-      </p:sp>
-      <p:cxnSp>
-        <p:nvCxnSpPr>
-          <p:cNvPr id="68" name="Straight Arrow Connector 67"/>
-          <p:cNvCxnSpPr>
-            <a:stCxn id="60" idx="6"/>
-          </p:cNvCxnSpPr>
-          <p:nvPr/>
-        </p:nvCxnSpPr>
-        <p:spPr>
-          <a:xfrm>
-            <a:off x="8067834" y="5637211"/>
-            <a:ext cx="2672954" cy="0"/>
-          </a:xfrm>
-          <a:prstGeom prst="straightConnector1">
-            <a:avLst/>
-          </a:prstGeom>
-          <a:ln>
-            <a:tailEnd type="triangle"/>
-          </a:ln>
-        </p:spPr>
-        <p:style>
-          <a:lnRef idx="1">
-            <a:schemeClr val="accent1"/>
-          </a:lnRef>
-          <a:fillRef idx="0">
-            <a:schemeClr val="accent1"/>
-          </a:fillRef>
-          <a:effectRef idx="0">
-            <a:schemeClr val="accent1"/>
-          </a:effectRef>
-          <a:fontRef idx="minor">
-            <a:schemeClr val="tx1"/>
-          </a:fontRef>
-        </p:style>
-      </p:cxnSp>
-      <p:sp>
-        <p:nvSpPr>
-          <p:cNvPr id="71" name="Rectangle 70"/>
-          <p:cNvSpPr/>
-          <p:nvPr/>
-        </p:nvSpPr>
-        <p:spPr>
-          <a:xfrm>
-            <a:off x="10740788" y="5315119"/>
-            <a:ext cx="1105627" cy="644183"/>
-          </a:xfrm>
-          <a:prstGeom prst="rect">
-            <a:avLst/>
-          </a:prstGeom>
-        </p:spPr>
-        <p:style>
-          <a:lnRef idx="2">
-            <a:schemeClr val="accent1">
-              <a:shade val="50000"/>
-            </a:schemeClr>
-          </a:lnRef>
-          <a:fillRef idx="1">
-            <a:schemeClr val="accent1"/>
-          </a:fillRef>
-          <a:effectRef idx="0">
-            <a:schemeClr val="accent1"/>
-          </a:effectRef>
-          <a:fontRef idx="minor">
-            <a:schemeClr val="lt1"/>
-          </a:fontRef>
-        </p:style>
-        <p:txBody>
-          <a:bodyPr rtlCol="0" anchor="ctr"/>
-          <a:lstStyle/>
-          <a:p>
-            <a:pPr algn="ctr"/>
-            <a:endParaRPr lang="en-IN" dirty="0" smtClean="0"/>
-          </a:p>
-          <a:p>
-            <a:pPr algn="ctr"/>
-            <a:r>
-              <a:rPr lang="en-IN" dirty="0" smtClean="0"/>
-              <a:t>END</a:t>
-            </a:r>
-          </a:p>
-          <a:p>
-            <a:pPr algn="ctr"/>
-            <a:r>
-              <a:rPr lang="en-IN" dirty="0" smtClean="0"/>
-              <a:t> </a:t>
-            </a:r>
-            <a:endParaRPr lang="en-IN" dirty="0"/>
-          </a:p>
-        </p:txBody>
-      </p:sp>
-      <p:cxnSp>
-        <p:nvCxnSpPr>
-          <p:cNvPr id="76" name="Straight Arrow Connector 75"/>
-          <p:cNvCxnSpPr>
-            <a:stCxn id="39" idx="0"/>
-          </p:cNvCxnSpPr>
-          <p:nvPr/>
-        </p:nvCxnSpPr>
-        <p:spPr>
-          <a:xfrm flipV="1">
-            <a:off x="3559949" y="1884191"/>
-            <a:ext cx="15764" cy="1347594"/>
-          </a:xfrm>
-          <a:prstGeom prst="straightConnector1">
-            <a:avLst/>
-          </a:prstGeom>
-          <a:ln>
-            <a:tailEnd type="triangle"/>
-          </a:ln>
-        </p:spPr>
-        <p:style>
-          <a:lnRef idx="1">
-            <a:schemeClr val="accent1"/>
-          </a:lnRef>
-          <a:fillRef idx="0">
-            <a:schemeClr val="accent1"/>
-          </a:fillRef>
-          <a:effectRef idx="0">
-            <a:schemeClr val="accent1"/>
-          </a:effectRef>
-          <a:fontRef idx="minor">
-            <a:schemeClr val="tx1"/>
-          </a:fontRef>
-        </p:style>
-      </p:cxnSp>
-      <p:cxnSp>
-        <p:nvCxnSpPr>
-          <p:cNvPr id="85" name="Straight Arrow Connector 84"/>
-          <p:cNvCxnSpPr>
-            <a:stCxn id="35" idx="3"/>
-            <a:endCxn id="20" idx="2"/>
-          </p:cNvCxnSpPr>
-          <p:nvPr/>
-        </p:nvCxnSpPr>
-        <p:spPr>
-          <a:xfrm>
-            <a:off x="7287904" y="1480617"/>
-            <a:ext cx="1352923" cy="10744"/>
-          </a:xfrm>
-          <a:prstGeom prst="straightConnector1">
-            <a:avLst/>
-          </a:prstGeom>
-          <a:ln>
-            <a:tailEnd type="triangle"/>
-          </a:ln>
-        </p:spPr>
-        <p:style>
-          <a:lnRef idx="1">
-            <a:schemeClr val="accent1"/>
-          </a:lnRef>
-          <a:fillRef idx="0">
-            <a:schemeClr val="accent1"/>
-          </a:fillRef>
-          <a:effectRef idx="0">
-            <a:schemeClr val="accent1"/>
-          </a:effectRef>
-          <a:fontRef idx="minor">
-            <a:schemeClr val="tx1"/>
-          </a:fontRef>
-        </p:style>
-      </p:cxnSp>
-      <p:sp>
-        <p:nvSpPr>
-          <p:cNvPr id="87" name="TextBox 86"/>
-          <p:cNvSpPr txBox="1"/>
-          <p:nvPr/>
-        </p:nvSpPr>
-        <p:spPr>
-          <a:xfrm>
-            <a:off x="7405705" y="1157551"/>
-            <a:ext cx="1255593" cy="253916"/>
-          </a:xfrm>
-          <a:prstGeom prst="rect">
-            <a:avLst/>
-          </a:prstGeom>
-          <a:noFill/>
-        </p:spPr>
-        <p:txBody>
-          <a:bodyPr wrap="square" rtlCol="0">
-            <a:spAutoFit/>
-          </a:bodyPr>
-          <a:lstStyle/>
-          <a:p>
-            <a:r>
-              <a:rPr lang="en-IN" sz="1050" dirty="0" err="1" smtClean="0"/>
-              <a:t>getCourseList</a:t>
-            </a:r>
-            <a:r>
-              <a:rPr lang="en-IN" sz="1050" dirty="0" smtClean="0"/>
-              <a:t>()</a:t>
-            </a:r>
-            <a:endParaRPr lang="en-IN" sz="1050" dirty="0"/>
-          </a:p>
-        </p:txBody>
-      </p:sp>
+        </p:spPr>
+      </p:pic>
     </p:spTree>
     <p:extLst>
       <p:ext uri="{BB962C8B-B14F-4D97-AF65-F5344CB8AC3E}">
-        <p14:creationId xmlns:p14="http://schemas.microsoft.com/office/powerpoint/2010/main" val="4034390955"/>
+        <p14:creationId xmlns:p14="http://schemas.microsoft.com/office/powerpoint/2010/main" val="2704079796"/>
       </p:ext>
     </p:extLst>
   </p:cSld>
@@ -5318,8 +4520,8 @@
         </p:nvSpPr>
         <p:spPr>
           <a:xfrm>
-            <a:off x="140735" y="0"/>
-            <a:ext cx="9563131" cy="923330"/>
+            <a:off x="0" y="0"/>
+            <a:ext cx="5607561" cy="923330"/>
           </a:xfrm>
           <a:prstGeom prst="rect">
             <a:avLst/>
@@ -5352,7 +4554,7 @@
                   </a:outerShdw>
                 </a:effectLst>
               </a:rPr>
-              <a:t>COURSE RANKING BY EMPLOYER</a:t>
+              <a:t>SEAT ASSIGNMENT</a:t>
             </a:r>
             <a:endParaRPr lang="en-US" sz="5400" b="1" cap="none" spc="0" dirty="0">
               <a:ln w="9525">
@@ -5375,718 +4577,40 @@
           </a:p>
         </p:txBody>
       </p:sp>
-      <p:sp>
-        <p:nvSpPr>
-          <p:cNvPr id="4" name="Rectangle 3"/>
-          <p:cNvSpPr/>
-          <p:nvPr/>
-        </p:nvSpPr>
-        <p:spPr>
-          <a:xfrm>
-            <a:off x="3530228" y="1415112"/>
-            <a:ext cx="1760561" cy="782640"/>
+      <p:pic>
+        <p:nvPicPr>
+          <p:cNvPr id="3" name="Picture 2"/>
+          <p:cNvPicPr>
+            <a:picLocks noChangeAspect="1"/>
+          </p:cNvPicPr>
+          <p:nvPr/>
+        </p:nvPicPr>
+        <p:blipFill>
+          <a:blip r:embed="rId2">
+            <a:extLst>
+              <a:ext uri="{28A0092B-C50C-407E-A947-70E740481C1C}">
+                <a14:useLocalDpi xmlns:a14="http://schemas.microsoft.com/office/drawing/2010/main" val="0"/>
+              </a:ext>
+            </a:extLst>
+          </a:blip>
+          <a:stretch>
+            <a:fillRect/>
+          </a:stretch>
+        </p:blipFill>
+        <p:spPr>
+          <a:xfrm>
+            <a:off x="-109182" y="1195246"/>
+            <a:ext cx="12057655" cy="5662754"/>
           </a:xfrm>
           <a:prstGeom prst="rect">
             <a:avLst/>
           </a:prstGeom>
         </p:spPr>
-        <p:style>
-          <a:lnRef idx="2">
-            <a:schemeClr val="accent1">
-              <a:shade val="50000"/>
-            </a:schemeClr>
-          </a:lnRef>
-          <a:fillRef idx="1">
-            <a:schemeClr val="accent1"/>
-          </a:fillRef>
-          <a:effectRef idx="0">
-            <a:schemeClr val="accent1"/>
-          </a:effectRef>
-          <a:fontRef idx="minor">
-            <a:schemeClr val="lt1"/>
-          </a:fontRef>
-        </p:style>
-        <p:txBody>
-          <a:bodyPr rtlCol="0" anchor="ctr"/>
-          <a:lstStyle/>
-          <a:p>
-            <a:pPr algn="ctr"/>
-            <a:r>
-              <a:rPr lang="en-IN" dirty="0" smtClean="0"/>
-              <a:t>EMPLOYER</a:t>
-            </a:r>
-            <a:endParaRPr lang="en-IN" dirty="0"/>
-          </a:p>
-        </p:txBody>
-      </p:sp>
-      <p:sp>
-        <p:nvSpPr>
-          <p:cNvPr id="7" name="Rectangle 6"/>
-          <p:cNvSpPr/>
-          <p:nvPr/>
-        </p:nvSpPr>
-        <p:spPr>
-          <a:xfrm>
-            <a:off x="395785" y="1346410"/>
-            <a:ext cx="1760561" cy="782640"/>
-          </a:xfrm>
-          <a:prstGeom prst="rect">
-            <a:avLst/>
-          </a:prstGeom>
-        </p:spPr>
-        <p:style>
-          <a:lnRef idx="2">
-            <a:schemeClr val="accent1">
-              <a:shade val="50000"/>
-            </a:schemeClr>
-          </a:lnRef>
-          <a:fillRef idx="1">
-            <a:schemeClr val="accent1"/>
-          </a:fillRef>
-          <a:effectRef idx="0">
-            <a:schemeClr val="accent1"/>
-          </a:effectRef>
-          <a:fontRef idx="minor">
-            <a:schemeClr val="lt1"/>
-          </a:fontRef>
-        </p:style>
-        <p:txBody>
-          <a:bodyPr rtlCol="0" anchor="ctr"/>
-          <a:lstStyle/>
-          <a:p>
-            <a:pPr algn="ctr"/>
-            <a:r>
-              <a:rPr lang="en-IN" dirty="0" smtClean="0"/>
-              <a:t>EMPLOYER DIRECTORY</a:t>
-            </a:r>
-            <a:endParaRPr lang="en-IN" dirty="0"/>
-          </a:p>
-        </p:txBody>
-      </p:sp>
-      <p:cxnSp>
-        <p:nvCxnSpPr>
-          <p:cNvPr id="17" name="Straight Arrow Connector 16"/>
-          <p:cNvCxnSpPr>
-            <a:stCxn id="7" idx="3"/>
-          </p:cNvCxnSpPr>
-          <p:nvPr/>
-        </p:nvCxnSpPr>
-        <p:spPr>
-          <a:xfrm>
-            <a:off x="2156346" y="1737730"/>
-            <a:ext cx="1373882" cy="0"/>
-          </a:xfrm>
-          <a:prstGeom prst="straightConnector1">
-            <a:avLst/>
-          </a:prstGeom>
-          <a:ln>
-            <a:tailEnd type="triangle"/>
-          </a:ln>
-        </p:spPr>
-        <p:style>
-          <a:lnRef idx="1">
-            <a:schemeClr val="accent1"/>
-          </a:lnRef>
-          <a:fillRef idx="0">
-            <a:schemeClr val="accent1"/>
-          </a:fillRef>
-          <a:effectRef idx="0">
-            <a:schemeClr val="accent1"/>
-          </a:effectRef>
-          <a:fontRef idx="minor">
-            <a:schemeClr val="tx1"/>
-          </a:fontRef>
-        </p:style>
-      </p:cxnSp>
-      <p:sp>
-        <p:nvSpPr>
-          <p:cNvPr id="18" name="TextBox 17"/>
-          <p:cNvSpPr txBox="1"/>
-          <p:nvPr/>
-        </p:nvSpPr>
-        <p:spPr>
-          <a:xfrm>
-            <a:off x="2235962" y="1415112"/>
-            <a:ext cx="1214650" cy="253916"/>
-          </a:xfrm>
-          <a:prstGeom prst="rect">
-            <a:avLst/>
-          </a:prstGeom>
-          <a:noFill/>
-        </p:spPr>
-        <p:txBody>
-          <a:bodyPr wrap="square" rtlCol="0">
-            <a:spAutoFit/>
-          </a:bodyPr>
-          <a:lstStyle/>
-          <a:p>
-            <a:r>
-              <a:rPr lang="en-IN" sz="1050" dirty="0" err="1" smtClean="0"/>
-              <a:t>getEmployerList</a:t>
-            </a:r>
-            <a:r>
-              <a:rPr lang="en-IN" sz="1050" dirty="0" smtClean="0"/>
-              <a:t>()</a:t>
-            </a:r>
-            <a:endParaRPr lang="en-IN" sz="1050" dirty="0"/>
-          </a:p>
-        </p:txBody>
-      </p:sp>
-      <p:sp>
-        <p:nvSpPr>
-          <p:cNvPr id="29" name="Rectangle 28"/>
-          <p:cNvSpPr/>
-          <p:nvPr/>
-        </p:nvSpPr>
-        <p:spPr>
-          <a:xfrm>
-            <a:off x="3509755" y="2620832"/>
-            <a:ext cx="1760561" cy="782640"/>
-          </a:xfrm>
-          <a:prstGeom prst="rect">
-            <a:avLst/>
-          </a:prstGeom>
-        </p:spPr>
-        <p:style>
-          <a:lnRef idx="2">
-            <a:schemeClr val="accent1">
-              <a:shade val="50000"/>
-            </a:schemeClr>
-          </a:lnRef>
-          <a:fillRef idx="1">
-            <a:schemeClr val="accent1"/>
-          </a:fillRef>
-          <a:effectRef idx="0">
-            <a:schemeClr val="accent1"/>
-          </a:effectRef>
-          <a:fontRef idx="minor">
-            <a:schemeClr val="lt1"/>
-          </a:fontRef>
-        </p:style>
-        <p:txBody>
-          <a:bodyPr rtlCol="0" anchor="ctr"/>
-          <a:lstStyle/>
-          <a:p>
-            <a:pPr algn="ctr"/>
-            <a:r>
-              <a:rPr lang="en-IN" dirty="0" smtClean="0"/>
-              <a:t>COURSE</a:t>
-            </a:r>
-            <a:endParaRPr lang="en-IN" dirty="0"/>
-          </a:p>
-        </p:txBody>
-      </p:sp>
-      <p:cxnSp>
-        <p:nvCxnSpPr>
-          <p:cNvPr id="31" name="Straight Arrow Connector 30"/>
-          <p:cNvCxnSpPr>
-            <a:stCxn id="4" idx="3"/>
-          </p:cNvCxnSpPr>
-          <p:nvPr/>
-        </p:nvCxnSpPr>
-        <p:spPr>
-          <a:xfrm>
-            <a:off x="5290789" y="1806432"/>
-            <a:ext cx="2181359" cy="391320"/>
-          </a:xfrm>
-          <a:prstGeom prst="straightConnector1">
-            <a:avLst/>
-          </a:prstGeom>
-          <a:ln>
-            <a:tailEnd type="triangle"/>
-          </a:ln>
-        </p:spPr>
-        <p:style>
-          <a:lnRef idx="1">
-            <a:schemeClr val="accent1"/>
-          </a:lnRef>
-          <a:fillRef idx="0">
-            <a:schemeClr val="accent1"/>
-          </a:fillRef>
-          <a:effectRef idx="0">
-            <a:schemeClr val="accent1"/>
-          </a:effectRef>
-          <a:fontRef idx="minor">
-            <a:schemeClr val="tx1"/>
-          </a:fontRef>
-        </p:style>
-      </p:cxnSp>
-      <p:cxnSp>
-        <p:nvCxnSpPr>
-          <p:cNvPr id="33" name="Straight Arrow Connector 32"/>
-          <p:cNvCxnSpPr>
-            <a:stCxn id="29" idx="3"/>
-            <a:endCxn id="35" idx="1"/>
-          </p:cNvCxnSpPr>
-          <p:nvPr/>
-        </p:nvCxnSpPr>
-        <p:spPr>
-          <a:xfrm flipV="1">
-            <a:off x="5270316" y="2163401"/>
-            <a:ext cx="2222305" cy="848751"/>
-          </a:xfrm>
-          <a:prstGeom prst="straightConnector1">
-            <a:avLst/>
-          </a:prstGeom>
-          <a:ln>
-            <a:tailEnd type="triangle"/>
-          </a:ln>
-        </p:spPr>
-        <p:style>
-          <a:lnRef idx="1">
-            <a:schemeClr val="accent1"/>
-          </a:lnRef>
-          <a:fillRef idx="0">
-            <a:schemeClr val="accent1"/>
-          </a:fillRef>
-          <a:effectRef idx="0">
-            <a:schemeClr val="accent1"/>
-          </a:effectRef>
-          <a:fontRef idx="minor">
-            <a:schemeClr val="tx1"/>
-          </a:fontRef>
-        </p:style>
-      </p:cxnSp>
-      <p:sp>
-        <p:nvSpPr>
-          <p:cNvPr id="35" name="Flowchart: Decision 34"/>
-          <p:cNvSpPr/>
-          <p:nvPr/>
-        </p:nvSpPr>
-        <p:spPr>
-          <a:xfrm>
-            <a:off x="7492621" y="923330"/>
-            <a:ext cx="3425589" cy="2480142"/>
-          </a:xfrm>
-          <a:prstGeom prst="flowChartDecision">
-            <a:avLst/>
-          </a:prstGeom>
-        </p:spPr>
-        <p:style>
-          <a:lnRef idx="2">
-            <a:schemeClr val="accent1">
-              <a:shade val="50000"/>
-            </a:schemeClr>
-          </a:lnRef>
-          <a:fillRef idx="1">
-            <a:schemeClr val="accent1"/>
-          </a:fillRef>
-          <a:effectRef idx="0">
-            <a:schemeClr val="accent1"/>
-          </a:effectRef>
-          <a:fontRef idx="minor">
-            <a:schemeClr val="lt1"/>
-          </a:fontRef>
-        </p:style>
-        <p:txBody>
-          <a:bodyPr rtlCol="0" anchor="ctr"/>
-          <a:lstStyle/>
-          <a:p>
-            <a:pPr algn="ctr"/>
-            <a:r>
-              <a:rPr lang="en-IN" sz="1600" dirty="0" smtClean="0"/>
-              <a:t>If </a:t>
-            </a:r>
-            <a:r>
-              <a:rPr lang="en-IN" sz="1600" dirty="0" err="1" smtClean="0"/>
-              <a:t>CourseList</a:t>
-            </a:r>
-            <a:r>
-              <a:rPr lang="en-IN" sz="1600" dirty="0" smtClean="0"/>
-              <a:t> contains </a:t>
-            </a:r>
-            <a:r>
-              <a:rPr lang="en-IN" sz="1600" dirty="0" err="1" smtClean="0"/>
-              <a:t>DemandCOURSES</a:t>
-            </a:r>
-            <a:endParaRPr lang="en-IN" sz="1600" dirty="0"/>
-          </a:p>
-        </p:txBody>
-      </p:sp>
-      <p:sp>
-        <p:nvSpPr>
-          <p:cNvPr id="39" name="TextBox 38"/>
-          <p:cNvSpPr txBox="1"/>
-          <p:nvPr/>
-        </p:nvSpPr>
-        <p:spPr>
-          <a:xfrm>
-            <a:off x="5454574" y="1579012"/>
-            <a:ext cx="1724147" cy="253916"/>
-          </a:xfrm>
-          <a:prstGeom prst="rect">
-            <a:avLst/>
-          </a:prstGeom>
-          <a:noFill/>
-        </p:spPr>
-        <p:txBody>
-          <a:bodyPr wrap="square" rtlCol="0">
-            <a:spAutoFit/>
-          </a:bodyPr>
-          <a:lstStyle/>
-          <a:p>
-            <a:r>
-              <a:rPr lang="en-IN" sz="1050" dirty="0" err="1" smtClean="0"/>
-              <a:t>getinDemandCourses</a:t>
-            </a:r>
-            <a:r>
-              <a:rPr lang="en-IN" sz="1050" dirty="0" smtClean="0"/>
-              <a:t>()</a:t>
-            </a:r>
-            <a:endParaRPr lang="en-IN" sz="1050" dirty="0"/>
-          </a:p>
-        </p:txBody>
-      </p:sp>
-      <p:sp>
-        <p:nvSpPr>
-          <p:cNvPr id="40" name="TextBox 39"/>
-          <p:cNvSpPr txBox="1"/>
-          <p:nvPr/>
-        </p:nvSpPr>
-        <p:spPr>
-          <a:xfrm>
-            <a:off x="5709322" y="2790459"/>
-            <a:ext cx="1214650" cy="253916"/>
-          </a:xfrm>
-          <a:prstGeom prst="rect">
-            <a:avLst/>
-          </a:prstGeom>
-          <a:noFill/>
-        </p:spPr>
-        <p:txBody>
-          <a:bodyPr wrap="square" rtlCol="0">
-            <a:spAutoFit/>
-          </a:bodyPr>
-          <a:lstStyle/>
-          <a:p>
-            <a:r>
-              <a:rPr lang="en-IN" sz="1050" dirty="0" err="1" smtClean="0"/>
-              <a:t>getCourseList</a:t>
-            </a:r>
-            <a:r>
-              <a:rPr lang="en-IN" sz="1050" dirty="0" smtClean="0"/>
-              <a:t>()</a:t>
-            </a:r>
-            <a:endParaRPr lang="en-IN" sz="1050" dirty="0"/>
-          </a:p>
-        </p:txBody>
-      </p:sp>
-      <p:cxnSp>
-        <p:nvCxnSpPr>
-          <p:cNvPr id="51" name="Straight Arrow Connector 50"/>
-          <p:cNvCxnSpPr>
-            <a:stCxn id="35" idx="3"/>
-          </p:cNvCxnSpPr>
-          <p:nvPr/>
-        </p:nvCxnSpPr>
-        <p:spPr>
-          <a:xfrm>
-            <a:off x="10918210" y="2163401"/>
-            <a:ext cx="47771" cy="2812976"/>
-          </a:xfrm>
-          <a:prstGeom prst="straightConnector1">
-            <a:avLst/>
-          </a:prstGeom>
-          <a:ln>
-            <a:tailEnd type="triangle"/>
-          </a:ln>
-        </p:spPr>
-        <p:style>
-          <a:lnRef idx="1">
-            <a:schemeClr val="accent1"/>
-          </a:lnRef>
-          <a:fillRef idx="0">
-            <a:schemeClr val="accent1"/>
-          </a:fillRef>
-          <a:effectRef idx="0">
-            <a:schemeClr val="accent1"/>
-          </a:effectRef>
-          <a:fontRef idx="minor">
-            <a:schemeClr val="tx1"/>
-          </a:fontRef>
-        </p:style>
-      </p:cxnSp>
-      <p:cxnSp>
-        <p:nvCxnSpPr>
-          <p:cNvPr id="57" name="Straight Connector 56"/>
-          <p:cNvCxnSpPr>
-            <a:stCxn id="35" idx="2"/>
-          </p:cNvCxnSpPr>
-          <p:nvPr/>
-        </p:nvCxnSpPr>
-        <p:spPr>
-          <a:xfrm>
-            <a:off x="9205416" y="3403472"/>
-            <a:ext cx="51178" cy="918634"/>
-          </a:xfrm>
-          <a:prstGeom prst="line">
-            <a:avLst/>
-          </a:prstGeom>
-        </p:spPr>
-        <p:style>
-          <a:lnRef idx="1">
-            <a:schemeClr val="accent1"/>
-          </a:lnRef>
-          <a:fillRef idx="0">
-            <a:schemeClr val="accent1"/>
-          </a:fillRef>
-          <a:effectRef idx="0">
-            <a:schemeClr val="accent1"/>
-          </a:effectRef>
-          <a:fontRef idx="minor">
-            <a:schemeClr val="tx1"/>
-          </a:fontRef>
-        </p:style>
-      </p:cxnSp>
-      <p:cxnSp>
-        <p:nvCxnSpPr>
-          <p:cNvPr id="59" name="Straight Arrow Connector 58"/>
-          <p:cNvCxnSpPr/>
-          <p:nvPr/>
-        </p:nvCxnSpPr>
-        <p:spPr>
-          <a:xfrm>
-            <a:off x="9312325" y="5240740"/>
-            <a:ext cx="800666" cy="0"/>
-          </a:xfrm>
-          <a:prstGeom prst="straightConnector1">
-            <a:avLst/>
-          </a:prstGeom>
-          <a:ln>
-            <a:tailEnd type="triangle"/>
-          </a:ln>
-        </p:spPr>
-        <p:style>
-          <a:lnRef idx="1">
-            <a:schemeClr val="accent1"/>
-          </a:lnRef>
-          <a:fillRef idx="0">
-            <a:schemeClr val="accent1"/>
-          </a:fillRef>
-          <a:effectRef idx="0">
-            <a:schemeClr val="accent1"/>
-          </a:effectRef>
-          <a:fontRef idx="minor">
-            <a:schemeClr val="tx1"/>
-          </a:fontRef>
-        </p:style>
-      </p:cxnSp>
-      <p:sp>
-        <p:nvSpPr>
-          <p:cNvPr id="62" name="TextBox 61"/>
-          <p:cNvSpPr txBox="1"/>
-          <p:nvPr/>
-        </p:nvSpPr>
-        <p:spPr>
-          <a:xfrm>
-            <a:off x="8827440" y="3442931"/>
-            <a:ext cx="453770" cy="253916"/>
-          </a:xfrm>
-          <a:prstGeom prst="rect">
-            <a:avLst/>
-          </a:prstGeom>
-          <a:noFill/>
-        </p:spPr>
-        <p:txBody>
-          <a:bodyPr wrap="square" rtlCol="0">
-            <a:spAutoFit/>
-          </a:bodyPr>
-          <a:lstStyle/>
-          <a:p>
-            <a:r>
-              <a:rPr lang="en-IN" sz="1050" dirty="0" smtClean="0"/>
-              <a:t>YES</a:t>
-            </a:r>
-            <a:endParaRPr lang="en-IN" sz="1050" dirty="0"/>
-          </a:p>
-        </p:txBody>
-      </p:sp>
-      <p:sp>
-        <p:nvSpPr>
-          <p:cNvPr id="64" name="TextBox 63"/>
-          <p:cNvSpPr txBox="1"/>
-          <p:nvPr/>
-        </p:nvSpPr>
-        <p:spPr>
-          <a:xfrm>
-            <a:off x="10977358" y="2250235"/>
-            <a:ext cx="453770" cy="253916"/>
-          </a:xfrm>
-          <a:prstGeom prst="rect">
-            <a:avLst/>
-          </a:prstGeom>
-          <a:noFill/>
-        </p:spPr>
-        <p:txBody>
-          <a:bodyPr wrap="square" rtlCol="0">
-            <a:spAutoFit/>
-          </a:bodyPr>
-          <a:lstStyle/>
-          <a:p>
-            <a:r>
-              <a:rPr lang="en-IN" sz="1050" dirty="0" smtClean="0"/>
-              <a:t>NO</a:t>
-            </a:r>
-            <a:endParaRPr lang="en-IN" sz="1050" dirty="0"/>
-          </a:p>
-        </p:txBody>
-      </p:sp>
-      <p:sp>
-        <p:nvSpPr>
-          <p:cNvPr id="66" name="Rectangle 65"/>
-          <p:cNvSpPr/>
-          <p:nvPr/>
-        </p:nvSpPr>
-        <p:spPr>
-          <a:xfrm>
-            <a:off x="10112991" y="5010138"/>
-            <a:ext cx="1160060" cy="461204"/>
-          </a:xfrm>
-          <a:prstGeom prst="rect">
-            <a:avLst/>
-          </a:prstGeom>
-        </p:spPr>
-        <p:style>
-          <a:lnRef idx="2">
-            <a:schemeClr val="accent1">
-              <a:shade val="50000"/>
-            </a:schemeClr>
-          </a:lnRef>
-          <a:fillRef idx="1">
-            <a:schemeClr val="accent1"/>
-          </a:fillRef>
-          <a:effectRef idx="0">
-            <a:schemeClr val="accent1"/>
-          </a:effectRef>
-          <a:fontRef idx="minor">
-            <a:schemeClr val="lt1"/>
-          </a:fontRef>
-        </p:style>
-        <p:txBody>
-          <a:bodyPr rtlCol="0" anchor="ctr"/>
-          <a:lstStyle/>
-          <a:p>
-            <a:pPr algn="ctr"/>
-            <a:r>
-              <a:rPr lang="en-IN" dirty="0" smtClean="0"/>
-              <a:t>  END </a:t>
-            </a:r>
-          </a:p>
-        </p:txBody>
-      </p:sp>
-      <p:sp>
-        <p:nvSpPr>
-          <p:cNvPr id="71" name="Rectangle 70"/>
-          <p:cNvSpPr/>
-          <p:nvPr/>
-        </p:nvSpPr>
-        <p:spPr>
-          <a:xfrm>
-            <a:off x="8858555" y="4322106"/>
-            <a:ext cx="845311" cy="654271"/>
-          </a:xfrm>
-          <a:prstGeom prst="rect">
-            <a:avLst/>
-          </a:prstGeom>
-        </p:spPr>
-        <p:style>
-          <a:lnRef idx="2">
-            <a:schemeClr val="accent1">
-              <a:shade val="50000"/>
-            </a:schemeClr>
-          </a:lnRef>
-          <a:fillRef idx="1">
-            <a:schemeClr val="accent1"/>
-          </a:fillRef>
-          <a:effectRef idx="0">
-            <a:schemeClr val="accent1"/>
-          </a:effectRef>
-          <a:fontRef idx="minor">
-            <a:schemeClr val="lt1"/>
-          </a:fontRef>
-        </p:style>
-        <p:txBody>
-          <a:bodyPr rtlCol="0" anchor="ctr"/>
-          <a:lstStyle/>
-          <a:p>
-            <a:pPr algn="ctr"/>
-            <a:r>
-              <a:rPr lang="en-IN" dirty="0" smtClean="0"/>
-              <a:t>GIVE RATE</a:t>
-            </a:r>
-          </a:p>
-        </p:txBody>
-      </p:sp>
-      <p:cxnSp>
-        <p:nvCxnSpPr>
-          <p:cNvPr id="73" name="Straight Connector 72"/>
-          <p:cNvCxnSpPr>
-            <a:stCxn id="71" idx="2"/>
-          </p:cNvCxnSpPr>
-          <p:nvPr/>
-        </p:nvCxnSpPr>
-        <p:spPr>
-          <a:xfrm>
-            <a:off x="9281211" y="4976377"/>
-            <a:ext cx="31114" cy="264363"/>
-          </a:xfrm>
-          <a:prstGeom prst="line">
-            <a:avLst/>
-          </a:prstGeom>
-        </p:spPr>
-        <p:style>
-          <a:lnRef idx="1">
-            <a:schemeClr val="accent1"/>
-          </a:lnRef>
-          <a:fillRef idx="0">
-            <a:schemeClr val="accent1"/>
-          </a:fillRef>
-          <a:effectRef idx="0">
-            <a:schemeClr val="accent1"/>
-          </a:effectRef>
-          <a:fontRef idx="minor">
-            <a:schemeClr val="tx1"/>
-          </a:fontRef>
-        </p:style>
-      </p:cxnSp>
-      <p:sp>
-        <p:nvSpPr>
-          <p:cNvPr id="76" name="TextBox 75"/>
-          <p:cNvSpPr txBox="1"/>
-          <p:nvPr/>
-        </p:nvSpPr>
-        <p:spPr>
-          <a:xfrm>
-            <a:off x="8097675" y="3897024"/>
-            <a:ext cx="1214650" cy="253916"/>
-          </a:xfrm>
-          <a:prstGeom prst="rect">
-            <a:avLst/>
-          </a:prstGeom>
-          <a:noFill/>
-        </p:spPr>
-        <p:txBody>
-          <a:bodyPr wrap="square" rtlCol="0">
-            <a:spAutoFit/>
-          </a:bodyPr>
-          <a:lstStyle/>
-          <a:p>
-            <a:r>
-              <a:rPr lang="en-IN" sz="1050" dirty="0" err="1" smtClean="0"/>
-              <a:t>setCourseRating</a:t>
-            </a:r>
-            <a:r>
-              <a:rPr lang="en-IN" sz="1050" dirty="0" smtClean="0"/>
-              <a:t>()</a:t>
-            </a:r>
-            <a:endParaRPr lang="en-IN" sz="1050" dirty="0"/>
-          </a:p>
-        </p:txBody>
-      </p:sp>
+      </p:pic>
     </p:spTree>
     <p:extLst>
       <p:ext uri="{BB962C8B-B14F-4D97-AF65-F5344CB8AC3E}">
-        <p14:creationId xmlns:p14="http://schemas.microsoft.com/office/powerpoint/2010/main" val="3030500449"/>
+        <p14:creationId xmlns:p14="http://schemas.microsoft.com/office/powerpoint/2010/main" val="4128147562"/>
       </p:ext>
     </p:extLst>
   </p:cSld>
@@ -6121,8 +4645,8 @@
         </p:nvSpPr>
         <p:spPr>
           <a:xfrm>
-            <a:off x="0" y="-103411"/>
-            <a:ext cx="11022120" cy="923330"/>
+            <a:off x="-112606" y="0"/>
+            <a:ext cx="3044103" cy="400110"/>
           </a:xfrm>
           <a:prstGeom prst="rect">
             <a:avLst/>
@@ -6137,368 +4661,71 @@
           <a:p>
             <a:pPr algn="ctr"/>
             <a:r>
-              <a:rPr lang="en-US" sz="5400" b="1" dirty="0" smtClean="0">
-                <a:ln w="9525">
-                  <a:solidFill>
-                    <a:schemeClr val="bg1"/>
-                  </a:solidFill>
-                  <a:prstDash val="solid"/>
-                </a:ln>
+              <a:rPr lang="en-US" sz="2000" b="1" cap="none" spc="0" dirty="0" smtClean="0">
+                <a:ln w="0"/>
+                <a:solidFill>
+                  <a:schemeClr val="accent1"/>
+                </a:solidFill>
                 <a:effectLst>
-                  <a:outerShdw blurRad="12700" dist="38100" dir="2700000" algn="tl" rotWithShape="0">
-                    <a:schemeClr val="bg1">
-                      <a:lumMod val="50000"/>
-                    </a:schemeClr>
+                  <a:outerShdw blurRad="38100" dist="25400" dir="5400000" algn="ctr" rotWithShape="0">
+                    <a:srgbClr val="6E747A">
+                      <a:alpha val="43000"/>
+                    </a:srgbClr>
                   </a:outerShdw>
                 </a:effectLst>
               </a:rPr>
-              <a:t>CUMULATIVE DEPARTMENT RANKING</a:t>
-            </a:r>
-            <a:endParaRPr lang="en-US" sz="5400" b="1" cap="none" spc="0" dirty="0">
-              <a:ln w="9525">
-                <a:solidFill>
-                  <a:schemeClr val="bg1"/>
-                </a:solidFill>
-                <a:prstDash val="solid"/>
-              </a:ln>
+              <a:t>COURSE STUDENT ALUMNI</a:t>
+            </a:r>
+            <a:endParaRPr lang="en-US" sz="2000" b="1" cap="none" spc="0" dirty="0">
+              <a:ln w="0"/>
               <a:solidFill>
-                <a:schemeClr val="tx1"/>
+                <a:schemeClr val="accent1"/>
               </a:solidFill>
               <a:effectLst>
-                <a:outerShdw blurRad="12700" dist="38100" dir="2700000" algn="tl" rotWithShape="0">
-                  <a:schemeClr val="bg1">
-                    <a:lumMod val="50000"/>
-                  </a:schemeClr>
+                <a:outerShdw blurRad="38100" dist="25400" dir="5400000" algn="ctr" rotWithShape="0">
+                  <a:srgbClr val="6E747A">
+                    <a:alpha val="43000"/>
+                  </a:srgbClr>
                 </a:outerShdw>
               </a:effectLst>
             </a:endParaRPr>
           </a:p>
         </p:txBody>
       </p:sp>
-      <p:sp>
-        <p:nvSpPr>
-          <p:cNvPr id="3" name="Rectangle 2"/>
-          <p:cNvSpPr/>
-          <p:nvPr/>
-        </p:nvSpPr>
-        <p:spPr>
-          <a:xfrm>
-            <a:off x="285343" y="1434905"/>
-            <a:ext cx="1774209" cy="668740"/>
+      <p:pic>
+        <p:nvPicPr>
+          <p:cNvPr id="3" name="Picture 2"/>
+          <p:cNvPicPr>
+            <a:picLocks noChangeAspect="1"/>
+          </p:cNvPicPr>
+          <p:nvPr/>
+        </p:nvPicPr>
+        <p:blipFill>
+          <a:blip r:embed="rId2">
+            <a:extLst>
+              <a:ext uri="{28A0092B-C50C-407E-A947-70E740481C1C}">
+                <a14:useLocalDpi xmlns:a14="http://schemas.microsoft.com/office/drawing/2010/main" val="0"/>
+              </a:ext>
+            </a:extLst>
+          </a:blip>
+          <a:stretch>
+            <a:fillRect/>
+          </a:stretch>
+        </p:blipFill>
+        <p:spPr>
+          <a:xfrm>
+            <a:off x="2931497" y="1"/>
+            <a:ext cx="8941189" cy="6753726"/>
           </a:xfrm>
           <a:prstGeom prst="rect">
             <a:avLst/>
           </a:prstGeom>
         </p:spPr>
-        <p:style>
-          <a:lnRef idx="2">
-            <a:schemeClr val="accent1">
-              <a:shade val="50000"/>
-            </a:schemeClr>
-          </a:lnRef>
-          <a:fillRef idx="1">
-            <a:schemeClr val="accent1"/>
-          </a:fillRef>
-          <a:effectRef idx="0">
-            <a:schemeClr val="accent1"/>
-          </a:effectRef>
-          <a:fontRef idx="minor">
-            <a:schemeClr val="lt1"/>
-          </a:fontRef>
-        </p:style>
-        <p:txBody>
-          <a:bodyPr rtlCol="0" anchor="ctr"/>
-          <a:lstStyle/>
-          <a:p>
-            <a:pPr algn="ctr"/>
-            <a:r>
-              <a:rPr lang="en-IN" dirty="0" smtClean="0"/>
-              <a:t>DEPARTMENT</a:t>
-            </a:r>
-            <a:endParaRPr lang="en-IN" dirty="0"/>
-          </a:p>
-        </p:txBody>
-      </p:sp>
-      <p:sp>
-        <p:nvSpPr>
-          <p:cNvPr id="4" name="Rectangle 3"/>
-          <p:cNvSpPr/>
-          <p:nvPr/>
-        </p:nvSpPr>
-        <p:spPr>
-          <a:xfrm>
-            <a:off x="2841009" y="1434905"/>
-            <a:ext cx="1774209" cy="668740"/>
-          </a:xfrm>
-          <a:prstGeom prst="rect">
-            <a:avLst/>
-          </a:prstGeom>
-        </p:spPr>
-        <p:style>
-          <a:lnRef idx="2">
-            <a:schemeClr val="accent1">
-              <a:shade val="50000"/>
-            </a:schemeClr>
-          </a:lnRef>
-          <a:fillRef idx="1">
-            <a:schemeClr val="accent1"/>
-          </a:fillRef>
-          <a:effectRef idx="0">
-            <a:schemeClr val="accent1"/>
-          </a:effectRef>
-          <a:fontRef idx="minor">
-            <a:schemeClr val="lt1"/>
-          </a:fontRef>
-        </p:style>
-        <p:txBody>
-          <a:bodyPr rtlCol="0" anchor="ctr"/>
-          <a:lstStyle/>
-          <a:p>
-            <a:pPr algn="ctr"/>
-            <a:r>
-              <a:rPr lang="en-IN" dirty="0" smtClean="0"/>
-              <a:t>COURSE CATALOG</a:t>
-            </a:r>
-            <a:endParaRPr lang="en-IN" dirty="0"/>
-          </a:p>
-        </p:txBody>
-      </p:sp>
-      <p:cxnSp>
-        <p:nvCxnSpPr>
-          <p:cNvPr id="6" name="Straight Arrow Connector 5"/>
-          <p:cNvCxnSpPr/>
-          <p:nvPr/>
-        </p:nvCxnSpPr>
-        <p:spPr>
-          <a:xfrm>
-            <a:off x="4615218" y="1705970"/>
-            <a:ext cx="1444388" cy="0"/>
-          </a:xfrm>
-          <a:prstGeom prst="straightConnector1">
-            <a:avLst/>
-          </a:prstGeom>
-          <a:ln>
-            <a:tailEnd type="triangle"/>
-          </a:ln>
-        </p:spPr>
-        <p:style>
-          <a:lnRef idx="1">
-            <a:schemeClr val="accent1"/>
-          </a:lnRef>
-          <a:fillRef idx="0">
-            <a:schemeClr val="accent1"/>
-          </a:fillRef>
-          <a:effectRef idx="0">
-            <a:schemeClr val="accent1"/>
-          </a:effectRef>
-          <a:fontRef idx="minor">
-            <a:schemeClr val="tx1"/>
-          </a:fontRef>
-        </p:style>
-      </p:cxnSp>
-      <p:sp>
-        <p:nvSpPr>
-          <p:cNvPr id="7" name="TextBox 6"/>
-          <p:cNvSpPr txBox="1"/>
-          <p:nvPr/>
-        </p:nvSpPr>
-        <p:spPr>
-          <a:xfrm>
-            <a:off x="4772427" y="1339621"/>
-            <a:ext cx="1005403" cy="253916"/>
-          </a:xfrm>
-          <a:prstGeom prst="rect">
-            <a:avLst/>
-          </a:prstGeom>
-          <a:noFill/>
-        </p:spPr>
-        <p:txBody>
-          <a:bodyPr wrap="none" rtlCol="0">
-            <a:spAutoFit/>
-          </a:bodyPr>
-          <a:lstStyle/>
-          <a:p>
-            <a:r>
-              <a:rPr lang="en-IN" sz="1050" dirty="0" err="1" smtClean="0"/>
-              <a:t>getCourseList</a:t>
-            </a:r>
-            <a:r>
-              <a:rPr lang="en-IN" sz="1050" dirty="0" smtClean="0"/>
-              <a:t>()</a:t>
-            </a:r>
-            <a:endParaRPr lang="en-IN" sz="1050" dirty="0"/>
-          </a:p>
-        </p:txBody>
-      </p:sp>
-      <p:sp>
-        <p:nvSpPr>
-          <p:cNvPr id="10" name="Oval 9"/>
-          <p:cNvSpPr/>
-          <p:nvPr/>
-        </p:nvSpPr>
-        <p:spPr>
-          <a:xfrm>
-            <a:off x="5935039" y="1206045"/>
-            <a:ext cx="2279176" cy="1868691"/>
-          </a:xfrm>
-          <a:prstGeom prst="ellipse">
-            <a:avLst/>
-          </a:prstGeom>
-        </p:spPr>
-        <p:style>
-          <a:lnRef idx="2">
-            <a:schemeClr val="accent1">
-              <a:shade val="50000"/>
-            </a:schemeClr>
-          </a:lnRef>
-          <a:fillRef idx="1">
-            <a:schemeClr val="accent1"/>
-          </a:fillRef>
-          <a:effectRef idx="0">
-            <a:schemeClr val="accent1"/>
-          </a:effectRef>
-          <a:fontRef idx="minor">
-            <a:schemeClr val="lt1"/>
-          </a:fontRef>
-        </p:style>
-        <p:txBody>
-          <a:bodyPr rtlCol="0" anchor="ctr"/>
-          <a:lstStyle/>
-          <a:p>
-            <a:pPr algn="ctr"/>
-            <a:r>
-              <a:rPr lang="en-IN" sz="1600" dirty="0" smtClean="0"/>
-              <a:t>CALCULATE </a:t>
-            </a:r>
-            <a:r>
-              <a:rPr lang="en-IN" sz="1600" dirty="0" err="1" smtClean="0"/>
-              <a:t>COURSERANKINg</a:t>
-            </a:r>
-            <a:r>
-              <a:rPr lang="en-IN" sz="1600" dirty="0" smtClean="0"/>
-              <a:t> SUM</a:t>
-            </a:r>
-            <a:endParaRPr lang="en-IN" sz="1600" dirty="0"/>
-          </a:p>
-        </p:txBody>
-      </p:sp>
-      <p:cxnSp>
-        <p:nvCxnSpPr>
-          <p:cNvPr id="12" name="Straight Arrow Connector 11"/>
-          <p:cNvCxnSpPr>
-            <a:stCxn id="3" idx="3"/>
-            <a:endCxn id="4" idx="1"/>
-          </p:cNvCxnSpPr>
-          <p:nvPr/>
-        </p:nvCxnSpPr>
-        <p:spPr>
-          <a:xfrm>
-            <a:off x="2059552" y="1769275"/>
-            <a:ext cx="781457" cy="0"/>
-          </a:xfrm>
-          <a:prstGeom prst="straightConnector1">
-            <a:avLst/>
-          </a:prstGeom>
-          <a:ln>
-            <a:tailEnd type="triangle"/>
-          </a:ln>
-        </p:spPr>
-        <p:style>
-          <a:lnRef idx="1">
-            <a:schemeClr val="accent1"/>
-          </a:lnRef>
-          <a:fillRef idx="0">
-            <a:schemeClr val="accent1"/>
-          </a:fillRef>
-          <a:effectRef idx="0">
-            <a:schemeClr val="accent1"/>
-          </a:effectRef>
-          <a:fontRef idx="minor">
-            <a:schemeClr val="tx1"/>
-          </a:fontRef>
-        </p:style>
-      </p:cxnSp>
-      <p:cxnSp>
-        <p:nvCxnSpPr>
-          <p:cNvPr id="14" name="Straight Arrow Connector 13"/>
-          <p:cNvCxnSpPr/>
-          <p:nvPr/>
-        </p:nvCxnSpPr>
-        <p:spPr>
-          <a:xfrm>
-            <a:off x="7325803" y="3074736"/>
-            <a:ext cx="6824" cy="1214650"/>
-          </a:xfrm>
-          <a:prstGeom prst="straightConnector1">
-            <a:avLst/>
-          </a:prstGeom>
-          <a:ln>
-            <a:tailEnd type="triangle"/>
-          </a:ln>
-        </p:spPr>
-        <p:style>
-          <a:lnRef idx="1">
-            <a:schemeClr val="accent1"/>
-          </a:lnRef>
-          <a:fillRef idx="0">
-            <a:schemeClr val="accent1"/>
-          </a:fillRef>
-          <a:effectRef idx="0">
-            <a:schemeClr val="accent1"/>
-          </a:effectRef>
-          <a:fontRef idx="minor">
-            <a:schemeClr val="tx1"/>
-          </a:fontRef>
-        </p:style>
-      </p:cxnSp>
-      <p:sp>
-        <p:nvSpPr>
-          <p:cNvPr id="16" name="Oval 15"/>
-          <p:cNvSpPr/>
-          <p:nvPr/>
-        </p:nvSpPr>
-        <p:spPr>
-          <a:xfrm>
-            <a:off x="6333716" y="4289386"/>
-            <a:ext cx="2279176" cy="1868691"/>
-          </a:xfrm>
-          <a:prstGeom prst="ellipse">
-            <a:avLst/>
-          </a:prstGeom>
-        </p:spPr>
-        <p:style>
-          <a:lnRef idx="2">
-            <a:schemeClr val="accent1">
-              <a:shade val="50000"/>
-            </a:schemeClr>
-          </a:lnRef>
-          <a:fillRef idx="1">
-            <a:schemeClr val="accent1"/>
-          </a:fillRef>
-          <a:effectRef idx="0">
-            <a:schemeClr val="accent1"/>
-          </a:effectRef>
-          <a:fontRef idx="minor">
-            <a:schemeClr val="lt1"/>
-          </a:fontRef>
-        </p:style>
-        <p:txBody>
-          <a:bodyPr rtlCol="0" anchor="ctr"/>
-          <a:lstStyle/>
-          <a:p>
-            <a:pPr algn="ctr"/>
-            <a:r>
-              <a:rPr lang="en-IN" sz="1600" dirty="0" smtClean="0"/>
-              <a:t>CALCULATE CUMULATIVE RANKING</a:t>
-            </a:r>
-            <a:endParaRPr lang="en-IN" sz="1600" dirty="0"/>
-          </a:p>
-        </p:txBody>
-      </p:sp>
+      </p:pic>
     </p:spTree>
     <p:extLst>
       <p:ext uri="{BB962C8B-B14F-4D97-AF65-F5344CB8AC3E}">
-        <p14:creationId xmlns:p14="http://schemas.microsoft.com/office/powerpoint/2010/main" val="2453127376"/>
+        <p14:creationId xmlns:p14="http://schemas.microsoft.com/office/powerpoint/2010/main" val="3302341787"/>
       </p:ext>
     </p:extLst>
   </p:cSld>
@@ -6533,8 +4760,8 @@
         </p:nvSpPr>
         <p:spPr>
           <a:xfrm>
-            <a:off x="0" y="0"/>
-            <a:ext cx="6665479" cy="923330"/>
+            <a:off x="2734105" y="0"/>
+            <a:ext cx="6462539" cy="923330"/>
           </a:xfrm>
           <a:prstGeom prst="rect">
             <a:avLst/>
@@ -6567,7 +4794,7 @@
                   </a:outerShdw>
                 </a:effectLst>
               </a:rPr>
-              <a:t>EMPLOYMENT RATING</a:t>
+              <a:t>DO GRADES MATTER?</a:t>
             </a:r>
             <a:endParaRPr lang="en-US" sz="5400" b="1" cap="none" spc="0" dirty="0">
               <a:ln w="9525">
@@ -6592,16 +4819,16 @@
       </p:sp>
       <p:sp>
         <p:nvSpPr>
-          <p:cNvPr id="3" name="Rectangle 2"/>
+          <p:cNvPr id="3" name="Oval 2"/>
           <p:cNvSpPr/>
           <p:nvPr/>
         </p:nvSpPr>
         <p:spPr>
           <a:xfrm>
-            <a:off x="163772" y="1845859"/>
-            <a:ext cx="2047164" cy="859809"/>
-          </a:xfrm>
-          <a:prstGeom prst="rect">
+            <a:off x="101601" y="923330"/>
+            <a:ext cx="1973942" cy="1137699"/>
+          </a:xfrm>
+          <a:prstGeom prst="ellipse">
             <a:avLst/>
           </a:prstGeom>
         </p:spPr>
@@ -6628,7 +4855,7 @@
             <a:pPr algn="ctr"/>
             <a:r>
               <a:rPr lang="en-IN" dirty="0" smtClean="0"/>
-              <a:t>ALUMNI</a:t>
+              <a:t>UNIVERSITY</a:t>
             </a:r>
             <a:endParaRPr lang="en-IN" dirty="0"/>
           </a:p>
@@ -6636,16 +4863,16 @@
       </p:sp>
       <p:cxnSp>
         <p:nvCxnSpPr>
-          <p:cNvPr id="5" name="Straight Arrow Connector 4"/>
+          <p:cNvPr id="8" name="Straight Arrow Connector 7"/>
           <p:cNvCxnSpPr>
-            <a:stCxn id="3" idx="3"/>
+            <a:stCxn id="3" idx="6"/>
           </p:cNvCxnSpPr>
           <p:nvPr/>
         </p:nvCxnSpPr>
         <p:spPr>
           <a:xfrm flipV="1">
-            <a:off x="2210936" y="2268940"/>
-            <a:ext cx="2101756" cy="6824"/>
+            <a:off x="2075543" y="1492179"/>
+            <a:ext cx="1117600" cy="1"/>
           </a:xfrm>
           <a:prstGeom prst="straightConnector1">
             <a:avLst/>
@@ -6671,14 +4898,14 @@
       </p:cxnSp>
       <p:sp>
         <p:nvSpPr>
-          <p:cNvPr id="40" name="Oval 39"/>
+          <p:cNvPr id="9" name="Oval 8"/>
           <p:cNvSpPr/>
           <p:nvPr/>
         </p:nvSpPr>
         <p:spPr>
           <a:xfrm>
-            <a:off x="4312692" y="1459888"/>
-            <a:ext cx="2976350" cy="1618103"/>
+            <a:off x="3193142" y="991436"/>
+            <a:ext cx="2090057" cy="1001486"/>
           </a:xfrm>
           <a:prstGeom prst="ellipse">
             <a:avLst/>
@@ -6706,12 +4933,8 @@
           <a:p>
             <a:pPr algn="ctr"/>
             <a:r>
-              <a:rPr lang="en-IN" dirty="0" err="1" smtClean="0"/>
-              <a:t>getJobPosition</a:t>
-            </a:r>
-            <a:r>
               <a:rPr lang="en-IN" dirty="0" smtClean="0"/>
-              <a:t>()</a:t>
+              <a:t>DEPARTMENT</a:t>
             </a:r>
             <a:endParaRPr lang="en-IN" dirty="0"/>
           </a:p>
@@ -6719,14 +4942,16 @@
       </p:sp>
       <p:cxnSp>
         <p:nvCxnSpPr>
-          <p:cNvPr id="43" name="Straight Arrow Connector 42"/>
-          <p:cNvCxnSpPr/>
+          <p:cNvPr id="14" name="Straight Arrow Connector 13"/>
+          <p:cNvCxnSpPr>
+            <a:stCxn id="9" idx="6"/>
+          </p:cNvCxnSpPr>
           <p:nvPr/>
         </p:nvCxnSpPr>
         <p:spPr>
-          <a:xfrm flipH="1">
-            <a:off x="5800866" y="3077991"/>
-            <a:ext cx="1" cy="1552178"/>
+          <a:xfrm>
+            <a:off x="5283199" y="1492179"/>
+            <a:ext cx="827315" cy="0"/>
           </a:xfrm>
           <a:prstGeom prst="straightConnector1">
             <a:avLst/>
@@ -6752,14 +4977,14 @@
       </p:cxnSp>
       <p:sp>
         <p:nvSpPr>
-          <p:cNvPr id="44" name="Oval 43"/>
+          <p:cNvPr id="15" name="Oval 14"/>
           <p:cNvSpPr/>
           <p:nvPr/>
         </p:nvSpPr>
         <p:spPr>
           <a:xfrm>
-            <a:off x="4053953" y="4650348"/>
-            <a:ext cx="3493827" cy="1491145"/>
+            <a:off x="6110514" y="1061775"/>
+            <a:ext cx="1857829" cy="860808"/>
           </a:xfrm>
           <a:prstGeom prst="ellipse">
             <a:avLst/>
@@ -6787,8 +5012,74 @@
           <a:p>
             <a:pPr algn="ctr"/>
             <a:r>
+              <a:rPr lang="en-IN" dirty="0" smtClean="0"/>
+              <a:t>ALUMNI</a:t>
+            </a:r>
+            <a:endParaRPr lang="en-IN" dirty="0"/>
+          </a:p>
+        </p:txBody>
+      </p:sp>
+      <p:cxnSp>
+        <p:nvCxnSpPr>
+          <p:cNvPr id="17" name="Straight Arrow Connector 16"/>
+          <p:cNvCxnSpPr>
+            <a:stCxn id="15" idx="6"/>
+            <a:endCxn id="20" idx="1"/>
+          </p:cNvCxnSpPr>
+          <p:nvPr/>
+        </p:nvCxnSpPr>
+        <p:spPr>
+          <a:xfrm>
+            <a:off x="7968343" y="1492179"/>
+            <a:ext cx="1228301" cy="0"/>
+          </a:xfrm>
+          <a:prstGeom prst="straightConnector1">
+            <a:avLst/>
+          </a:prstGeom>
+          <a:ln>
+            <a:tailEnd type="triangle"/>
+          </a:ln>
+        </p:spPr>
+        <p:style>
+          <a:lnRef idx="1">
+            <a:schemeClr val="accent1"/>
+          </a:lnRef>
+          <a:fillRef idx="0">
+            <a:schemeClr val="accent1"/>
+          </a:fillRef>
+          <a:effectRef idx="0">
+            <a:schemeClr val="accent1"/>
+          </a:effectRef>
+          <a:fontRef idx="minor">
+            <a:schemeClr val="tx1"/>
+          </a:fontRef>
+        </p:style>
+      </p:cxnSp>
+      <p:sp>
+        <p:nvSpPr>
+          <p:cNvPr id="19" name="TextBox 18"/>
+          <p:cNvSpPr txBox="1"/>
+          <p:nvPr/>
+        </p:nvSpPr>
+        <p:spPr>
+          <a:xfrm>
+            <a:off x="7968343" y="984402"/>
+            <a:ext cx="1189365" cy="369332"/>
+          </a:xfrm>
+          <a:prstGeom prst="rect">
+            <a:avLst/>
+          </a:prstGeom>
+          <a:noFill/>
+        </p:spPr>
+        <p:txBody>
+          <a:bodyPr wrap="none" rtlCol="0">
+            <a:spAutoFit/>
+          </a:bodyPr>
+          <a:lstStyle/>
+          <a:p>
+            <a:r>
               <a:rPr lang="en-IN" dirty="0" err="1" smtClean="0"/>
-              <a:t>getEmploymentRating</a:t>
+              <a:t>getSalary</a:t>
             </a:r>
             <a:r>
               <a:rPr lang="en-IN" dirty="0" smtClean="0"/>
@@ -6800,307 +5091,161 @@
       </p:sp>
       <p:sp>
         <p:nvSpPr>
-          <p:cNvPr id="34" name="TextBox 33"/>
-          <p:cNvSpPr txBox="1"/>
-          <p:nvPr/>
-        </p:nvSpPr>
-        <p:spPr>
-          <a:xfrm>
-            <a:off x="2348551" y="1826084"/>
-            <a:ext cx="1282890" cy="369332"/>
+          <p:cNvPr id="20" name="Rectangle 19"/>
+          <p:cNvSpPr/>
+          <p:nvPr/>
+        </p:nvSpPr>
+        <p:spPr>
+          <a:xfrm>
+            <a:off x="9196644" y="1026605"/>
+            <a:ext cx="2264228" cy="931147"/>
           </a:xfrm>
           <a:prstGeom prst="rect">
             <a:avLst/>
           </a:prstGeom>
-          <a:noFill/>
-        </p:spPr>
-        <p:txBody>
-          <a:bodyPr wrap="square" rtlCol="0">
-            <a:spAutoFit/>
-          </a:bodyPr>
-          <a:lstStyle/>
-          <a:p>
-            <a:r>
-              <a:rPr lang="en-IN" dirty="0" err="1" smtClean="0"/>
-              <a:t>getSalary</a:t>
-            </a:r>
+        </p:spPr>
+        <p:style>
+          <a:lnRef idx="2">
+            <a:schemeClr val="accent1">
+              <a:shade val="50000"/>
+            </a:schemeClr>
+          </a:lnRef>
+          <a:fillRef idx="1">
+            <a:schemeClr val="accent1"/>
+          </a:fillRef>
+          <a:effectRef idx="0">
+            <a:schemeClr val="accent1"/>
+          </a:effectRef>
+          <a:fontRef idx="minor">
+            <a:schemeClr val="lt1"/>
+          </a:fontRef>
+        </p:style>
+        <p:txBody>
+          <a:bodyPr rtlCol="0" anchor="ctr"/>
+          <a:lstStyle/>
+          <a:p>
+            <a:pPr algn="ctr"/>
             <a:r>
               <a:rPr lang="en-IN" dirty="0" smtClean="0"/>
-              <a:t>()</a:t>
+              <a:t>If GPA &lt; 3</a:t>
             </a:r>
             <a:endParaRPr lang="en-IN" dirty="0"/>
           </a:p>
         </p:txBody>
       </p:sp>
-      <p:sp>
-        <p:nvSpPr>
-          <p:cNvPr id="41" name="Rectangle 40"/>
-          <p:cNvSpPr/>
-          <p:nvPr/>
-        </p:nvSpPr>
-        <p:spPr>
-          <a:xfrm>
-            <a:off x="7419150" y="1087421"/>
-            <a:ext cx="3703775" cy="2246769"/>
-          </a:xfrm>
-          <a:prstGeom prst="rect">
-            <a:avLst/>
-          </a:prstGeom>
+      <p:cxnSp>
+        <p:nvCxnSpPr>
+          <p:cNvPr id="29" name="Straight Arrow Connector 28"/>
+          <p:cNvCxnSpPr>
+            <a:stCxn id="20" idx="2"/>
+          </p:cNvCxnSpPr>
+          <p:nvPr/>
+        </p:nvCxnSpPr>
+        <p:spPr>
+          <a:xfrm>
+            <a:off x="10328758" y="1957752"/>
+            <a:ext cx="34442" cy="1075734"/>
+          </a:xfrm>
+          <a:prstGeom prst="straightConnector1">
+            <a:avLst/>
+          </a:prstGeom>
+          <a:ln>
+            <a:tailEnd type="triangle"/>
+          </a:ln>
         </p:spPr>
         <p:style>
           <a:lnRef idx="1">
-            <a:schemeClr val="dk1"/>
+            <a:schemeClr val="accent1"/>
           </a:lnRef>
-          <a:fillRef idx="2">
-            <a:schemeClr val="dk1"/>
+          <a:fillRef idx="0">
+            <a:schemeClr val="accent1"/>
           </a:fillRef>
-          <a:effectRef idx="1">
-            <a:schemeClr val="dk1"/>
+          <a:effectRef idx="0">
+            <a:schemeClr val="accent1"/>
           </a:effectRef>
           <a:fontRef idx="minor">
-            <a:schemeClr val="dk1"/>
+            <a:schemeClr val="tx1"/>
           </a:fontRef>
         </p:style>
-        <p:txBody>
-          <a:bodyPr wrap="square" lIns="91440" tIns="45720" rIns="91440" bIns="45720">
-            <a:spAutoFit/>
-          </a:bodyPr>
-          <a:lstStyle/>
-          <a:p>
-            <a:pPr algn="ctr"/>
-            <a:r>
-              <a:rPr lang="en-US" sz="2000" dirty="0" smtClean="0">
-                <a:ln w="0"/>
-                <a:solidFill>
-                  <a:schemeClr val="tx1"/>
-                </a:solidFill>
-                <a:effectLst>
-                  <a:outerShdw blurRad="38100" dist="19050" dir="2700000" algn="tl" rotWithShape="0">
-                    <a:schemeClr val="dk1">
-                      <a:alpha val="40000"/>
-                    </a:schemeClr>
-                  </a:outerShdw>
-                </a:effectLst>
-                <a:latin typeface="Times New Roman" panose="02020603050405020304" pitchFamily="18" charset="0"/>
-                <a:cs typeface="Times New Roman" panose="02020603050405020304" pitchFamily="18" charset="0"/>
-              </a:rPr>
-              <a:t>Alumni Salary is fetched and </a:t>
-            </a:r>
-          </a:p>
-          <a:p>
-            <a:pPr algn="ctr"/>
-            <a:r>
-              <a:rPr lang="en-US" sz="2000" dirty="0" smtClean="0">
-                <a:ln w="0"/>
-                <a:solidFill>
-                  <a:schemeClr val="tx1"/>
-                </a:solidFill>
-                <a:effectLst>
-                  <a:outerShdw blurRad="38100" dist="19050" dir="2700000" algn="tl" rotWithShape="0">
-                    <a:schemeClr val="dk1">
-                      <a:alpha val="40000"/>
-                    </a:schemeClr>
-                  </a:outerShdw>
-                </a:effectLst>
-                <a:latin typeface="Times New Roman" panose="02020603050405020304" pitchFamily="18" charset="0"/>
-                <a:cs typeface="Times New Roman" panose="02020603050405020304" pitchFamily="18" charset="0"/>
-              </a:rPr>
-              <a:t>Based on the amount of the </a:t>
-            </a:r>
-          </a:p>
-          <a:p>
-            <a:pPr algn="ctr"/>
-            <a:r>
-              <a:rPr lang="en-US" sz="2000" dirty="0" smtClean="0">
-                <a:ln w="0"/>
-                <a:solidFill>
-                  <a:schemeClr val="tx1"/>
-                </a:solidFill>
-                <a:effectLst>
-                  <a:outerShdw blurRad="38100" dist="19050" dir="2700000" algn="tl" rotWithShape="0">
-                    <a:schemeClr val="dk1">
-                      <a:alpha val="40000"/>
-                    </a:schemeClr>
-                  </a:outerShdw>
-                </a:effectLst>
-                <a:latin typeface="Times New Roman" panose="02020603050405020304" pitchFamily="18" charset="0"/>
-                <a:cs typeface="Times New Roman" panose="02020603050405020304" pitchFamily="18" charset="0"/>
-              </a:rPr>
-              <a:t>Salary – </a:t>
-            </a:r>
-            <a:r>
-              <a:rPr lang="en-US" sz="2000" dirty="0" err="1" smtClean="0">
-                <a:ln w="0"/>
-                <a:solidFill>
-                  <a:schemeClr val="tx1"/>
-                </a:solidFill>
-                <a:effectLst>
-                  <a:outerShdw blurRad="38100" dist="19050" dir="2700000" algn="tl" rotWithShape="0">
-                    <a:schemeClr val="dk1">
-                      <a:alpha val="40000"/>
-                    </a:schemeClr>
-                  </a:outerShdw>
-                </a:effectLst>
-                <a:latin typeface="Times New Roman" panose="02020603050405020304" pitchFamily="18" charset="0"/>
-                <a:cs typeface="Times New Roman" panose="02020603050405020304" pitchFamily="18" charset="0"/>
-              </a:rPr>
-              <a:t>JobPosition</a:t>
-            </a:r>
-            <a:r>
-              <a:rPr lang="en-US" sz="2000" dirty="0" smtClean="0">
-                <a:ln w="0"/>
-                <a:solidFill>
-                  <a:schemeClr val="tx1"/>
-                </a:solidFill>
-                <a:effectLst>
-                  <a:outerShdw blurRad="38100" dist="19050" dir="2700000" algn="tl" rotWithShape="0">
-                    <a:schemeClr val="dk1">
-                      <a:alpha val="40000"/>
-                    </a:schemeClr>
-                  </a:outerShdw>
-                </a:effectLst>
-                <a:latin typeface="Times New Roman" panose="02020603050405020304" pitchFamily="18" charset="0"/>
-                <a:cs typeface="Times New Roman" panose="02020603050405020304" pitchFamily="18" charset="0"/>
-              </a:rPr>
-              <a:t> is calculated</a:t>
-            </a:r>
-          </a:p>
-          <a:p>
-            <a:pPr algn="ctr"/>
-            <a:r>
-              <a:rPr lang="en-US" sz="2000" dirty="0" smtClean="0">
-                <a:ln w="0"/>
-                <a:solidFill>
-                  <a:schemeClr val="tx1"/>
-                </a:solidFill>
-                <a:effectLst>
-                  <a:outerShdw blurRad="38100" dist="19050" dir="2700000" algn="tl" rotWithShape="0">
-                    <a:schemeClr val="dk1">
-                      <a:alpha val="40000"/>
-                    </a:schemeClr>
-                  </a:outerShdw>
-                </a:effectLst>
-                <a:latin typeface="Times New Roman" panose="02020603050405020304" pitchFamily="18" charset="0"/>
-                <a:cs typeface="Times New Roman" panose="02020603050405020304" pitchFamily="18" charset="0"/>
-              </a:rPr>
-              <a:t>And employment rating is calculated</a:t>
-            </a:r>
-          </a:p>
-          <a:p>
-            <a:pPr algn="ctr"/>
-            <a:endParaRPr lang="en-US" sz="2000" b="1" dirty="0">
-              <a:ln w="9525">
-                <a:solidFill>
-                  <a:schemeClr val="bg1"/>
-                </a:solidFill>
-                <a:prstDash val="solid"/>
-              </a:ln>
-              <a:effectLst>
-                <a:outerShdw blurRad="12700" dist="38100" dir="2700000" algn="tl" rotWithShape="0">
-                  <a:schemeClr val="bg1">
-                    <a:lumMod val="50000"/>
-                  </a:schemeClr>
-                </a:outerShdw>
-              </a:effectLst>
-              <a:latin typeface="Times New Roman" panose="02020603050405020304" pitchFamily="18" charset="0"/>
-              <a:cs typeface="Times New Roman" panose="02020603050405020304" pitchFamily="18" charset="0"/>
-            </a:endParaRPr>
-          </a:p>
-          <a:p>
-            <a:pPr algn="ctr"/>
-            <a:endParaRPr lang="en-US" sz="2000" b="1" cap="none" spc="0" dirty="0">
-              <a:ln w="9525">
-                <a:solidFill>
-                  <a:schemeClr val="bg1"/>
-                </a:solidFill>
-                <a:prstDash val="solid"/>
-              </a:ln>
-              <a:solidFill>
-                <a:schemeClr val="tx1"/>
-              </a:solidFill>
-              <a:effectLst>
-                <a:outerShdw blurRad="12700" dist="38100" dir="2700000" algn="tl" rotWithShape="0">
-                  <a:schemeClr val="bg1">
-                    <a:lumMod val="50000"/>
-                  </a:schemeClr>
-                </a:outerShdw>
-              </a:effectLst>
-            </a:endParaRPr>
-          </a:p>
-        </p:txBody>
-      </p:sp>
-      <p:sp>
-        <p:nvSpPr>
-          <p:cNvPr id="46" name="Rectangle 45"/>
+      </p:cxnSp>
+      <p:sp>
+        <p:nvSpPr>
+          <p:cNvPr id="32" name="Oval 31"/>
           <p:cNvSpPr/>
           <p:nvPr/>
         </p:nvSpPr>
         <p:spPr>
           <a:xfrm>
-            <a:off x="7970293" y="2787237"/>
-            <a:ext cx="3936925" cy="1015663"/>
-          </a:xfrm>
-          <a:prstGeom prst="rect">
+            <a:off x="9157708" y="3033486"/>
+            <a:ext cx="2584349" cy="1291771"/>
+          </a:xfrm>
+          <a:prstGeom prst="ellipse">
             <a:avLst/>
           </a:prstGeom>
         </p:spPr>
         <p:style>
-          <a:lnRef idx="1">
-            <a:schemeClr val="dk1"/>
+          <a:lnRef idx="2">
+            <a:schemeClr val="accent1">
+              <a:shade val="50000"/>
+            </a:schemeClr>
           </a:lnRef>
-          <a:fillRef idx="2">
-            <a:schemeClr val="dk1"/>
+          <a:fillRef idx="1">
+            <a:schemeClr val="accent1"/>
           </a:fillRef>
-          <a:effectRef idx="1">
-            <a:schemeClr val="dk1"/>
+          <a:effectRef idx="0">
+            <a:schemeClr val="accent1"/>
           </a:effectRef>
           <a:fontRef idx="minor">
-            <a:schemeClr val="dk1"/>
+            <a:schemeClr val="lt1"/>
           </a:fontRef>
         </p:style>
         <p:txBody>
-          <a:bodyPr wrap="square" lIns="91440" tIns="45720" rIns="91440" bIns="45720">
-            <a:spAutoFit/>
-          </a:bodyPr>
+          <a:bodyPr rtlCol="0" anchor="ctr"/>
           <a:lstStyle/>
           <a:p>
             <a:pPr algn="ctr"/>
             <a:r>
-              <a:rPr lang="en-US" sz="2000" dirty="0" smtClean="0">
-                <a:ln w="0"/>
-                <a:solidFill>
-                  <a:schemeClr val="tx1"/>
-                </a:solidFill>
-                <a:effectLst>
-                  <a:outerShdw blurRad="38100" dist="19050" dir="2700000" algn="tl" rotWithShape="0">
-                    <a:schemeClr val="dk1">
-                      <a:alpha val="40000"/>
-                    </a:schemeClr>
-                  </a:outerShdw>
-                </a:effectLst>
-              </a:rPr>
-              <a:t>HIGHER THE POSITION – HIGHER THE REMPLOYMENT RATING FOR THAT PARTICULAR ALUMNI</a:t>
-            </a:r>
-            <a:endParaRPr lang="en-US" sz="2000" dirty="0">
-              <a:ln w="0"/>
-              <a:solidFill>
-                <a:schemeClr val="tx1"/>
-              </a:solidFill>
-              <a:effectLst>
-                <a:outerShdw blurRad="38100" dist="19050" dir="2700000" algn="tl" rotWithShape="0">
-                  <a:schemeClr val="dk1">
-                    <a:alpha val="40000"/>
-                  </a:schemeClr>
-                </a:outerShdw>
-              </a:effectLst>
-            </a:endParaRPr>
-          </a:p>
-        </p:txBody>
-      </p:sp>
+              <a:rPr lang="en-IN" dirty="0" smtClean="0"/>
+              <a:t>CHECK SALARY OF STUDENTS HAVING GPA &lt; 3</a:t>
+            </a:r>
+            <a:endParaRPr lang="en-IN" dirty="0"/>
+          </a:p>
+        </p:txBody>
+      </p:sp>
+      <p:pic>
+        <p:nvPicPr>
+          <p:cNvPr id="40" name="Picture 39"/>
+          <p:cNvPicPr>
+            <a:picLocks noChangeAspect="1"/>
+          </p:cNvPicPr>
+          <p:nvPr/>
+        </p:nvPicPr>
+        <p:blipFill>
+          <a:blip r:embed="rId2">
+            <a:extLst>
+              <a:ext uri="{28A0092B-C50C-407E-A947-70E740481C1C}">
+                <a14:useLocalDpi xmlns:a14="http://schemas.microsoft.com/office/drawing/2010/main" val="0"/>
+              </a:ext>
+            </a:extLst>
+          </a:blip>
+          <a:stretch>
+            <a:fillRect/>
+          </a:stretch>
+        </p:blipFill>
+        <p:spPr>
+          <a:xfrm>
+            <a:off x="566128" y="2124962"/>
+            <a:ext cx="8591579" cy="4733038"/>
+          </a:xfrm>
+          <a:prstGeom prst="rect">
+            <a:avLst/>
+          </a:prstGeom>
+        </p:spPr>
+      </p:pic>
     </p:spTree>
     <p:extLst>
       <p:ext uri="{BB962C8B-B14F-4D97-AF65-F5344CB8AC3E}">
-        <p14:creationId xmlns:p14="http://schemas.microsoft.com/office/powerpoint/2010/main" val="3230847770"/>
+        <p14:creationId xmlns:p14="http://schemas.microsoft.com/office/powerpoint/2010/main" val="3757216666"/>
       </p:ext>
     </p:extLst>
   </p:cSld>
@@ -7129,14 +5274,14 @@
       </p:grpSpPr>
       <p:sp>
         <p:nvSpPr>
-          <p:cNvPr id="3" name="Rectangle 2"/>
+          <p:cNvPr id="4" name="Rectangle 3"/>
           <p:cNvSpPr/>
           <p:nvPr/>
         </p:nvSpPr>
         <p:spPr>
           <a:xfrm>
-            <a:off x="3598061" y="111594"/>
-            <a:ext cx="4376904" cy="923330"/>
+            <a:off x="191068" y="-80027"/>
+            <a:ext cx="9690613" cy="923330"/>
           </a:xfrm>
           <a:prstGeom prst="rect">
             <a:avLst/>
@@ -7144,7 +5289,7 @@
           <a:noFill/>
         </p:spPr>
         <p:txBody>
-          <a:bodyPr wrap="none" lIns="91440" tIns="45720" rIns="91440" bIns="45720">
+          <a:bodyPr wrap="square" lIns="91440" tIns="45720" rIns="91440" bIns="45720">
             <a:spAutoFit/>
           </a:bodyPr>
           <a:lstStyle/>
@@ -7169,7 +5314,7 @@
                   </a:outerShdw>
                 </a:effectLst>
               </a:rPr>
-              <a:t>FAKER PACKGE</a:t>
+              <a:t>COURSE RANKING BY ALUMNI</a:t>
             </a:r>
             <a:endParaRPr lang="en-US" sz="5400" b="1" cap="none" spc="0" dirty="0">
               <a:ln w="9525">
@@ -7192,86 +5337,1605 @@
           </a:p>
         </p:txBody>
       </p:sp>
-      <p:sp>
-        <p:nvSpPr>
-          <p:cNvPr id="7" name="Text Placeholder 6"/>
-          <p:cNvSpPr>
-            <a:spLocks noGrp="1"/>
-          </p:cNvSpPr>
-          <p:nvPr>
-            <p:ph type="body" idx="1"/>
-          </p:nvPr>
-        </p:nvSpPr>
-        <p:spPr>
-          <a:xfrm>
-            <a:off x="2041672" y="1902534"/>
-            <a:ext cx="9212482" cy="2556925"/>
-          </a:xfrm>
-        </p:spPr>
-        <p:txBody>
-          <a:bodyPr/>
-          <a:lstStyle/>
-          <a:p>
-            <a:pPr marL="342900" indent="-342900">
-              <a:buFont typeface="Arial" panose="020B0604020202020204" pitchFamily="34" charset="0"/>
-              <a:buChar char="•"/>
-            </a:pPr>
-            <a:r>
-              <a:rPr lang="en-IN" dirty="0" smtClean="0">
+      <p:cxnSp>
+        <p:nvCxnSpPr>
+          <p:cNvPr id="8" name="Straight Arrow Connector 7"/>
+          <p:cNvCxnSpPr/>
+          <p:nvPr/>
+        </p:nvCxnSpPr>
+        <p:spPr>
+          <a:xfrm flipV="1">
+            <a:off x="4669153" y="1511892"/>
+            <a:ext cx="702859" cy="8577"/>
+          </a:xfrm>
+          <a:prstGeom prst="straightConnector1">
+            <a:avLst/>
+          </a:prstGeom>
+          <a:ln>
+            <a:tailEnd type="triangle"/>
+          </a:ln>
+        </p:spPr>
+        <p:style>
+          <a:lnRef idx="1">
+            <a:schemeClr val="accent1"/>
+          </a:lnRef>
+          <a:fillRef idx="0">
+            <a:schemeClr val="accent1"/>
+          </a:fillRef>
+          <a:effectRef idx="0">
+            <a:schemeClr val="accent1"/>
+          </a:effectRef>
+          <a:fontRef idx="minor">
+            <a:schemeClr val="tx1"/>
+          </a:fontRef>
+        </p:style>
+      </p:cxnSp>
+      <p:sp>
+        <p:nvSpPr>
+          <p:cNvPr id="15" name="TextBox 14"/>
+          <p:cNvSpPr txBox="1"/>
+          <p:nvPr/>
+        </p:nvSpPr>
+        <p:spPr>
+          <a:xfrm>
+            <a:off x="2416465" y="2587602"/>
+            <a:ext cx="1255593" cy="253916"/>
+          </a:xfrm>
+          <a:prstGeom prst="rect">
+            <a:avLst/>
+          </a:prstGeom>
+          <a:noFill/>
+        </p:spPr>
+        <p:txBody>
+          <a:bodyPr wrap="square" rtlCol="0">
+            <a:spAutoFit/>
+          </a:bodyPr>
+          <a:lstStyle/>
+          <a:p>
+            <a:r>
+              <a:rPr lang="en-IN" sz="1050" dirty="0" err="1" smtClean="0"/>
+              <a:t>getDepartments</a:t>
+            </a:r>
+            <a:r>
+              <a:rPr lang="en-IN" sz="1050" dirty="0" smtClean="0"/>
+              <a:t>()</a:t>
+            </a:r>
+            <a:endParaRPr lang="en-IN" sz="1050" dirty="0"/>
+          </a:p>
+        </p:txBody>
+      </p:sp>
+      <p:sp>
+        <p:nvSpPr>
+          <p:cNvPr id="20" name="Oval 19"/>
+          <p:cNvSpPr/>
+          <p:nvPr/>
+        </p:nvSpPr>
+        <p:spPr>
+          <a:xfrm>
+            <a:off x="8640827" y="815797"/>
+            <a:ext cx="1810596" cy="1351128"/>
+          </a:xfrm>
+          <a:prstGeom prst="ellipse">
+            <a:avLst/>
+          </a:prstGeom>
+        </p:spPr>
+        <p:style>
+          <a:lnRef idx="2">
+            <a:schemeClr val="accent1">
+              <a:shade val="50000"/>
+            </a:schemeClr>
+          </a:lnRef>
+          <a:fillRef idx="1">
+            <a:schemeClr val="accent1"/>
+          </a:fillRef>
+          <a:effectRef idx="0">
+            <a:schemeClr val="accent1"/>
+          </a:effectRef>
+          <a:fontRef idx="minor">
+            <a:schemeClr val="lt1"/>
+          </a:fontRef>
+        </p:style>
+        <p:txBody>
+          <a:bodyPr rtlCol="0" anchor="ctr"/>
+          <a:lstStyle/>
+          <a:p>
+            <a:pPr algn="ctr"/>
+            <a:r>
+              <a:rPr lang="en-IN" dirty="0" smtClean="0"/>
+              <a:t>ALUMNI</a:t>
+            </a:r>
+            <a:endParaRPr lang="en-IN" dirty="0"/>
+          </a:p>
+        </p:txBody>
+      </p:sp>
+      <p:sp>
+        <p:nvSpPr>
+          <p:cNvPr id="24" name="TextBox 23"/>
+          <p:cNvSpPr txBox="1"/>
+          <p:nvPr/>
+        </p:nvSpPr>
+        <p:spPr>
+          <a:xfrm>
+            <a:off x="5831877" y="4154084"/>
+            <a:ext cx="1255593" cy="253916"/>
+          </a:xfrm>
+          <a:prstGeom prst="rect">
+            <a:avLst/>
+          </a:prstGeom>
+          <a:noFill/>
+        </p:spPr>
+        <p:txBody>
+          <a:bodyPr wrap="square" rtlCol="0">
+            <a:spAutoFit/>
+          </a:bodyPr>
+          <a:lstStyle/>
+          <a:p>
+            <a:r>
+              <a:rPr lang="en-IN" sz="1050" dirty="0" err="1" smtClean="0"/>
+              <a:t>setCourseRating</a:t>
+            </a:r>
+            <a:r>
+              <a:rPr lang="en-IN" sz="1050" dirty="0" smtClean="0"/>
+              <a:t>()</a:t>
+            </a:r>
+            <a:endParaRPr lang="en-IN" sz="1050" dirty="0"/>
+          </a:p>
+        </p:txBody>
+      </p:sp>
+      <p:sp>
+        <p:nvSpPr>
+          <p:cNvPr id="35" name="Rectangle 34"/>
+          <p:cNvSpPr/>
+          <p:nvPr/>
+        </p:nvSpPr>
+        <p:spPr>
+          <a:xfrm>
+            <a:off x="5372012" y="1077042"/>
+            <a:ext cx="1915892" cy="807149"/>
+          </a:xfrm>
+          <a:prstGeom prst="rect">
+            <a:avLst/>
+          </a:prstGeom>
+        </p:spPr>
+        <p:style>
+          <a:lnRef idx="2">
+            <a:schemeClr val="accent1">
+              <a:shade val="50000"/>
+            </a:schemeClr>
+          </a:lnRef>
+          <a:fillRef idx="1">
+            <a:schemeClr val="accent1"/>
+          </a:fillRef>
+          <a:effectRef idx="0">
+            <a:schemeClr val="accent1"/>
+          </a:effectRef>
+          <a:fontRef idx="minor">
+            <a:schemeClr val="lt1"/>
+          </a:fontRef>
+        </p:style>
+        <p:txBody>
+          <a:bodyPr rtlCol="0" anchor="ctr"/>
+          <a:lstStyle/>
+          <a:p>
+            <a:pPr algn="ctr"/>
+            <a:r>
+              <a:rPr lang="en-IN" dirty="0" smtClean="0"/>
+              <a:t>COURSECATALOG</a:t>
+            </a:r>
+            <a:endParaRPr lang="en-IN" dirty="0"/>
+          </a:p>
+        </p:txBody>
+      </p:sp>
+      <p:sp>
+        <p:nvSpPr>
+          <p:cNvPr id="39" name="Rectangle 38"/>
+          <p:cNvSpPr/>
+          <p:nvPr/>
+        </p:nvSpPr>
+        <p:spPr>
+          <a:xfrm>
+            <a:off x="2750023" y="3231785"/>
+            <a:ext cx="1619851" cy="644183"/>
+          </a:xfrm>
+          <a:prstGeom prst="rect">
+            <a:avLst/>
+          </a:prstGeom>
+        </p:spPr>
+        <p:style>
+          <a:lnRef idx="2">
+            <a:schemeClr val="accent1">
+              <a:shade val="50000"/>
+            </a:schemeClr>
+          </a:lnRef>
+          <a:fillRef idx="1">
+            <a:schemeClr val="accent1"/>
+          </a:fillRef>
+          <a:effectRef idx="0">
+            <a:schemeClr val="accent1"/>
+          </a:effectRef>
+          <a:fontRef idx="minor">
+            <a:schemeClr val="lt1"/>
+          </a:fontRef>
+        </p:style>
+        <p:txBody>
+          <a:bodyPr rtlCol="0" anchor="ctr"/>
+          <a:lstStyle/>
+          <a:p>
+            <a:pPr algn="ctr"/>
+            <a:endParaRPr lang="en-IN" dirty="0" smtClean="0"/>
+          </a:p>
+          <a:p>
+            <a:pPr algn="ctr"/>
+            <a:r>
+              <a:rPr lang="en-IN" dirty="0" smtClean="0"/>
+              <a:t>UNIVERSITY</a:t>
+            </a:r>
+          </a:p>
+          <a:p>
+            <a:pPr algn="ctr"/>
+            <a:r>
+              <a:rPr lang="en-IN" dirty="0" smtClean="0"/>
+              <a:t> </a:t>
+            </a:r>
+            <a:endParaRPr lang="en-IN" dirty="0"/>
+          </a:p>
+        </p:txBody>
+      </p:sp>
+      <p:sp>
+        <p:nvSpPr>
+          <p:cNvPr id="40" name="Rectangle 39"/>
+          <p:cNvSpPr/>
+          <p:nvPr/>
+        </p:nvSpPr>
+        <p:spPr>
+          <a:xfrm>
+            <a:off x="2674962" y="1139594"/>
+            <a:ext cx="1994192" cy="744597"/>
+          </a:xfrm>
+          <a:prstGeom prst="rect">
+            <a:avLst/>
+          </a:prstGeom>
+        </p:spPr>
+        <p:style>
+          <a:lnRef idx="2">
+            <a:schemeClr val="accent1">
+              <a:shade val="50000"/>
+            </a:schemeClr>
+          </a:lnRef>
+          <a:fillRef idx="1">
+            <a:schemeClr val="accent1"/>
+          </a:fillRef>
+          <a:effectRef idx="0">
+            <a:schemeClr val="accent1"/>
+          </a:effectRef>
+          <a:fontRef idx="minor">
+            <a:schemeClr val="lt1"/>
+          </a:fontRef>
+        </p:style>
+        <p:txBody>
+          <a:bodyPr rtlCol="0" anchor="ctr"/>
+          <a:lstStyle/>
+          <a:p>
+            <a:pPr algn="ctr"/>
+            <a:r>
+              <a:rPr lang="en-IN" dirty="0" smtClean="0"/>
+              <a:t>DEPARTMENT</a:t>
+            </a:r>
+            <a:endParaRPr lang="en-IN" dirty="0"/>
+          </a:p>
+        </p:txBody>
+      </p:sp>
+      <p:cxnSp>
+        <p:nvCxnSpPr>
+          <p:cNvPr id="45" name="Straight Arrow Connector 44"/>
+          <p:cNvCxnSpPr/>
+          <p:nvPr/>
+        </p:nvCxnSpPr>
+        <p:spPr>
+          <a:xfrm flipH="1">
+            <a:off x="9573779" y="2169043"/>
+            <a:ext cx="1" cy="747052"/>
+          </a:xfrm>
+          <a:prstGeom prst="straightConnector1">
+            <a:avLst/>
+          </a:prstGeom>
+          <a:ln>
+            <a:tailEnd type="triangle"/>
+          </a:ln>
+        </p:spPr>
+        <p:style>
+          <a:lnRef idx="1">
+            <a:schemeClr val="accent1"/>
+          </a:lnRef>
+          <a:fillRef idx="0">
+            <a:schemeClr val="accent1"/>
+          </a:fillRef>
+          <a:effectRef idx="0">
+            <a:schemeClr val="accent1"/>
+          </a:effectRef>
+          <a:fontRef idx="minor">
+            <a:schemeClr val="tx1"/>
+          </a:fontRef>
+        </p:style>
+      </p:cxnSp>
+      <p:sp>
+        <p:nvSpPr>
+          <p:cNvPr id="46" name="Flowchart: Decision 45"/>
+          <p:cNvSpPr/>
+          <p:nvPr/>
+        </p:nvSpPr>
+        <p:spPr>
+          <a:xfrm>
+            <a:off x="8179291" y="2864659"/>
+            <a:ext cx="2788976" cy="1980296"/>
+          </a:xfrm>
+          <a:prstGeom prst="flowChartDecision">
+            <a:avLst/>
+          </a:prstGeom>
+        </p:spPr>
+        <p:style>
+          <a:lnRef idx="2">
+            <a:schemeClr val="accent1">
+              <a:shade val="50000"/>
+            </a:schemeClr>
+          </a:lnRef>
+          <a:fillRef idx="1">
+            <a:schemeClr val="accent1"/>
+          </a:fillRef>
+          <a:effectRef idx="0">
+            <a:schemeClr val="accent1"/>
+          </a:effectRef>
+          <a:fontRef idx="minor">
+            <a:schemeClr val="lt1"/>
+          </a:fontRef>
+        </p:style>
+        <p:txBody>
+          <a:bodyPr rtlCol="0" anchor="ctr"/>
+          <a:lstStyle/>
+          <a:p>
+            <a:pPr algn="ctr"/>
+            <a:r>
+              <a:rPr lang="en-IN" smtClean="0"/>
+              <a:t>IF ALUMNI COURSE LIST CONTAINS DESIRED COURSE</a:t>
+            </a:r>
+            <a:endParaRPr lang="en-IN" dirty="0"/>
+          </a:p>
+        </p:txBody>
+      </p:sp>
+      <p:cxnSp>
+        <p:nvCxnSpPr>
+          <p:cNvPr id="51" name="Straight Connector 50"/>
+          <p:cNvCxnSpPr>
+            <a:stCxn id="46" idx="1"/>
+          </p:cNvCxnSpPr>
+          <p:nvPr/>
+        </p:nvCxnSpPr>
+        <p:spPr>
+          <a:xfrm flipH="1" flipV="1">
+            <a:off x="7028597" y="3848669"/>
+            <a:ext cx="1150694" cy="6138"/>
+          </a:xfrm>
+          <a:prstGeom prst="line">
+            <a:avLst/>
+          </a:prstGeom>
+        </p:spPr>
+        <p:style>
+          <a:lnRef idx="1">
+            <a:schemeClr val="accent1"/>
+          </a:lnRef>
+          <a:fillRef idx="0">
+            <a:schemeClr val="accent1"/>
+          </a:fillRef>
+          <a:effectRef idx="0">
+            <a:schemeClr val="accent1"/>
+          </a:effectRef>
+          <a:fontRef idx="minor">
+            <a:schemeClr val="tx1"/>
+          </a:fontRef>
+        </p:style>
+      </p:cxnSp>
+      <p:cxnSp>
+        <p:nvCxnSpPr>
+          <p:cNvPr id="55" name="Straight Arrow Connector 54"/>
+          <p:cNvCxnSpPr/>
+          <p:nvPr/>
+        </p:nvCxnSpPr>
+        <p:spPr>
+          <a:xfrm>
+            <a:off x="7028597" y="3848669"/>
+            <a:ext cx="13648" cy="996286"/>
+          </a:xfrm>
+          <a:prstGeom prst="straightConnector1">
+            <a:avLst/>
+          </a:prstGeom>
+          <a:ln>
+            <a:tailEnd type="triangle"/>
+          </a:ln>
+        </p:spPr>
+        <p:style>
+          <a:lnRef idx="1">
+            <a:schemeClr val="accent1"/>
+          </a:lnRef>
+          <a:fillRef idx="0">
+            <a:schemeClr val="accent1"/>
+          </a:fillRef>
+          <a:effectRef idx="0">
+            <a:schemeClr val="accent1"/>
+          </a:effectRef>
+          <a:fontRef idx="minor">
+            <a:schemeClr val="tx1"/>
+          </a:fontRef>
+        </p:style>
+      </p:cxnSp>
+      <p:cxnSp>
+        <p:nvCxnSpPr>
+          <p:cNvPr id="56" name="Straight Connector 55"/>
+          <p:cNvCxnSpPr/>
+          <p:nvPr/>
+        </p:nvCxnSpPr>
+        <p:spPr>
+          <a:xfrm flipH="1">
+            <a:off x="10968267" y="3856925"/>
+            <a:ext cx="591135" cy="5392"/>
+          </a:xfrm>
+          <a:prstGeom prst="line">
+            <a:avLst/>
+          </a:prstGeom>
+        </p:spPr>
+        <p:style>
+          <a:lnRef idx="1">
+            <a:schemeClr val="accent1"/>
+          </a:lnRef>
+          <a:fillRef idx="0">
+            <a:schemeClr val="accent1"/>
+          </a:fillRef>
+          <a:effectRef idx="0">
+            <a:schemeClr val="accent1"/>
+          </a:effectRef>
+          <a:fontRef idx="minor">
+            <a:schemeClr val="tx1"/>
+          </a:fontRef>
+        </p:style>
+      </p:cxnSp>
+      <p:cxnSp>
+        <p:nvCxnSpPr>
+          <p:cNvPr id="59" name="Straight Arrow Connector 58"/>
+          <p:cNvCxnSpPr/>
+          <p:nvPr/>
+        </p:nvCxnSpPr>
+        <p:spPr>
+          <a:xfrm>
+            <a:off x="11559150" y="3875968"/>
+            <a:ext cx="0" cy="1439151"/>
+          </a:xfrm>
+          <a:prstGeom prst="straightConnector1">
+            <a:avLst/>
+          </a:prstGeom>
+          <a:ln>
+            <a:tailEnd type="triangle"/>
+          </a:ln>
+        </p:spPr>
+        <p:style>
+          <a:lnRef idx="1">
+            <a:schemeClr val="accent1"/>
+          </a:lnRef>
+          <a:fillRef idx="0">
+            <a:schemeClr val="accent1"/>
+          </a:fillRef>
+          <a:effectRef idx="0">
+            <a:schemeClr val="accent1"/>
+          </a:effectRef>
+          <a:fontRef idx="minor">
+            <a:schemeClr val="tx1"/>
+          </a:fontRef>
+        </p:style>
+      </p:cxnSp>
+      <p:sp>
+        <p:nvSpPr>
+          <p:cNvPr id="60" name="Oval 59"/>
+          <p:cNvSpPr/>
+          <p:nvPr/>
+        </p:nvSpPr>
+        <p:spPr>
+          <a:xfrm>
+            <a:off x="6016656" y="4838817"/>
+            <a:ext cx="2051178" cy="1596788"/>
+          </a:xfrm>
+          <a:prstGeom prst="ellipse">
+            <a:avLst/>
+          </a:prstGeom>
+        </p:spPr>
+        <p:style>
+          <a:lnRef idx="2">
+            <a:schemeClr val="accent1">
+              <a:shade val="50000"/>
+            </a:schemeClr>
+          </a:lnRef>
+          <a:fillRef idx="1">
+            <a:schemeClr val="accent1"/>
+          </a:fillRef>
+          <a:effectRef idx="0">
+            <a:schemeClr val="accent1"/>
+          </a:effectRef>
+          <a:fontRef idx="minor">
+            <a:schemeClr val="lt1"/>
+          </a:fontRef>
+        </p:style>
+        <p:txBody>
+          <a:bodyPr rtlCol="0" anchor="ctr"/>
+          <a:lstStyle/>
+          <a:p>
+            <a:pPr algn="ctr"/>
+            <a:r>
+              <a:rPr lang="en-IN" dirty="0" smtClean="0"/>
+              <a:t>ALUMNI GIVES RATING FOR THE COURSE</a:t>
+            </a:r>
+            <a:endParaRPr lang="en-IN" dirty="0"/>
+          </a:p>
+        </p:txBody>
+      </p:sp>
+      <p:sp>
+        <p:nvSpPr>
+          <p:cNvPr id="62" name="TextBox 61"/>
+          <p:cNvSpPr txBox="1"/>
+          <p:nvPr/>
+        </p:nvSpPr>
+        <p:spPr>
+          <a:xfrm>
+            <a:off x="7116660" y="3603009"/>
+            <a:ext cx="471496" cy="253916"/>
+          </a:xfrm>
+          <a:prstGeom prst="rect">
+            <a:avLst/>
+          </a:prstGeom>
+          <a:noFill/>
+        </p:spPr>
+        <p:txBody>
+          <a:bodyPr wrap="square" rtlCol="0">
+            <a:spAutoFit/>
+          </a:bodyPr>
+          <a:lstStyle/>
+          <a:p>
+            <a:r>
+              <a:rPr lang="en-IN" sz="1050" dirty="0" smtClean="0"/>
+              <a:t>YES</a:t>
+            </a:r>
+            <a:endParaRPr lang="en-IN" sz="1050" dirty="0"/>
+          </a:p>
+        </p:txBody>
+      </p:sp>
+      <p:sp>
+        <p:nvSpPr>
+          <p:cNvPr id="63" name="TextBox 62"/>
+          <p:cNvSpPr txBox="1"/>
+          <p:nvPr/>
+        </p:nvSpPr>
+        <p:spPr>
+          <a:xfrm>
+            <a:off x="11323654" y="3594753"/>
+            <a:ext cx="471496" cy="253916"/>
+          </a:xfrm>
+          <a:prstGeom prst="rect">
+            <a:avLst/>
+          </a:prstGeom>
+          <a:noFill/>
+        </p:spPr>
+        <p:txBody>
+          <a:bodyPr wrap="square" rtlCol="0">
+            <a:spAutoFit/>
+          </a:bodyPr>
+          <a:lstStyle/>
+          <a:p>
+            <a:r>
+              <a:rPr lang="en-IN" sz="1050" dirty="0" smtClean="0"/>
+              <a:t>NO</a:t>
+            </a:r>
+            <a:endParaRPr lang="en-IN" sz="1050" dirty="0"/>
+          </a:p>
+        </p:txBody>
+      </p:sp>
+      <p:cxnSp>
+        <p:nvCxnSpPr>
+          <p:cNvPr id="68" name="Straight Arrow Connector 67"/>
+          <p:cNvCxnSpPr>
+            <a:stCxn id="60" idx="6"/>
+          </p:cNvCxnSpPr>
+          <p:nvPr/>
+        </p:nvCxnSpPr>
+        <p:spPr>
+          <a:xfrm>
+            <a:off x="8067834" y="5637211"/>
+            <a:ext cx="2672954" cy="0"/>
+          </a:xfrm>
+          <a:prstGeom prst="straightConnector1">
+            <a:avLst/>
+          </a:prstGeom>
+          <a:ln>
+            <a:tailEnd type="triangle"/>
+          </a:ln>
+        </p:spPr>
+        <p:style>
+          <a:lnRef idx="1">
+            <a:schemeClr val="accent1"/>
+          </a:lnRef>
+          <a:fillRef idx="0">
+            <a:schemeClr val="accent1"/>
+          </a:fillRef>
+          <a:effectRef idx="0">
+            <a:schemeClr val="accent1"/>
+          </a:effectRef>
+          <a:fontRef idx="minor">
+            <a:schemeClr val="tx1"/>
+          </a:fontRef>
+        </p:style>
+      </p:cxnSp>
+      <p:sp>
+        <p:nvSpPr>
+          <p:cNvPr id="71" name="Rectangle 70"/>
+          <p:cNvSpPr/>
+          <p:nvPr/>
+        </p:nvSpPr>
+        <p:spPr>
+          <a:xfrm>
+            <a:off x="10740788" y="5315119"/>
+            <a:ext cx="1105627" cy="644183"/>
+          </a:xfrm>
+          <a:prstGeom prst="rect">
+            <a:avLst/>
+          </a:prstGeom>
+        </p:spPr>
+        <p:style>
+          <a:lnRef idx="2">
+            <a:schemeClr val="accent1">
+              <a:shade val="50000"/>
+            </a:schemeClr>
+          </a:lnRef>
+          <a:fillRef idx="1">
+            <a:schemeClr val="accent1"/>
+          </a:fillRef>
+          <a:effectRef idx="0">
+            <a:schemeClr val="accent1"/>
+          </a:effectRef>
+          <a:fontRef idx="minor">
+            <a:schemeClr val="lt1"/>
+          </a:fontRef>
+        </p:style>
+        <p:txBody>
+          <a:bodyPr rtlCol="0" anchor="ctr"/>
+          <a:lstStyle/>
+          <a:p>
+            <a:pPr algn="ctr"/>
+            <a:endParaRPr lang="en-IN" dirty="0" smtClean="0"/>
+          </a:p>
+          <a:p>
+            <a:pPr algn="ctr"/>
+            <a:r>
+              <a:rPr lang="en-IN" dirty="0" smtClean="0"/>
+              <a:t>END</a:t>
+            </a:r>
+          </a:p>
+          <a:p>
+            <a:pPr algn="ctr"/>
+            <a:r>
+              <a:rPr lang="en-IN" dirty="0" smtClean="0"/>
+              <a:t> </a:t>
+            </a:r>
+            <a:endParaRPr lang="en-IN" dirty="0"/>
+          </a:p>
+        </p:txBody>
+      </p:sp>
+      <p:cxnSp>
+        <p:nvCxnSpPr>
+          <p:cNvPr id="76" name="Straight Arrow Connector 75"/>
+          <p:cNvCxnSpPr>
+            <a:stCxn id="39" idx="0"/>
+          </p:cNvCxnSpPr>
+          <p:nvPr/>
+        </p:nvCxnSpPr>
+        <p:spPr>
+          <a:xfrm flipV="1">
+            <a:off x="3559949" y="1884191"/>
+            <a:ext cx="15764" cy="1347594"/>
+          </a:xfrm>
+          <a:prstGeom prst="straightConnector1">
+            <a:avLst/>
+          </a:prstGeom>
+          <a:ln>
+            <a:tailEnd type="triangle"/>
+          </a:ln>
+        </p:spPr>
+        <p:style>
+          <a:lnRef idx="1">
+            <a:schemeClr val="accent1"/>
+          </a:lnRef>
+          <a:fillRef idx="0">
+            <a:schemeClr val="accent1"/>
+          </a:fillRef>
+          <a:effectRef idx="0">
+            <a:schemeClr val="accent1"/>
+          </a:effectRef>
+          <a:fontRef idx="minor">
+            <a:schemeClr val="tx1"/>
+          </a:fontRef>
+        </p:style>
+      </p:cxnSp>
+      <p:cxnSp>
+        <p:nvCxnSpPr>
+          <p:cNvPr id="85" name="Straight Arrow Connector 84"/>
+          <p:cNvCxnSpPr>
+            <a:stCxn id="35" idx="3"/>
+            <a:endCxn id="20" idx="2"/>
+          </p:cNvCxnSpPr>
+          <p:nvPr/>
+        </p:nvCxnSpPr>
+        <p:spPr>
+          <a:xfrm>
+            <a:off x="7287904" y="1480617"/>
+            <a:ext cx="1352923" cy="10744"/>
+          </a:xfrm>
+          <a:prstGeom prst="straightConnector1">
+            <a:avLst/>
+          </a:prstGeom>
+          <a:ln>
+            <a:tailEnd type="triangle"/>
+          </a:ln>
+        </p:spPr>
+        <p:style>
+          <a:lnRef idx="1">
+            <a:schemeClr val="accent1"/>
+          </a:lnRef>
+          <a:fillRef idx="0">
+            <a:schemeClr val="accent1"/>
+          </a:fillRef>
+          <a:effectRef idx="0">
+            <a:schemeClr val="accent1"/>
+          </a:effectRef>
+          <a:fontRef idx="minor">
+            <a:schemeClr val="tx1"/>
+          </a:fontRef>
+        </p:style>
+      </p:cxnSp>
+      <p:sp>
+        <p:nvSpPr>
+          <p:cNvPr id="87" name="TextBox 86"/>
+          <p:cNvSpPr txBox="1"/>
+          <p:nvPr/>
+        </p:nvSpPr>
+        <p:spPr>
+          <a:xfrm>
+            <a:off x="7405705" y="1157551"/>
+            <a:ext cx="1255593" cy="253916"/>
+          </a:xfrm>
+          <a:prstGeom prst="rect">
+            <a:avLst/>
+          </a:prstGeom>
+          <a:noFill/>
+        </p:spPr>
+        <p:txBody>
+          <a:bodyPr wrap="square" rtlCol="0">
+            <a:spAutoFit/>
+          </a:bodyPr>
+          <a:lstStyle/>
+          <a:p>
+            <a:r>
+              <a:rPr lang="en-IN" sz="1050" dirty="0" err="1" smtClean="0"/>
+              <a:t>getCourseList</a:t>
+            </a:r>
+            <a:r>
+              <a:rPr lang="en-IN" sz="1050" dirty="0" smtClean="0"/>
+              <a:t>()</a:t>
+            </a:r>
+            <a:endParaRPr lang="en-IN" sz="1050" dirty="0"/>
+          </a:p>
+        </p:txBody>
+      </p:sp>
+    </p:spTree>
+    <p:extLst>
+      <p:ext uri="{BB962C8B-B14F-4D97-AF65-F5344CB8AC3E}">
+        <p14:creationId xmlns:p14="http://schemas.microsoft.com/office/powerpoint/2010/main" val="4034390955"/>
+      </p:ext>
+    </p:extLst>
+  </p:cSld>
+  <p:clrMapOvr>
+    <a:masterClrMapping/>
+  </p:clrMapOvr>
+</p:sld>
+</file>
+
+<file path=ppt/slides/slide19.xml><?xml version="1.0" encoding="utf-8"?>
+<p:sld xmlns:a="http://schemas.openxmlformats.org/drawingml/2006/main" xmlns:r="http://schemas.openxmlformats.org/officeDocument/2006/relationships" xmlns:p="http://schemas.openxmlformats.org/presentationml/2006/main">
+  <p:cSld>
+    <p:spTree>
+      <p:nvGrpSpPr>
+        <p:cNvPr id="1" name=""/>
+        <p:cNvGrpSpPr/>
+        <p:nvPr/>
+      </p:nvGrpSpPr>
+      <p:grpSpPr>
+        <a:xfrm>
+          <a:off x="0" y="0"/>
+          <a:ext cx="0" cy="0"/>
+          <a:chOff x="0" y="0"/>
+          <a:chExt cx="0" cy="0"/>
+        </a:xfrm>
+      </p:grpSpPr>
+      <p:sp>
+        <p:nvSpPr>
+          <p:cNvPr id="2" name="Rectangle 1"/>
+          <p:cNvSpPr/>
+          <p:nvPr/>
+        </p:nvSpPr>
+        <p:spPr>
+          <a:xfrm>
+            <a:off x="140735" y="0"/>
+            <a:ext cx="9563131" cy="923330"/>
+          </a:xfrm>
+          <a:prstGeom prst="rect">
+            <a:avLst/>
+          </a:prstGeom>
+          <a:noFill/>
+        </p:spPr>
+        <p:txBody>
+          <a:bodyPr wrap="none" lIns="91440" tIns="45720" rIns="91440" bIns="45720">
+            <a:spAutoFit/>
+          </a:bodyPr>
+          <a:lstStyle/>
+          <a:p>
+            <a:pPr algn="ctr"/>
+            <a:r>
+              <a:rPr lang="en-US" sz="5400" b="1" cap="none" spc="0" dirty="0" smtClean="0">
+                <a:ln w="9525">
+                  <a:solidFill>
+                    <a:schemeClr val="bg1"/>
+                  </a:solidFill>
+                  <a:prstDash val="solid"/>
+                </a:ln>
                 <a:solidFill>
                   <a:schemeClr val="tx1"/>
                 </a:solidFill>
-                <a:latin typeface="Times New Roman" panose="02020603050405020304" pitchFamily="18" charset="0"/>
-                <a:cs typeface="Times New Roman" panose="02020603050405020304" pitchFamily="18" charset="0"/>
+                <a:effectLst>
+                  <a:outerShdw blurRad="12700" dist="38100" dir="2700000" algn="tl" rotWithShape="0">
+                    <a:schemeClr val="bg1">
+                      <a:lumMod val="50000"/>
+                    </a:schemeClr>
+                  </a:outerShdw>
+                </a:effectLst>
               </a:rPr>
-              <a:t>WE USED THE FAKER PACKAGE TO GENERATE DATA.</a:t>
-            </a:r>
-          </a:p>
-          <a:p>
-            <a:pPr marL="342900" indent="-342900">
-              <a:buFont typeface="Arial" panose="020B0604020202020204" pitchFamily="34" charset="0"/>
-              <a:buChar char="•"/>
-            </a:pPr>
-            <a:r>
-              <a:rPr lang="en-IN" dirty="0" smtClean="0">
+              <a:t>COURSE RANKING BY EMPLOYER</a:t>
+            </a:r>
+            <a:endParaRPr lang="en-US" sz="5400" b="1" cap="none" spc="0" dirty="0">
+              <a:ln w="9525">
                 <a:solidFill>
-                  <a:schemeClr val="tx1"/>
+                  <a:schemeClr val="bg1"/>
                 </a:solidFill>
-                <a:latin typeface="Times New Roman" panose="02020603050405020304" pitchFamily="18" charset="0"/>
-                <a:cs typeface="Times New Roman" panose="02020603050405020304" pitchFamily="18" charset="0"/>
-              </a:rPr>
-              <a:t>WE HAVE GENEARTED DATA FOR DIFFERENT DEPARTMENTS IN THE UNIVERSITY AND ALSO MULTIPLE COURSES ARE ASSIGNED TO DEPARTMENTS.</a:t>
-            </a:r>
-          </a:p>
-          <a:p>
-            <a:pPr marL="342900" indent="-342900">
-              <a:buFont typeface="Arial" panose="020B0604020202020204" pitchFamily="34" charset="0"/>
-              <a:buChar char="•"/>
-            </a:pPr>
-            <a:r>
-              <a:rPr lang="en-IN" dirty="0" smtClean="0">
-                <a:solidFill>
-                  <a:schemeClr val="tx1"/>
-                </a:solidFill>
-                <a:latin typeface="Times New Roman" panose="02020603050405020304" pitchFamily="18" charset="0"/>
-                <a:cs typeface="Times New Roman" panose="02020603050405020304" pitchFamily="18" charset="0"/>
-              </a:rPr>
-              <a:t>DATA FOR STUDENTS, FACULTY AND EMPLOYER IS ALSO GENERATED.</a:t>
-            </a:r>
-            <a:endParaRPr lang="en-IN" dirty="0">
+                <a:prstDash val="solid"/>
+              </a:ln>
               <a:solidFill>
                 <a:schemeClr val="tx1"/>
               </a:solidFill>
-              <a:latin typeface="Times New Roman" panose="02020603050405020304" pitchFamily="18" charset="0"/>
-              <a:cs typeface="Times New Roman" panose="02020603050405020304" pitchFamily="18" charset="0"/>
+              <a:effectLst>
+                <a:outerShdw blurRad="12700" dist="38100" dir="2700000" algn="tl" rotWithShape="0">
+                  <a:schemeClr val="bg1">
+                    <a:lumMod val="50000"/>
+                  </a:schemeClr>
+                </a:outerShdw>
+              </a:effectLst>
             </a:endParaRPr>
+          </a:p>
+        </p:txBody>
+      </p:sp>
+      <p:sp>
+        <p:nvSpPr>
+          <p:cNvPr id="4" name="Rectangle 3"/>
+          <p:cNvSpPr/>
+          <p:nvPr/>
+        </p:nvSpPr>
+        <p:spPr>
+          <a:xfrm>
+            <a:off x="3530228" y="1415112"/>
+            <a:ext cx="1760561" cy="782640"/>
+          </a:xfrm>
+          <a:prstGeom prst="rect">
+            <a:avLst/>
+          </a:prstGeom>
+        </p:spPr>
+        <p:style>
+          <a:lnRef idx="2">
+            <a:schemeClr val="accent1">
+              <a:shade val="50000"/>
+            </a:schemeClr>
+          </a:lnRef>
+          <a:fillRef idx="1">
+            <a:schemeClr val="accent1"/>
+          </a:fillRef>
+          <a:effectRef idx="0">
+            <a:schemeClr val="accent1"/>
+          </a:effectRef>
+          <a:fontRef idx="minor">
+            <a:schemeClr val="lt1"/>
+          </a:fontRef>
+        </p:style>
+        <p:txBody>
+          <a:bodyPr rtlCol="0" anchor="ctr"/>
+          <a:lstStyle/>
+          <a:p>
+            <a:pPr algn="ctr"/>
+            <a:r>
+              <a:rPr lang="en-IN" dirty="0" smtClean="0"/>
+              <a:t>EMPLOYER</a:t>
+            </a:r>
+            <a:endParaRPr lang="en-IN" dirty="0"/>
+          </a:p>
+        </p:txBody>
+      </p:sp>
+      <p:sp>
+        <p:nvSpPr>
+          <p:cNvPr id="7" name="Rectangle 6"/>
+          <p:cNvSpPr/>
+          <p:nvPr/>
+        </p:nvSpPr>
+        <p:spPr>
+          <a:xfrm>
+            <a:off x="395785" y="1346410"/>
+            <a:ext cx="1760561" cy="782640"/>
+          </a:xfrm>
+          <a:prstGeom prst="rect">
+            <a:avLst/>
+          </a:prstGeom>
+        </p:spPr>
+        <p:style>
+          <a:lnRef idx="2">
+            <a:schemeClr val="accent1">
+              <a:shade val="50000"/>
+            </a:schemeClr>
+          </a:lnRef>
+          <a:fillRef idx="1">
+            <a:schemeClr val="accent1"/>
+          </a:fillRef>
+          <a:effectRef idx="0">
+            <a:schemeClr val="accent1"/>
+          </a:effectRef>
+          <a:fontRef idx="minor">
+            <a:schemeClr val="lt1"/>
+          </a:fontRef>
+        </p:style>
+        <p:txBody>
+          <a:bodyPr rtlCol="0" anchor="ctr"/>
+          <a:lstStyle/>
+          <a:p>
+            <a:pPr algn="ctr"/>
+            <a:r>
+              <a:rPr lang="en-IN" dirty="0" smtClean="0"/>
+              <a:t>EMPLOYER DIRECTORY</a:t>
+            </a:r>
+            <a:endParaRPr lang="en-IN" dirty="0"/>
+          </a:p>
+        </p:txBody>
+      </p:sp>
+      <p:cxnSp>
+        <p:nvCxnSpPr>
+          <p:cNvPr id="17" name="Straight Arrow Connector 16"/>
+          <p:cNvCxnSpPr>
+            <a:stCxn id="7" idx="3"/>
+          </p:cNvCxnSpPr>
+          <p:nvPr/>
+        </p:nvCxnSpPr>
+        <p:spPr>
+          <a:xfrm>
+            <a:off x="2156346" y="1737730"/>
+            <a:ext cx="1373882" cy="0"/>
+          </a:xfrm>
+          <a:prstGeom prst="straightConnector1">
+            <a:avLst/>
+          </a:prstGeom>
+          <a:ln>
+            <a:tailEnd type="triangle"/>
+          </a:ln>
+        </p:spPr>
+        <p:style>
+          <a:lnRef idx="1">
+            <a:schemeClr val="accent1"/>
+          </a:lnRef>
+          <a:fillRef idx="0">
+            <a:schemeClr val="accent1"/>
+          </a:fillRef>
+          <a:effectRef idx="0">
+            <a:schemeClr val="accent1"/>
+          </a:effectRef>
+          <a:fontRef idx="minor">
+            <a:schemeClr val="tx1"/>
+          </a:fontRef>
+        </p:style>
+      </p:cxnSp>
+      <p:sp>
+        <p:nvSpPr>
+          <p:cNvPr id="18" name="TextBox 17"/>
+          <p:cNvSpPr txBox="1"/>
+          <p:nvPr/>
+        </p:nvSpPr>
+        <p:spPr>
+          <a:xfrm>
+            <a:off x="2235962" y="1415112"/>
+            <a:ext cx="1214650" cy="253916"/>
+          </a:xfrm>
+          <a:prstGeom prst="rect">
+            <a:avLst/>
+          </a:prstGeom>
+          <a:noFill/>
+        </p:spPr>
+        <p:txBody>
+          <a:bodyPr wrap="square" rtlCol="0">
+            <a:spAutoFit/>
+          </a:bodyPr>
+          <a:lstStyle/>
+          <a:p>
+            <a:r>
+              <a:rPr lang="en-IN" sz="1050" dirty="0" err="1" smtClean="0"/>
+              <a:t>getEmployerList</a:t>
+            </a:r>
+            <a:r>
+              <a:rPr lang="en-IN" sz="1050" dirty="0" smtClean="0"/>
+              <a:t>()</a:t>
+            </a:r>
+            <a:endParaRPr lang="en-IN" sz="1050" dirty="0"/>
+          </a:p>
+        </p:txBody>
+      </p:sp>
+      <p:sp>
+        <p:nvSpPr>
+          <p:cNvPr id="29" name="Rectangle 28"/>
+          <p:cNvSpPr/>
+          <p:nvPr/>
+        </p:nvSpPr>
+        <p:spPr>
+          <a:xfrm>
+            <a:off x="3509755" y="2620832"/>
+            <a:ext cx="1760561" cy="782640"/>
+          </a:xfrm>
+          <a:prstGeom prst="rect">
+            <a:avLst/>
+          </a:prstGeom>
+        </p:spPr>
+        <p:style>
+          <a:lnRef idx="2">
+            <a:schemeClr val="accent1">
+              <a:shade val="50000"/>
+            </a:schemeClr>
+          </a:lnRef>
+          <a:fillRef idx="1">
+            <a:schemeClr val="accent1"/>
+          </a:fillRef>
+          <a:effectRef idx="0">
+            <a:schemeClr val="accent1"/>
+          </a:effectRef>
+          <a:fontRef idx="minor">
+            <a:schemeClr val="lt1"/>
+          </a:fontRef>
+        </p:style>
+        <p:txBody>
+          <a:bodyPr rtlCol="0" anchor="ctr"/>
+          <a:lstStyle/>
+          <a:p>
+            <a:pPr algn="ctr"/>
+            <a:r>
+              <a:rPr lang="en-IN" dirty="0" smtClean="0"/>
+              <a:t>COURSE</a:t>
+            </a:r>
+            <a:endParaRPr lang="en-IN" dirty="0"/>
+          </a:p>
+        </p:txBody>
+      </p:sp>
+      <p:cxnSp>
+        <p:nvCxnSpPr>
+          <p:cNvPr id="31" name="Straight Arrow Connector 30"/>
+          <p:cNvCxnSpPr>
+            <a:stCxn id="4" idx="3"/>
+          </p:cNvCxnSpPr>
+          <p:nvPr/>
+        </p:nvCxnSpPr>
+        <p:spPr>
+          <a:xfrm>
+            <a:off x="5290789" y="1806432"/>
+            <a:ext cx="2181359" cy="391320"/>
+          </a:xfrm>
+          <a:prstGeom prst="straightConnector1">
+            <a:avLst/>
+          </a:prstGeom>
+          <a:ln>
+            <a:tailEnd type="triangle"/>
+          </a:ln>
+        </p:spPr>
+        <p:style>
+          <a:lnRef idx="1">
+            <a:schemeClr val="accent1"/>
+          </a:lnRef>
+          <a:fillRef idx="0">
+            <a:schemeClr val="accent1"/>
+          </a:fillRef>
+          <a:effectRef idx="0">
+            <a:schemeClr val="accent1"/>
+          </a:effectRef>
+          <a:fontRef idx="minor">
+            <a:schemeClr val="tx1"/>
+          </a:fontRef>
+        </p:style>
+      </p:cxnSp>
+      <p:cxnSp>
+        <p:nvCxnSpPr>
+          <p:cNvPr id="33" name="Straight Arrow Connector 32"/>
+          <p:cNvCxnSpPr>
+            <a:stCxn id="29" idx="3"/>
+            <a:endCxn id="35" idx="1"/>
+          </p:cNvCxnSpPr>
+          <p:nvPr/>
+        </p:nvCxnSpPr>
+        <p:spPr>
+          <a:xfrm flipV="1">
+            <a:off x="5270316" y="2163401"/>
+            <a:ext cx="2222305" cy="848751"/>
+          </a:xfrm>
+          <a:prstGeom prst="straightConnector1">
+            <a:avLst/>
+          </a:prstGeom>
+          <a:ln>
+            <a:tailEnd type="triangle"/>
+          </a:ln>
+        </p:spPr>
+        <p:style>
+          <a:lnRef idx="1">
+            <a:schemeClr val="accent1"/>
+          </a:lnRef>
+          <a:fillRef idx="0">
+            <a:schemeClr val="accent1"/>
+          </a:fillRef>
+          <a:effectRef idx="0">
+            <a:schemeClr val="accent1"/>
+          </a:effectRef>
+          <a:fontRef idx="minor">
+            <a:schemeClr val="tx1"/>
+          </a:fontRef>
+        </p:style>
+      </p:cxnSp>
+      <p:sp>
+        <p:nvSpPr>
+          <p:cNvPr id="35" name="Flowchart: Decision 34"/>
+          <p:cNvSpPr/>
+          <p:nvPr/>
+        </p:nvSpPr>
+        <p:spPr>
+          <a:xfrm>
+            <a:off x="7492621" y="923330"/>
+            <a:ext cx="3425589" cy="2480142"/>
+          </a:xfrm>
+          <a:prstGeom prst="flowChartDecision">
+            <a:avLst/>
+          </a:prstGeom>
+        </p:spPr>
+        <p:style>
+          <a:lnRef idx="2">
+            <a:schemeClr val="accent1">
+              <a:shade val="50000"/>
+            </a:schemeClr>
+          </a:lnRef>
+          <a:fillRef idx="1">
+            <a:schemeClr val="accent1"/>
+          </a:fillRef>
+          <a:effectRef idx="0">
+            <a:schemeClr val="accent1"/>
+          </a:effectRef>
+          <a:fontRef idx="minor">
+            <a:schemeClr val="lt1"/>
+          </a:fontRef>
+        </p:style>
+        <p:txBody>
+          <a:bodyPr rtlCol="0" anchor="ctr"/>
+          <a:lstStyle/>
+          <a:p>
+            <a:pPr algn="ctr"/>
+            <a:r>
+              <a:rPr lang="en-IN" sz="1600" dirty="0" smtClean="0"/>
+              <a:t>If </a:t>
+            </a:r>
+            <a:r>
+              <a:rPr lang="en-IN" sz="1600" dirty="0" err="1" smtClean="0"/>
+              <a:t>CourseList</a:t>
+            </a:r>
+            <a:r>
+              <a:rPr lang="en-IN" sz="1600" dirty="0" smtClean="0"/>
+              <a:t> contains </a:t>
+            </a:r>
+            <a:r>
+              <a:rPr lang="en-IN" sz="1600" dirty="0" err="1" smtClean="0"/>
+              <a:t>DemandCOURSES</a:t>
+            </a:r>
+            <a:endParaRPr lang="en-IN" sz="1600" dirty="0"/>
+          </a:p>
+        </p:txBody>
+      </p:sp>
+      <p:sp>
+        <p:nvSpPr>
+          <p:cNvPr id="39" name="TextBox 38"/>
+          <p:cNvSpPr txBox="1"/>
+          <p:nvPr/>
+        </p:nvSpPr>
+        <p:spPr>
+          <a:xfrm>
+            <a:off x="5454574" y="1579012"/>
+            <a:ext cx="1724147" cy="253916"/>
+          </a:xfrm>
+          <a:prstGeom prst="rect">
+            <a:avLst/>
+          </a:prstGeom>
+          <a:noFill/>
+        </p:spPr>
+        <p:txBody>
+          <a:bodyPr wrap="square" rtlCol="0">
+            <a:spAutoFit/>
+          </a:bodyPr>
+          <a:lstStyle/>
+          <a:p>
+            <a:r>
+              <a:rPr lang="en-IN" sz="1050" dirty="0" err="1" smtClean="0"/>
+              <a:t>getinDemandCourses</a:t>
+            </a:r>
+            <a:r>
+              <a:rPr lang="en-IN" sz="1050" dirty="0" smtClean="0"/>
+              <a:t>()</a:t>
+            </a:r>
+            <a:endParaRPr lang="en-IN" sz="1050" dirty="0"/>
+          </a:p>
+        </p:txBody>
+      </p:sp>
+      <p:sp>
+        <p:nvSpPr>
+          <p:cNvPr id="40" name="TextBox 39"/>
+          <p:cNvSpPr txBox="1"/>
+          <p:nvPr/>
+        </p:nvSpPr>
+        <p:spPr>
+          <a:xfrm>
+            <a:off x="5709322" y="2790459"/>
+            <a:ext cx="1214650" cy="253916"/>
+          </a:xfrm>
+          <a:prstGeom prst="rect">
+            <a:avLst/>
+          </a:prstGeom>
+          <a:noFill/>
+        </p:spPr>
+        <p:txBody>
+          <a:bodyPr wrap="square" rtlCol="0">
+            <a:spAutoFit/>
+          </a:bodyPr>
+          <a:lstStyle/>
+          <a:p>
+            <a:r>
+              <a:rPr lang="en-IN" sz="1050" dirty="0" err="1" smtClean="0"/>
+              <a:t>getCourseList</a:t>
+            </a:r>
+            <a:r>
+              <a:rPr lang="en-IN" sz="1050" dirty="0" smtClean="0"/>
+              <a:t>()</a:t>
+            </a:r>
+            <a:endParaRPr lang="en-IN" sz="1050" dirty="0"/>
+          </a:p>
+        </p:txBody>
+      </p:sp>
+      <p:cxnSp>
+        <p:nvCxnSpPr>
+          <p:cNvPr id="51" name="Straight Arrow Connector 50"/>
+          <p:cNvCxnSpPr>
+            <a:stCxn id="35" idx="3"/>
+          </p:cNvCxnSpPr>
+          <p:nvPr/>
+        </p:nvCxnSpPr>
+        <p:spPr>
+          <a:xfrm>
+            <a:off x="10918210" y="2163401"/>
+            <a:ext cx="47771" cy="2812976"/>
+          </a:xfrm>
+          <a:prstGeom prst="straightConnector1">
+            <a:avLst/>
+          </a:prstGeom>
+          <a:ln>
+            <a:tailEnd type="triangle"/>
+          </a:ln>
+        </p:spPr>
+        <p:style>
+          <a:lnRef idx="1">
+            <a:schemeClr val="accent1"/>
+          </a:lnRef>
+          <a:fillRef idx="0">
+            <a:schemeClr val="accent1"/>
+          </a:fillRef>
+          <a:effectRef idx="0">
+            <a:schemeClr val="accent1"/>
+          </a:effectRef>
+          <a:fontRef idx="minor">
+            <a:schemeClr val="tx1"/>
+          </a:fontRef>
+        </p:style>
+      </p:cxnSp>
+      <p:cxnSp>
+        <p:nvCxnSpPr>
+          <p:cNvPr id="57" name="Straight Connector 56"/>
+          <p:cNvCxnSpPr>
+            <a:stCxn id="35" idx="2"/>
+          </p:cNvCxnSpPr>
+          <p:nvPr/>
+        </p:nvCxnSpPr>
+        <p:spPr>
+          <a:xfrm>
+            <a:off x="9205416" y="3403472"/>
+            <a:ext cx="51178" cy="918634"/>
+          </a:xfrm>
+          <a:prstGeom prst="line">
+            <a:avLst/>
+          </a:prstGeom>
+        </p:spPr>
+        <p:style>
+          <a:lnRef idx="1">
+            <a:schemeClr val="accent1"/>
+          </a:lnRef>
+          <a:fillRef idx="0">
+            <a:schemeClr val="accent1"/>
+          </a:fillRef>
+          <a:effectRef idx="0">
+            <a:schemeClr val="accent1"/>
+          </a:effectRef>
+          <a:fontRef idx="minor">
+            <a:schemeClr val="tx1"/>
+          </a:fontRef>
+        </p:style>
+      </p:cxnSp>
+      <p:cxnSp>
+        <p:nvCxnSpPr>
+          <p:cNvPr id="59" name="Straight Arrow Connector 58"/>
+          <p:cNvCxnSpPr/>
+          <p:nvPr/>
+        </p:nvCxnSpPr>
+        <p:spPr>
+          <a:xfrm>
+            <a:off x="9312325" y="5240740"/>
+            <a:ext cx="800666" cy="0"/>
+          </a:xfrm>
+          <a:prstGeom prst="straightConnector1">
+            <a:avLst/>
+          </a:prstGeom>
+          <a:ln>
+            <a:tailEnd type="triangle"/>
+          </a:ln>
+        </p:spPr>
+        <p:style>
+          <a:lnRef idx="1">
+            <a:schemeClr val="accent1"/>
+          </a:lnRef>
+          <a:fillRef idx="0">
+            <a:schemeClr val="accent1"/>
+          </a:fillRef>
+          <a:effectRef idx="0">
+            <a:schemeClr val="accent1"/>
+          </a:effectRef>
+          <a:fontRef idx="minor">
+            <a:schemeClr val="tx1"/>
+          </a:fontRef>
+        </p:style>
+      </p:cxnSp>
+      <p:sp>
+        <p:nvSpPr>
+          <p:cNvPr id="62" name="TextBox 61"/>
+          <p:cNvSpPr txBox="1"/>
+          <p:nvPr/>
+        </p:nvSpPr>
+        <p:spPr>
+          <a:xfrm>
+            <a:off x="8827440" y="3442931"/>
+            <a:ext cx="453770" cy="253916"/>
+          </a:xfrm>
+          <a:prstGeom prst="rect">
+            <a:avLst/>
+          </a:prstGeom>
+          <a:noFill/>
+        </p:spPr>
+        <p:txBody>
+          <a:bodyPr wrap="square" rtlCol="0">
+            <a:spAutoFit/>
+          </a:bodyPr>
+          <a:lstStyle/>
+          <a:p>
+            <a:r>
+              <a:rPr lang="en-IN" sz="1050" dirty="0" smtClean="0"/>
+              <a:t>YES</a:t>
+            </a:r>
+            <a:endParaRPr lang="en-IN" sz="1050" dirty="0"/>
+          </a:p>
+        </p:txBody>
+      </p:sp>
+      <p:sp>
+        <p:nvSpPr>
+          <p:cNvPr id="64" name="TextBox 63"/>
+          <p:cNvSpPr txBox="1"/>
+          <p:nvPr/>
+        </p:nvSpPr>
+        <p:spPr>
+          <a:xfrm>
+            <a:off x="10977358" y="2250235"/>
+            <a:ext cx="453770" cy="253916"/>
+          </a:xfrm>
+          <a:prstGeom prst="rect">
+            <a:avLst/>
+          </a:prstGeom>
+          <a:noFill/>
+        </p:spPr>
+        <p:txBody>
+          <a:bodyPr wrap="square" rtlCol="0">
+            <a:spAutoFit/>
+          </a:bodyPr>
+          <a:lstStyle/>
+          <a:p>
+            <a:r>
+              <a:rPr lang="en-IN" sz="1050" dirty="0" smtClean="0"/>
+              <a:t>NO</a:t>
+            </a:r>
+            <a:endParaRPr lang="en-IN" sz="1050" dirty="0"/>
+          </a:p>
+        </p:txBody>
+      </p:sp>
+      <p:sp>
+        <p:nvSpPr>
+          <p:cNvPr id="66" name="Rectangle 65"/>
+          <p:cNvSpPr/>
+          <p:nvPr/>
+        </p:nvSpPr>
+        <p:spPr>
+          <a:xfrm>
+            <a:off x="10112991" y="5010138"/>
+            <a:ext cx="1160060" cy="461204"/>
+          </a:xfrm>
+          <a:prstGeom prst="rect">
+            <a:avLst/>
+          </a:prstGeom>
+        </p:spPr>
+        <p:style>
+          <a:lnRef idx="2">
+            <a:schemeClr val="accent1">
+              <a:shade val="50000"/>
+            </a:schemeClr>
+          </a:lnRef>
+          <a:fillRef idx="1">
+            <a:schemeClr val="accent1"/>
+          </a:fillRef>
+          <a:effectRef idx="0">
+            <a:schemeClr val="accent1"/>
+          </a:effectRef>
+          <a:fontRef idx="minor">
+            <a:schemeClr val="lt1"/>
+          </a:fontRef>
+        </p:style>
+        <p:txBody>
+          <a:bodyPr rtlCol="0" anchor="ctr"/>
+          <a:lstStyle/>
+          <a:p>
+            <a:pPr algn="ctr"/>
+            <a:r>
+              <a:rPr lang="en-IN" dirty="0" smtClean="0"/>
+              <a:t>  END </a:t>
+            </a:r>
+          </a:p>
+        </p:txBody>
+      </p:sp>
+      <p:sp>
+        <p:nvSpPr>
+          <p:cNvPr id="71" name="Rectangle 70"/>
+          <p:cNvSpPr/>
+          <p:nvPr/>
+        </p:nvSpPr>
+        <p:spPr>
+          <a:xfrm>
+            <a:off x="8858555" y="4322106"/>
+            <a:ext cx="845311" cy="654271"/>
+          </a:xfrm>
+          <a:prstGeom prst="rect">
+            <a:avLst/>
+          </a:prstGeom>
+        </p:spPr>
+        <p:style>
+          <a:lnRef idx="2">
+            <a:schemeClr val="accent1">
+              <a:shade val="50000"/>
+            </a:schemeClr>
+          </a:lnRef>
+          <a:fillRef idx="1">
+            <a:schemeClr val="accent1"/>
+          </a:fillRef>
+          <a:effectRef idx="0">
+            <a:schemeClr val="accent1"/>
+          </a:effectRef>
+          <a:fontRef idx="minor">
+            <a:schemeClr val="lt1"/>
+          </a:fontRef>
+        </p:style>
+        <p:txBody>
+          <a:bodyPr rtlCol="0" anchor="ctr"/>
+          <a:lstStyle/>
+          <a:p>
+            <a:pPr algn="ctr"/>
+            <a:r>
+              <a:rPr lang="en-IN" dirty="0" smtClean="0"/>
+              <a:t>GIVE RATE</a:t>
+            </a:r>
+          </a:p>
+        </p:txBody>
+      </p:sp>
+      <p:cxnSp>
+        <p:nvCxnSpPr>
+          <p:cNvPr id="73" name="Straight Connector 72"/>
+          <p:cNvCxnSpPr>
+            <a:stCxn id="71" idx="2"/>
+          </p:cNvCxnSpPr>
+          <p:nvPr/>
+        </p:nvCxnSpPr>
+        <p:spPr>
+          <a:xfrm>
+            <a:off x="9281211" y="4976377"/>
+            <a:ext cx="31114" cy="264363"/>
+          </a:xfrm>
+          <a:prstGeom prst="line">
+            <a:avLst/>
+          </a:prstGeom>
+        </p:spPr>
+        <p:style>
+          <a:lnRef idx="1">
+            <a:schemeClr val="accent1"/>
+          </a:lnRef>
+          <a:fillRef idx="0">
+            <a:schemeClr val="accent1"/>
+          </a:fillRef>
+          <a:effectRef idx="0">
+            <a:schemeClr val="accent1"/>
+          </a:effectRef>
+          <a:fontRef idx="minor">
+            <a:schemeClr val="tx1"/>
+          </a:fontRef>
+        </p:style>
+      </p:cxnSp>
+      <p:sp>
+        <p:nvSpPr>
+          <p:cNvPr id="76" name="TextBox 75"/>
+          <p:cNvSpPr txBox="1"/>
+          <p:nvPr/>
+        </p:nvSpPr>
+        <p:spPr>
+          <a:xfrm>
+            <a:off x="8097675" y="3897024"/>
+            <a:ext cx="1214650" cy="253916"/>
+          </a:xfrm>
+          <a:prstGeom prst="rect">
+            <a:avLst/>
+          </a:prstGeom>
+          <a:noFill/>
+        </p:spPr>
+        <p:txBody>
+          <a:bodyPr wrap="square" rtlCol="0">
+            <a:spAutoFit/>
+          </a:bodyPr>
+          <a:lstStyle/>
+          <a:p>
+            <a:r>
+              <a:rPr lang="en-IN" sz="1050" dirty="0" err="1" smtClean="0"/>
+              <a:t>setCourseRating</a:t>
+            </a:r>
+            <a:r>
+              <a:rPr lang="en-IN" sz="1050" dirty="0" smtClean="0"/>
+              <a:t>()</a:t>
+            </a:r>
+            <a:endParaRPr lang="en-IN" sz="1050" dirty="0"/>
           </a:p>
         </p:txBody>
       </p:sp>
     </p:spTree>
     <p:extLst>
       <p:ext uri="{BB962C8B-B14F-4D97-AF65-F5344CB8AC3E}">
-        <p14:creationId xmlns:p14="http://schemas.microsoft.com/office/powerpoint/2010/main" val="1182118139"/>
+        <p14:creationId xmlns:p14="http://schemas.microsoft.com/office/powerpoint/2010/main" val="3030500449"/>
       </p:ext>
     </p:extLst>
   </p:cSld>
@@ -7472,6 +7136,1253 @@
     <p:extLst>
       <p:ext uri="{BB962C8B-B14F-4D97-AF65-F5344CB8AC3E}">
         <p14:creationId xmlns:p14="http://schemas.microsoft.com/office/powerpoint/2010/main" val="1490702302"/>
+      </p:ext>
+    </p:extLst>
+  </p:cSld>
+  <p:clrMapOvr>
+    <a:masterClrMapping/>
+  </p:clrMapOvr>
+</p:sld>
+</file>
+
+<file path=ppt/slides/slide20.xml><?xml version="1.0" encoding="utf-8"?>
+<p:sld xmlns:a="http://schemas.openxmlformats.org/drawingml/2006/main" xmlns:r="http://schemas.openxmlformats.org/officeDocument/2006/relationships" xmlns:p="http://schemas.openxmlformats.org/presentationml/2006/main">
+  <p:cSld>
+    <p:spTree>
+      <p:nvGrpSpPr>
+        <p:cNvPr id="1" name=""/>
+        <p:cNvGrpSpPr/>
+        <p:nvPr/>
+      </p:nvGrpSpPr>
+      <p:grpSpPr>
+        <a:xfrm>
+          <a:off x="0" y="0"/>
+          <a:ext cx="0" cy="0"/>
+          <a:chOff x="0" y="0"/>
+          <a:chExt cx="0" cy="0"/>
+        </a:xfrm>
+      </p:grpSpPr>
+      <p:sp>
+        <p:nvSpPr>
+          <p:cNvPr id="2" name="Rectangle 1"/>
+          <p:cNvSpPr/>
+          <p:nvPr/>
+        </p:nvSpPr>
+        <p:spPr>
+          <a:xfrm>
+            <a:off x="0" y="-103411"/>
+            <a:ext cx="11022120" cy="923330"/>
+          </a:xfrm>
+          <a:prstGeom prst="rect">
+            <a:avLst/>
+          </a:prstGeom>
+          <a:noFill/>
+        </p:spPr>
+        <p:txBody>
+          <a:bodyPr wrap="none" lIns="91440" tIns="45720" rIns="91440" bIns="45720">
+            <a:spAutoFit/>
+          </a:bodyPr>
+          <a:lstStyle/>
+          <a:p>
+            <a:pPr algn="ctr"/>
+            <a:r>
+              <a:rPr lang="en-US" sz="5400" b="1" dirty="0" smtClean="0">
+                <a:ln w="9525">
+                  <a:solidFill>
+                    <a:schemeClr val="bg1"/>
+                  </a:solidFill>
+                  <a:prstDash val="solid"/>
+                </a:ln>
+                <a:effectLst>
+                  <a:outerShdw blurRad="12700" dist="38100" dir="2700000" algn="tl" rotWithShape="0">
+                    <a:schemeClr val="bg1">
+                      <a:lumMod val="50000"/>
+                    </a:schemeClr>
+                  </a:outerShdw>
+                </a:effectLst>
+              </a:rPr>
+              <a:t>CUMULATIVE DEPARTMENT RANKING</a:t>
+            </a:r>
+            <a:endParaRPr lang="en-US" sz="5400" b="1" cap="none" spc="0" dirty="0">
+              <a:ln w="9525">
+                <a:solidFill>
+                  <a:schemeClr val="bg1"/>
+                </a:solidFill>
+                <a:prstDash val="solid"/>
+              </a:ln>
+              <a:solidFill>
+                <a:schemeClr val="tx1"/>
+              </a:solidFill>
+              <a:effectLst>
+                <a:outerShdw blurRad="12700" dist="38100" dir="2700000" algn="tl" rotWithShape="0">
+                  <a:schemeClr val="bg1">
+                    <a:lumMod val="50000"/>
+                  </a:schemeClr>
+                </a:outerShdw>
+              </a:effectLst>
+            </a:endParaRPr>
+          </a:p>
+        </p:txBody>
+      </p:sp>
+      <p:sp>
+        <p:nvSpPr>
+          <p:cNvPr id="3" name="Rectangle 2"/>
+          <p:cNvSpPr/>
+          <p:nvPr/>
+        </p:nvSpPr>
+        <p:spPr>
+          <a:xfrm>
+            <a:off x="285343" y="1434905"/>
+            <a:ext cx="1774209" cy="668740"/>
+          </a:xfrm>
+          <a:prstGeom prst="rect">
+            <a:avLst/>
+          </a:prstGeom>
+        </p:spPr>
+        <p:style>
+          <a:lnRef idx="2">
+            <a:schemeClr val="accent1">
+              <a:shade val="50000"/>
+            </a:schemeClr>
+          </a:lnRef>
+          <a:fillRef idx="1">
+            <a:schemeClr val="accent1"/>
+          </a:fillRef>
+          <a:effectRef idx="0">
+            <a:schemeClr val="accent1"/>
+          </a:effectRef>
+          <a:fontRef idx="minor">
+            <a:schemeClr val="lt1"/>
+          </a:fontRef>
+        </p:style>
+        <p:txBody>
+          <a:bodyPr rtlCol="0" anchor="ctr"/>
+          <a:lstStyle/>
+          <a:p>
+            <a:pPr algn="ctr"/>
+            <a:r>
+              <a:rPr lang="en-IN" dirty="0" smtClean="0"/>
+              <a:t>DEPARTMENT</a:t>
+            </a:r>
+            <a:endParaRPr lang="en-IN" dirty="0"/>
+          </a:p>
+        </p:txBody>
+      </p:sp>
+      <p:sp>
+        <p:nvSpPr>
+          <p:cNvPr id="4" name="Rectangle 3"/>
+          <p:cNvSpPr/>
+          <p:nvPr/>
+        </p:nvSpPr>
+        <p:spPr>
+          <a:xfrm>
+            <a:off x="2841009" y="1434905"/>
+            <a:ext cx="1774209" cy="668740"/>
+          </a:xfrm>
+          <a:prstGeom prst="rect">
+            <a:avLst/>
+          </a:prstGeom>
+        </p:spPr>
+        <p:style>
+          <a:lnRef idx="2">
+            <a:schemeClr val="accent1">
+              <a:shade val="50000"/>
+            </a:schemeClr>
+          </a:lnRef>
+          <a:fillRef idx="1">
+            <a:schemeClr val="accent1"/>
+          </a:fillRef>
+          <a:effectRef idx="0">
+            <a:schemeClr val="accent1"/>
+          </a:effectRef>
+          <a:fontRef idx="minor">
+            <a:schemeClr val="lt1"/>
+          </a:fontRef>
+        </p:style>
+        <p:txBody>
+          <a:bodyPr rtlCol="0" anchor="ctr"/>
+          <a:lstStyle/>
+          <a:p>
+            <a:pPr algn="ctr"/>
+            <a:r>
+              <a:rPr lang="en-IN" dirty="0" smtClean="0"/>
+              <a:t>COURSE CATALOG</a:t>
+            </a:r>
+            <a:endParaRPr lang="en-IN" dirty="0"/>
+          </a:p>
+        </p:txBody>
+      </p:sp>
+      <p:cxnSp>
+        <p:nvCxnSpPr>
+          <p:cNvPr id="6" name="Straight Arrow Connector 5"/>
+          <p:cNvCxnSpPr/>
+          <p:nvPr/>
+        </p:nvCxnSpPr>
+        <p:spPr>
+          <a:xfrm>
+            <a:off x="4615218" y="1705970"/>
+            <a:ext cx="1444388" cy="0"/>
+          </a:xfrm>
+          <a:prstGeom prst="straightConnector1">
+            <a:avLst/>
+          </a:prstGeom>
+          <a:ln>
+            <a:tailEnd type="triangle"/>
+          </a:ln>
+        </p:spPr>
+        <p:style>
+          <a:lnRef idx="1">
+            <a:schemeClr val="accent1"/>
+          </a:lnRef>
+          <a:fillRef idx="0">
+            <a:schemeClr val="accent1"/>
+          </a:fillRef>
+          <a:effectRef idx="0">
+            <a:schemeClr val="accent1"/>
+          </a:effectRef>
+          <a:fontRef idx="minor">
+            <a:schemeClr val="tx1"/>
+          </a:fontRef>
+        </p:style>
+      </p:cxnSp>
+      <p:sp>
+        <p:nvSpPr>
+          <p:cNvPr id="7" name="TextBox 6"/>
+          <p:cNvSpPr txBox="1"/>
+          <p:nvPr/>
+        </p:nvSpPr>
+        <p:spPr>
+          <a:xfrm>
+            <a:off x="4772427" y="1339621"/>
+            <a:ext cx="1005403" cy="253916"/>
+          </a:xfrm>
+          <a:prstGeom prst="rect">
+            <a:avLst/>
+          </a:prstGeom>
+          <a:noFill/>
+        </p:spPr>
+        <p:txBody>
+          <a:bodyPr wrap="none" rtlCol="0">
+            <a:spAutoFit/>
+          </a:bodyPr>
+          <a:lstStyle/>
+          <a:p>
+            <a:r>
+              <a:rPr lang="en-IN" sz="1050" dirty="0" err="1" smtClean="0"/>
+              <a:t>getCourseList</a:t>
+            </a:r>
+            <a:r>
+              <a:rPr lang="en-IN" sz="1050" dirty="0" smtClean="0"/>
+              <a:t>()</a:t>
+            </a:r>
+            <a:endParaRPr lang="en-IN" sz="1050" dirty="0"/>
+          </a:p>
+        </p:txBody>
+      </p:sp>
+      <p:sp>
+        <p:nvSpPr>
+          <p:cNvPr id="10" name="Oval 9"/>
+          <p:cNvSpPr/>
+          <p:nvPr/>
+        </p:nvSpPr>
+        <p:spPr>
+          <a:xfrm>
+            <a:off x="5935039" y="1206045"/>
+            <a:ext cx="2555666" cy="1868691"/>
+          </a:xfrm>
+          <a:prstGeom prst="ellipse">
+            <a:avLst/>
+          </a:prstGeom>
+        </p:spPr>
+        <p:style>
+          <a:lnRef idx="2">
+            <a:schemeClr val="accent1">
+              <a:shade val="50000"/>
+            </a:schemeClr>
+          </a:lnRef>
+          <a:fillRef idx="1">
+            <a:schemeClr val="accent1"/>
+          </a:fillRef>
+          <a:effectRef idx="0">
+            <a:schemeClr val="accent1"/>
+          </a:effectRef>
+          <a:fontRef idx="minor">
+            <a:schemeClr val="lt1"/>
+          </a:fontRef>
+        </p:style>
+        <p:txBody>
+          <a:bodyPr rtlCol="0" anchor="ctr"/>
+          <a:lstStyle/>
+          <a:p>
+            <a:pPr algn="ctr"/>
+            <a:r>
+              <a:rPr lang="en-IN" sz="1600" dirty="0" smtClean="0"/>
+              <a:t>CALCULATE </a:t>
+            </a:r>
+            <a:r>
+              <a:rPr lang="en-IN" sz="1600" dirty="0" smtClean="0"/>
+              <a:t>COURSERANKING </a:t>
+            </a:r>
+            <a:r>
+              <a:rPr lang="en-IN" sz="1600" dirty="0" smtClean="0"/>
+              <a:t>SUM</a:t>
+            </a:r>
+            <a:endParaRPr lang="en-IN" sz="1600" dirty="0"/>
+          </a:p>
+        </p:txBody>
+      </p:sp>
+      <p:cxnSp>
+        <p:nvCxnSpPr>
+          <p:cNvPr id="12" name="Straight Arrow Connector 11"/>
+          <p:cNvCxnSpPr>
+            <a:stCxn id="3" idx="3"/>
+            <a:endCxn id="4" idx="1"/>
+          </p:cNvCxnSpPr>
+          <p:nvPr/>
+        </p:nvCxnSpPr>
+        <p:spPr>
+          <a:xfrm>
+            <a:off x="2059552" y="1769275"/>
+            <a:ext cx="781457" cy="0"/>
+          </a:xfrm>
+          <a:prstGeom prst="straightConnector1">
+            <a:avLst/>
+          </a:prstGeom>
+          <a:ln>
+            <a:tailEnd type="triangle"/>
+          </a:ln>
+        </p:spPr>
+        <p:style>
+          <a:lnRef idx="1">
+            <a:schemeClr val="accent1"/>
+          </a:lnRef>
+          <a:fillRef idx="0">
+            <a:schemeClr val="accent1"/>
+          </a:fillRef>
+          <a:effectRef idx="0">
+            <a:schemeClr val="accent1"/>
+          </a:effectRef>
+          <a:fontRef idx="minor">
+            <a:schemeClr val="tx1"/>
+          </a:fontRef>
+        </p:style>
+      </p:cxnSp>
+      <p:cxnSp>
+        <p:nvCxnSpPr>
+          <p:cNvPr id="14" name="Straight Arrow Connector 13"/>
+          <p:cNvCxnSpPr/>
+          <p:nvPr/>
+        </p:nvCxnSpPr>
+        <p:spPr>
+          <a:xfrm>
+            <a:off x="7095311" y="3074736"/>
+            <a:ext cx="6824" cy="1214650"/>
+          </a:xfrm>
+          <a:prstGeom prst="straightConnector1">
+            <a:avLst/>
+          </a:prstGeom>
+          <a:ln>
+            <a:tailEnd type="triangle"/>
+          </a:ln>
+        </p:spPr>
+        <p:style>
+          <a:lnRef idx="1">
+            <a:schemeClr val="accent1"/>
+          </a:lnRef>
+          <a:fillRef idx="0">
+            <a:schemeClr val="accent1"/>
+          </a:fillRef>
+          <a:effectRef idx="0">
+            <a:schemeClr val="accent1"/>
+          </a:effectRef>
+          <a:fontRef idx="minor">
+            <a:schemeClr val="tx1"/>
+          </a:fontRef>
+        </p:style>
+      </p:cxnSp>
+      <p:sp>
+        <p:nvSpPr>
+          <p:cNvPr id="16" name="Oval 15"/>
+          <p:cNvSpPr/>
+          <p:nvPr/>
+        </p:nvSpPr>
+        <p:spPr>
+          <a:xfrm>
+            <a:off x="6059606" y="4289386"/>
+            <a:ext cx="2279176" cy="1868691"/>
+          </a:xfrm>
+          <a:prstGeom prst="ellipse">
+            <a:avLst/>
+          </a:prstGeom>
+        </p:spPr>
+        <p:style>
+          <a:lnRef idx="2">
+            <a:schemeClr val="accent1">
+              <a:shade val="50000"/>
+            </a:schemeClr>
+          </a:lnRef>
+          <a:fillRef idx="1">
+            <a:schemeClr val="accent1"/>
+          </a:fillRef>
+          <a:effectRef idx="0">
+            <a:schemeClr val="accent1"/>
+          </a:effectRef>
+          <a:fontRef idx="minor">
+            <a:schemeClr val="lt1"/>
+          </a:fontRef>
+        </p:style>
+        <p:txBody>
+          <a:bodyPr rtlCol="0" anchor="ctr"/>
+          <a:lstStyle/>
+          <a:p>
+            <a:pPr algn="ctr"/>
+            <a:r>
+              <a:rPr lang="en-IN" sz="1600" dirty="0" smtClean="0"/>
+              <a:t>CALCULATE CUMULATIVE RANKING</a:t>
+            </a:r>
+            <a:endParaRPr lang="en-IN" sz="1600" dirty="0"/>
+          </a:p>
+        </p:txBody>
+      </p:sp>
+    </p:spTree>
+    <p:extLst>
+      <p:ext uri="{BB962C8B-B14F-4D97-AF65-F5344CB8AC3E}">
+        <p14:creationId xmlns:p14="http://schemas.microsoft.com/office/powerpoint/2010/main" val="2453127376"/>
+      </p:ext>
+    </p:extLst>
+  </p:cSld>
+  <p:clrMapOvr>
+    <a:masterClrMapping/>
+  </p:clrMapOvr>
+</p:sld>
+</file>
+
+<file path=ppt/slides/slide21.xml><?xml version="1.0" encoding="utf-8"?>
+<p:sld xmlns:a="http://schemas.openxmlformats.org/drawingml/2006/main" xmlns:r="http://schemas.openxmlformats.org/officeDocument/2006/relationships" xmlns:p="http://schemas.openxmlformats.org/presentationml/2006/main">
+  <p:cSld>
+    <p:spTree>
+      <p:nvGrpSpPr>
+        <p:cNvPr id="1" name=""/>
+        <p:cNvGrpSpPr/>
+        <p:nvPr/>
+      </p:nvGrpSpPr>
+      <p:grpSpPr>
+        <a:xfrm>
+          <a:off x="0" y="0"/>
+          <a:ext cx="0" cy="0"/>
+          <a:chOff x="0" y="0"/>
+          <a:chExt cx="0" cy="0"/>
+        </a:xfrm>
+      </p:grpSpPr>
+      <p:sp>
+        <p:nvSpPr>
+          <p:cNvPr id="2" name="Rectangle 1"/>
+          <p:cNvSpPr/>
+          <p:nvPr/>
+        </p:nvSpPr>
+        <p:spPr>
+          <a:xfrm>
+            <a:off x="0" y="0"/>
+            <a:ext cx="6665479" cy="923330"/>
+          </a:xfrm>
+          <a:prstGeom prst="rect">
+            <a:avLst/>
+          </a:prstGeom>
+          <a:noFill/>
+        </p:spPr>
+        <p:txBody>
+          <a:bodyPr wrap="none" lIns="91440" tIns="45720" rIns="91440" bIns="45720">
+            <a:spAutoFit/>
+          </a:bodyPr>
+          <a:lstStyle/>
+          <a:p>
+            <a:pPr algn="ctr"/>
+            <a:r>
+              <a:rPr lang="en-US" sz="5400" b="1" cap="none" spc="0" dirty="0" smtClean="0">
+                <a:ln w="9525">
+                  <a:solidFill>
+                    <a:schemeClr val="bg1"/>
+                  </a:solidFill>
+                  <a:prstDash val="solid"/>
+                </a:ln>
+                <a:solidFill>
+                  <a:schemeClr val="tx1"/>
+                </a:solidFill>
+                <a:effectLst>
+                  <a:outerShdw blurRad="12700" dist="38100" dir="2700000" algn="tl" rotWithShape="0">
+                    <a:schemeClr val="bg1">
+                      <a:lumMod val="50000"/>
+                    </a:schemeClr>
+                  </a:outerShdw>
+                </a:effectLst>
+              </a:rPr>
+              <a:t>EMPLOYMENT RATING</a:t>
+            </a:r>
+            <a:endParaRPr lang="en-US" sz="5400" b="1" cap="none" spc="0" dirty="0">
+              <a:ln w="9525">
+                <a:solidFill>
+                  <a:schemeClr val="bg1"/>
+                </a:solidFill>
+                <a:prstDash val="solid"/>
+              </a:ln>
+              <a:solidFill>
+                <a:schemeClr val="tx1"/>
+              </a:solidFill>
+              <a:effectLst>
+                <a:outerShdw blurRad="12700" dist="38100" dir="2700000" algn="tl" rotWithShape="0">
+                  <a:schemeClr val="bg1">
+                    <a:lumMod val="50000"/>
+                  </a:schemeClr>
+                </a:outerShdw>
+              </a:effectLst>
+            </a:endParaRPr>
+          </a:p>
+        </p:txBody>
+      </p:sp>
+      <p:sp>
+        <p:nvSpPr>
+          <p:cNvPr id="3" name="Rectangle 2"/>
+          <p:cNvSpPr/>
+          <p:nvPr/>
+        </p:nvSpPr>
+        <p:spPr>
+          <a:xfrm>
+            <a:off x="163772" y="1845859"/>
+            <a:ext cx="2047164" cy="859809"/>
+          </a:xfrm>
+          <a:prstGeom prst="rect">
+            <a:avLst/>
+          </a:prstGeom>
+        </p:spPr>
+        <p:style>
+          <a:lnRef idx="2">
+            <a:schemeClr val="accent1">
+              <a:shade val="50000"/>
+            </a:schemeClr>
+          </a:lnRef>
+          <a:fillRef idx="1">
+            <a:schemeClr val="accent1"/>
+          </a:fillRef>
+          <a:effectRef idx="0">
+            <a:schemeClr val="accent1"/>
+          </a:effectRef>
+          <a:fontRef idx="minor">
+            <a:schemeClr val="lt1"/>
+          </a:fontRef>
+        </p:style>
+        <p:txBody>
+          <a:bodyPr rtlCol="0" anchor="ctr"/>
+          <a:lstStyle/>
+          <a:p>
+            <a:pPr algn="ctr"/>
+            <a:r>
+              <a:rPr lang="en-IN" dirty="0" smtClean="0"/>
+              <a:t>ALUMNI</a:t>
+            </a:r>
+            <a:endParaRPr lang="en-IN" dirty="0"/>
+          </a:p>
+        </p:txBody>
+      </p:sp>
+      <p:cxnSp>
+        <p:nvCxnSpPr>
+          <p:cNvPr id="5" name="Straight Arrow Connector 4"/>
+          <p:cNvCxnSpPr>
+            <a:stCxn id="3" idx="3"/>
+          </p:cNvCxnSpPr>
+          <p:nvPr/>
+        </p:nvCxnSpPr>
+        <p:spPr>
+          <a:xfrm flipV="1">
+            <a:off x="2210936" y="2258884"/>
+            <a:ext cx="1488174" cy="16880"/>
+          </a:xfrm>
+          <a:prstGeom prst="straightConnector1">
+            <a:avLst/>
+          </a:prstGeom>
+          <a:ln>
+            <a:tailEnd type="triangle"/>
+          </a:ln>
+        </p:spPr>
+        <p:style>
+          <a:lnRef idx="1">
+            <a:schemeClr val="accent1"/>
+          </a:lnRef>
+          <a:fillRef idx="0">
+            <a:schemeClr val="accent1"/>
+          </a:fillRef>
+          <a:effectRef idx="0">
+            <a:schemeClr val="accent1"/>
+          </a:effectRef>
+          <a:fontRef idx="minor">
+            <a:schemeClr val="tx1"/>
+          </a:fontRef>
+        </p:style>
+      </p:cxnSp>
+      <p:sp>
+        <p:nvSpPr>
+          <p:cNvPr id="40" name="Oval 39"/>
+          <p:cNvSpPr/>
+          <p:nvPr/>
+        </p:nvSpPr>
+        <p:spPr>
+          <a:xfrm>
+            <a:off x="3699110" y="1459888"/>
+            <a:ext cx="2976350" cy="1618103"/>
+          </a:xfrm>
+          <a:prstGeom prst="ellipse">
+            <a:avLst/>
+          </a:prstGeom>
+        </p:spPr>
+        <p:style>
+          <a:lnRef idx="2">
+            <a:schemeClr val="accent1">
+              <a:shade val="50000"/>
+            </a:schemeClr>
+          </a:lnRef>
+          <a:fillRef idx="1">
+            <a:schemeClr val="accent1"/>
+          </a:fillRef>
+          <a:effectRef idx="0">
+            <a:schemeClr val="accent1"/>
+          </a:effectRef>
+          <a:fontRef idx="minor">
+            <a:schemeClr val="lt1"/>
+          </a:fontRef>
+        </p:style>
+        <p:txBody>
+          <a:bodyPr rtlCol="0" anchor="ctr"/>
+          <a:lstStyle/>
+          <a:p>
+            <a:pPr algn="ctr"/>
+            <a:r>
+              <a:rPr lang="en-IN" dirty="0" err="1" smtClean="0"/>
+              <a:t>getJobPosition</a:t>
+            </a:r>
+            <a:r>
+              <a:rPr lang="en-IN" dirty="0" smtClean="0"/>
+              <a:t>()</a:t>
+            </a:r>
+            <a:endParaRPr lang="en-IN" dirty="0"/>
+          </a:p>
+        </p:txBody>
+      </p:sp>
+      <p:cxnSp>
+        <p:nvCxnSpPr>
+          <p:cNvPr id="43" name="Straight Arrow Connector 42"/>
+          <p:cNvCxnSpPr/>
+          <p:nvPr/>
+        </p:nvCxnSpPr>
+        <p:spPr>
+          <a:xfrm flipH="1">
+            <a:off x="5187284" y="3077991"/>
+            <a:ext cx="1" cy="1552178"/>
+          </a:xfrm>
+          <a:prstGeom prst="straightConnector1">
+            <a:avLst/>
+          </a:prstGeom>
+          <a:ln>
+            <a:tailEnd type="triangle"/>
+          </a:ln>
+        </p:spPr>
+        <p:style>
+          <a:lnRef idx="1">
+            <a:schemeClr val="accent1"/>
+          </a:lnRef>
+          <a:fillRef idx="0">
+            <a:schemeClr val="accent1"/>
+          </a:fillRef>
+          <a:effectRef idx="0">
+            <a:schemeClr val="accent1"/>
+          </a:effectRef>
+          <a:fontRef idx="minor">
+            <a:schemeClr val="tx1"/>
+          </a:fontRef>
+        </p:style>
+      </p:cxnSp>
+      <p:sp>
+        <p:nvSpPr>
+          <p:cNvPr id="44" name="Oval 43"/>
+          <p:cNvSpPr/>
+          <p:nvPr/>
+        </p:nvSpPr>
+        <p:spPr>
+          <a:xfrm>
+            <a:off x="3699110" y="4604770"/>
+            <a:ext cx="3493827" cy="1491145"/>
+          </a:xfrm>
+          <a:prstGeom prst="ellipse">
+            <a:avLst/>
+          </a:prstGeom>
+        </p:spPr>
+        <p:style>
+          <a:lnRef idx="2">
+            <a:schemeClr val="accent1">
+              <a:shade val="50000"/>
+            </a:schemeClr>
+          </a:lnRef>
+          <a:fillRef idx="1">
+            <a:schemeClr val="accent1"/>
+          </a:fillRef>
+          <a:effectRef idx="0">
+            <a:schemeClr val="accent1"/>
+          </a:effectRef>
+          <a:fontRef idx="minor">
+            <a:schemeClr val="lt1"/>
+          </a:fontRef>
+        </p:style>
+        <p:txBody>
+          <a:bodyPr rtlCol="0" anchor="ctr"/>
+          <a:lstStyle/>
+          <a:p>
+            <a:pPr algn="ctr"/>
+            <a:r>
+              <a:rPr lang="en-IN" dirty="0" err="1" smtClean="0"/>
+              <a:t>getEmploymentRating</a:t>
+            </a:r>
+            <a:r>
+              <a:rPr lang="en-IN" dirty="0" smtClean="0"/>
+              <a:t>()</a:t>
+            </a:r>
+            <a:endParaRPr lang="en-IN" dirty="0"/>
+          </a:p>
+        </p:txBody>
+      </p:sp>
+      <p:sp>
+        <p:nvSpPr>
+          <p:cNvPr id="34" name="TextBox 33"/>
+          <p:cNvSpPr txBox="1"/>
+          <p:nvPr/>
+        </p:nvSpPr>
+        <p:spPr>
+          <a:xfrm>
+            <a:off x="2348551" y="1826084"/>
+            <a:ext cx="1282890" cy="369332"/>
+          </a:xfrm>
+          <a:prstGeom prst="rect">
+            <a:avLst/>
+          </a:prstGeom>
+          <a:noFill/>
+        </p:spPr>
+        <p:txBody>
+          <a:bodyPr wrap="square" rtlCol="0">
+            <a:spAutoFit/>
+          </a:bodyPr>
+          <a:lstStyle/>
+          <a:p>
+            <a:r>
+              <a:rPr lang="en-IN" dirty="0" err="1" smtClean="0"/>
+              <a:t>getSalary</a:t>
+            </a:r>
+            <a:r>
+              <a:rPr lang="en-IN" dirty="0" smtClean="0"/>
+              <a:t>()</a:t>
+            </a:r>
+            <a:endParaRPr lang="en-IN" dirty="0"/>
+          </a:p>
+        </p:txBody>
+      </p:sp>
+      <p:sp>
+        <p:nvSpPr>
+          <p:cNvPr id="41" name="Rectangle 40"/>
+          <p:cNvSpPr/>
+          <p:nvPr/>
+        </p:nvSpPr>
+        <p:spPr>
+          <a:xfrm>
+            <a:off x="592197" y="3141459"/>
+            <a:ext cx="3703775" cy="2246769"/>
+          </a:xfrm>
+          <a:prstGeom prst="rect">
+            <a:avLst/>
+          </a:prstGeom>
+        </p:spPr>
+        <p:style>
+          <a:lnRef idx="1">
+            <a:schemeClr val="accent1"/>
+          </a:lnRef>
+          <a:fillRef idx="2">
+            <a:schemeClr val="accent1"/>
+          </a:fillRef>
+          <a:effectRef idx="1">
+            <a:schemeClr val="accent1"/>
+          </a:effectRef>
+          <a:fontRef idx="minor">
+            <a:schemeClr val="dk1"/>
+          </a:fontRef>
+        </p:style>
+        <p:txBody>
+          <a:bodyPr wrap="square" lIns="91440" tIns="45720" rIns="91440" bIns="45720">
+            <a:spAutoFit/>
+          </a:bodyPr>
+          <a:lstStyle/>
+          <a:p>
+            <a:pPr algn="ctr"/>
+            <a:r>
+              <a:rPr lang="en-US" sz="2000" dirty="0" smtClean="0">
+                <a:ln w="0"/>
+                <a:solidFill>
+                  <a:schemeClr val="tx1"/>
+                </a:solidFill>
+                <a:effectLst>
+                  <a:outerShdw blurRad="38100" dist="19050" dir="2700000" algn="tl" rotWithShape="0">
+                    <a:schemeClr val="dk1">
+                      <a:alpha val="40000"/>
+                    </a:schemeClr>
+                  </a:outerShdw>
+                </a:effectLst>
+                <a:latin typeface="Times New Roman" panose="02020603050405020304" pitchFamily="18" charset="0"/>
+                <a:cs typeface="Times New Roman" panose="02020603050405020304" pitchFamily="18" charset="0"/>
+              </a:rPr>
+              <a:t>Alumni Salary is fetched and </a:t>
+            </a:r>
+          </a:p>
+          <a:p>
+            <a:pPr algn="ctr"/>
+            <a:r>
+              <a:rPr lang="en-US" sz="2000" dirty="0" smtClean="0">
+                <a:ln w="0"/>
+                <a:solidFill>
+                  <a:schemeClr val="tx1"/>
+                </a:solidFill>
+                <a:effectLst>
+                  <a:outerShdw blurRad="38100" dist="19050" dir="2700000" algn="tl" rotWithShape="0">
+                    <a:schemeClr val="dk1">
+                      <a:alpha val="40000"/>
+                    </a:schemeClr>
+                  </a:outerShdw>
+                </a:effectLst>
+                <a:latin typeface="Times New Roman" panose="02020603050405020304" pitchFamily="18" charset="0"/>
+                <a:cs typeface="Times New Roman" panose="02020603050405020304" pitchFamily="18" charset="0"/>
+              </a:rPr>
+              <a:t>Based on the amount of the </a:t>
+            </a:r>
+          </a:p>
+          <a:p>
+            <a:pPr algn="ctr"/>
+            <a:r>
+              <a:rPr lang="en-US" sz="2000" dirty="0" smtClean="0">
+                <a:ln w="0"/>
+                <a:solidFill>
+                  <a:schemeClr val="tx1"/>
+                </a:solidFill>
+                <a:effectLst>
+                  <a:outerShdw blurRad="38100" dist="19050" dir="2700000" algn="tl" rotWithShape="0">
+                    <a:schemeClr val="dk1">
+                      <a:alpha val="40000"/>
+                    </a:schemeClr>
+                  </a:outerShdw>
+                </a:effectLst>
+                <a:latin typeface="Times New Roman" panose="02020603050405020304" pitchFamily="18" charset="0"/>
+                <a:cs typeface="Times New Roman" panose="02020603050405020304" pitchFamily="18" charset="0"/>
+              </a:rPr>
+              <a:t>Salary – </a:t>
+            </a:r>
+            <a:r>
+              <a:rPr lang="en-US" sz="2000" dirty="0" err="1" smtClean="0">
+                <a:ln w="0"/>
+                <a:solidFill>
+                  <a:schemeClr val="tx1"/>
+                </a:solidFill>
+                <a:effectLst>
+                  <a:outerShdw blurRad="38100" dist="19050" dir="2700000" algn="tl" rotWithShape="0">
+                    <a:schemeClr val="dk1">
+                      <a:alpha val="40000"/>
+                    </a:schemeClr>
+                  </a:outerShdw>
+                </a:effectLst>
+                <a:latin typeface="Times New Roman" panose="02020603050405020304" pitchFamily="18" charset="0"/>
+                <a:cs typeface="Times New Roman" panose="02020603050405020304" pitchFamily="18" charset="0"/>
+              </a:rPr>
+              <a:t>JobPosition</a:t>
+            </a:r>
+            <a:r>
+              <a:rPr lang="en-US" sz="2000" dirty="0" smtClean="0">
+                <a:ln w="0"/>
+                <a:solidFill>
+                  <a:schemeClr val="tx1"/>
+                </a:solidFill>
+                <a:effectLst>
+                  <a:outerShdw blurRad="38100" dist="19050" dir="2700000" algn="tl" rotWithShape="0">
+                    <a:schemeClr val="dk1">
+                      <a:alpha val="40000"/>
+                    </a:schemeClr>
+                  </a:outerShdw>
+                </a:effectLst>
+                <a:latin typeface="Times New Roman" panose="02020603050405020304" pitchFamily="18" charset="0"/>
+                <a:cs typeface="Times New Roman" panose="02020603050405020304" pitchFamily="18" charset="0"/>
+              </a:rPr>
+              <a:t> is calculated</a:t>
+            </a:r>
+          </a:p>
+          <a:p>
+            <a:pPr algn="ctr"/>
+            <a:r>
+              <a:rPr lang="en-US" sz="2000" dirty="0" smtClean="0">
+                <a:ln w="0"/>
+                <a:solidFill>
+                  <a:schemeClr val="tx1"/>
+                </a:solidFill>
+                <a:effectLst>
+                  <a:outerShdw blurRad="38100" dist="19050" dir="2700000" algn="tl" rotWithShape="0">
+                    <a:schemeClr val="dk1">
+                      <a:alpha val="40000"/>
+                    </a:schemeClr>
+                  </a:outerShdw>
+                </a:effectLst>
+                <a:latin typeface="Times New Roman" panose="02020603050405020304" pitchFamily="18" charset="0"/>
+                <a:cs typeface="Times New Roman" panose="02020603050405020304" pitchFamily="18" charset="0"/>
+              </a:rPr>
+              <a:t>And employment rating is calculated</a:t>
+            </a:r>
+          </a:p>
+          <a:p>
+            <a:pPr algn="ctr"/>
+            <a:endParaRPr lang="en-US" sz="2000" b="1" dirty="0">
+              <a:ln w="9525">
+                <a:solidFill>
+                  <a:schemeClr val="bg1"/>
+                </a:solidFill>
+                <a:prstDash val="solid"/>
+              </a:ln>
+              <a:effectLst>
+                <a:outerShdw blurRad="12700" dist="38100" dir="2700000" algn="tl" rotWithShape="0">
+                  <a:schemeClr val="bg1">
+                    <a:lumMod val="50000"/>
+                  </a:schemeClr>
+                </a:outerShdw>
+              </a:effectLst>
+              <a:latin typeface="Times New Roman" panose="02020603050405020304" pitchFamily="18" charset="0"/>
+              <a:cs typeface="Times New Roman" panose="02020603050405020304" pitchFamily="18" charset="0"/>
+            </a:endParaRPr>
+          </a:p>
+          <a:p>
+            <a:pPr algn="ctr"/>
+            <a:endParaRPr lang="en-US" sz="2000" b="1" cap="none" spc="0" dirty="0">
+              <a:ln w="9525">
+                <a:solidFill>
+                  <a:schemeClr val="bg1"/>
+                </a:solidFill>
+                <a:prstDash val="solid"/>
+              </a:ln>
+              <a:solidFill>
+                <a:schemeClr val="tx1"/>
+              </a:solidFill>
+              <a:effectLst>
+                <a:outerShdw blurRad="12700" dist="38100" dir="2700000" algn="tl" rotWithShape="0">
+                  <a:schemeClr val="bg1">
+                    <a:lumMod val="50000"/>
+                  </a:schemeClr>
+                </a:outerShdw>
+              </a:effectLst>
+            </a:endParaRPr>
+          </a:p>
+        </p:txBody>
+      </p:sp>
+      <p:sp>
+        <p:nvSpPr>
+          <p:cNvPr id="46" name="Rectangle 45"/>
+          <p:cNvSpPr/>
+          <p:nvPr/>
+        </p:nvSpPr>
+        <p:spPr>
+          <a:xfrm>
+            <a:off x="175486" y="5080252"/>
+            <a:ext cx="3936925" cy="1015663"/>
+          </a:xfrm>
+          <a:prstGeom prst="rect">
+            <a:avLst/>
+          </a:prstGeom>
+        </p:spPr>
+        <p:style>
+          <a:lnRef idx="1">
+            <a:schemeClr val="accent5"/>
+          </a:lnRef>
+          <a:fillRef idx="2">
+            <a:schemeClr val="accent5"/>
+          </a:fillRef>
+          <a:effectRef idx="1">
+            <a:schemeClr val="accent5"/>
+          </a:effectRef>
+          <a:fontRef idx="minor">
+            <a:schemeClr val="dk1"/>
+          </a:fontRef>
+        </p:style>
+        <p:txBody>
+          <a:bodyPr wrap="square" lIns="91440" tIns="45720" rIns="91440" bIns="45720">
+            <a:spAutoFit/>
+          </a:bodyPr>
+          <a:lstStyle/>
+          <a:p>
+            <a:pPr algn="ctr"/>
+            <a:r>
+              <a:rPr lang="en-US" sz="2000" dirty="0" smtClean="0">
+                <a:ln w="0"/>
+                <a:solidFill>
+                  <a:schemeClr val="tx1"/>
+                </a:solidFill>
+                <a:effectLst>
+                  <a:outerShdw blurRad="38100" dist="19050" dir="2700000" algn="tl" rotWithShape="0">
+                    <a:schemeClr val="dk1">
+                      <a:alpha val="40000"/>
+                    </a:schemeClr>
+                  </a:outerShdw>
+                </a:effectLst>
+              </a:rPr>
+              <a:t>HIGHER THE POSITION – HIGHER THE </a:t>
+            </a:r>
+            <a:r>
+              <a:rPr lang="en-US" sz="2000" dirty="0" smtClean="0">
+                <a:ln w="0"/>
+                <a:solidFill>
+                  <a:schemeClr val="tx1"/>
+                </a:solidFill>
+                <a:effectLst>
+                  <a:outerShdw blurRad="38100" dist="19050" dir="2700000" algn="tl" rotWithShape="0">
+                    <a:schemeClr val="dk1">
+                      <a:alpha val="40000"/>
+                    </a:schemeClr>
+                  </a:outerShdw>
+                </a:effectLst>
+              </a:rPr>
+              <a:t>EMPLOYMENT </a:t>
+            </a:r>
+            <a:r>
+              <a:rPr lang="en-US" sz="2000" dirty="0" smtClean="0">
+                <a:ln w="0"/>
+                <a:solidFill>
+                  <a:schemeClr val="tx1"/>
+                </a:solidFill>
+                <a:effectLst>
+                  <a:outerShdw blurRad="38100" dist="19050" dir="2700000" algn="tl" rotWithShape="0">
+                    <a:schemeClr val="dk1">
+                      <a:alpha val="40000"/>
+                    </a:schemeClr>
+                  </a:outerShdw>
+                </a:effectLst>
+              </a:rPr>
+              <a:t>RATING FOR THAT PARTICULAR ALUMNI</a:t>
+            </a:r>
+            <a:endParaRPr lang="en-US" sz="2000" dirty="0">
+              <a:ln w="0"/>
+              <a:solidFill>
+                <a:schemeClr val="tx1"/>
+              </a:solidFill>
+              <a:effectLst>
+                <a:outerShdw blurRad="38100" dist="19050" dir="2700000" algn="tl" rotWithShape="0">
+                  <a:schemeClr val="dk1">
+                    <a:alpha val="40000"/>
+                  </a:schemeClr>
+                </a:outerShdw>
+              </a:effectLst>
+            </a:endParaRPr>
+          </a:p>
+        </p:txBody>
+      </p:sp>
+      <p:pic>
+        <p:nvPicPr>
+          <p:cNvPr id="4" name="Picture 3"/>
+          <p:cNvPicPr>
+            <a:picLocks noChangeAspect="1"/>
+          </p:cNvPicPr>
+          <p:nvPr/>
+        </p:nvPicPr>
+        <p:blipFill>
+          <a:blip r:embed="rId2">
+            <a:extLst>
+              <a:ext uri="{28A0092B-C50C-407E-A947-70E740481C1C}">
+                <a14:useLocalDpi xmlns:a14="http://schemas.microsoft.com/office/drawing/2010/main" val="0"/>
+              </a:ext>
+            </a:extLst>
+          </a:blip>
+          <a:stretch>
+            <a:fillRect/>
+          </a:stretch>
+        </p:blipFill>
+        <p:spPr>
+          <a:xfrm>
+            <a:off x="6849040" y="80366"/>
+            <a:ext cx="5342959" cy="6371771"/>
+          </a:xfrm>
+          <a:prstGeom prst="rect">
+            <a:avLst/>
+          </a:prstGeom>
+        </p:spPr>
+      </p:pic>
+    </p:spTree>
+    <p:extLst>
+      <p:ext uri="{BB962C8B-B14F-4D97-AF65-F5344CB8AC3E}">
+        <p14:creationId xmlns:p14="http://schemas.microsoft.com/office/powerpoint/2010/main" val="3230847770"/>
+      </p:ext>
+    </p:extLst>
+  </p:cSld>
+  <p:clrMapOvr>
+    <a:masterClrMapping/>
+  </p:clrMapOvr>
+</p:sld>
+</file>
+
+<file path=ppt/slides/slide22.xml><?xml version="1.0" encoding="utf-8"?>
+<p:sld xmlns:a="http://schemas.openxmlformats.org/drawingml/2006/main" xmlns:r="http://schemas.openxmlformats.org/officeDocument/2006/relationships" xmlns:p="http://schemas.openxmlformats.org/presentationml/2006/main">
+  <p:cSld>
+    <p:spTree>
+      <p:nvGrpSpPr>
+        <p:cNvPr id="1" name=""/>
+        <p:cNvGrpSpPr/>
+        <p:nvPr/>
+      </p:nvGrpSpPr>
+      <p:grpSpPr>
+        <a:xfrm>
+          <a:off x="0" y="0"/>
+          <a:ext cx="0" cy="0"/>
+          <a:chOff x="0" y="0"/>
+          <a:chExt cx="0" cy="0"/>
+        </a:xfrm>
+      </p:grpSpPr>
+      <p:sp>
+        <p:nvSpPr>
+          <p:cNvPr id="3" name="Rectangle 2"/>
+          <p:cNvSpPr/>
+          <p:nvPr/>
+        </p:nvSpPr>
+        <p:spPr>
+          <a:xfrm>
+            <a:off x="3598061" y="111594"/>
+            <a:ext cx="4376904" cy="923330"/>
+          </a:xfrm>
+          <a:prstGeom prst="rect">
+            <a:avLst/>
+          </a:prstGeom>
+          <a:noFill/>
+        </p:spPr>
+        <p:txBody>
+          <a:bodyPr wrap="none" lIns="91440" tIns="45720" rIns="91440" bIns="45720">
+            <a:spAutoFit/>
+          </a:bodyPr>
+          <a:lstStyle/>
+          <a:p>
+            <a:pPr algn="ctr"/>
+            <a:r>
+              <a:rPr lang="en-US" sz="5400" b="1" cap="none" spc="0" dirty="0" smtClean="0">
+                <a:ln w="9525">
+                  <a:solidFill>
+                    <a:schemeClr val="bg1"/>
+                  </a:solidFill>
+                  <a:prstDash val="solid"/>
+                </a:ln>
+                <a:solidFill>
+                  <a:schemeClr val="tx1"/>
+                </a:solidFill>
+                <a:effectLst>
+                  <a:outerShdw blurRad="12700" dist="38100" dir="2700000" algn="tl" rotWithShape="0">
+                    <a:schemeClr val="bg1">
+                      <a:lumMod val="50000"/>
+                    </a:schemeClr>
+                  </a:outerShdw>
+                </a:effectLst>
+              </a:rPr>
+              <a:t>FAKER PACKGE</a:t>
+            </a:r>
+            <a:endParaRPr lang="en-US" sz="5400" b="1" cap="none" spc="0" dirty="0">
+              <a:ln w="9525">
+                <a:solidFill>
+                  <a:schemeClr val="bg1"/>
+                </a:solidFill>
+                <a:prstDash val="solid"/>
+              </a:ln>
+              <a:solidFill>
+                <a:schemeClr val="tx1"/>
+              </a:solidFill>
+              <a:effectLst>
+                <a:outerShdw blurRad="12700" dist="38100" dir="2700000" algn="tl" rotWithShape="0">
+                  <a:schemeClr val="bg1">
+                    <a:lumMod val="50000"/>
+                  </a:schemeClr>
+                </a:outerShdw>
+              </a:effectLst>
+            </a:endParaRPr>
+          </a:p>
+        </p:txBody>
+      </p:sp>
+      <p:sp>
+        <p:nvSpPr>
+          <p:cNvPr id="7" name="Text Placeholder 6"/>
+          <p:cNvSpPr>
+            <a:spLocks noGrp="1"/>
+          </p:cNvSpPr>
+          <p:nvPr>
+            <p:ph type="body" idx="1"/>
+          </p:nvPr>
+        </p:nvSpPr>
+        <p:spPr>
+          <a:xfrm>
+            <a:off x="2041672" y="1902534"/>
+            <a:ext cx="9212482" cy="2556925"/>
+          </a:xfrm>
+        </p:spPr>
+        <p:txBody>
+          <a:bodyPr/>
+          <a:lstStyle/>
+          <a:p>
+            <a:pPr marL="342900" indent="-342900">
+              <a:buFont typeface="Arial" panose="020B0604020202020204" pitchFamily="34" charset="0"/>
+              <a:buChar char="•"/>
+            </a:pPr>
+            <a:r>
+              <a:rPr lang="en-IN" dirty="0" smtClean="0">
+                <a:solidFill>
+                  <a:schemeClr val="tx1"/>
+                </a:solidFill>
+                <a:latin typeface="Times New Roman" panose="02020603050405020304" pitchFamily="18" charset="0"/>
+                <a:cs typeface="Times New Roman" panose="02020603050405020304" pitchFamily="18" charset="0"/>
+              </a:rPr>
+              <a:t>WE USED THE FAKER PACKAGE TO GENERATE DATA.</a:t>
+            </a:r>
+          </a:p>
+          <a:p>
+            <a:pPr marL="342900" indent="-342900">
+              <a:buFont typeface="Arial" panose="020B0604020202020204" pitchFamily="34" charset="0"/>
+              <a:buChar char="•"/>
+            </a:pPr>
+            <a:r>
+              <a:rPr lang="en-IN" dirty="0" smtClean="0">
+                <a:solidFill>
+                  <a:schemeClr val="tx1"/>
+                </a:solidFill>
+                <a:latin typeface="Times New Roman" panose="02020603050405020304" pitchFamily="18" charset="0"/>
+                <a:cs typeface="Times New Roman" panose="02020603050405020304" pitchFamily="18" charset="0"/>
+              </a:rPr>
+              <a:t>WE HAVE GENEARTED DATA FOR DIFFERENT DEPARTMENTS IN THE UNIVERSITY AND ALSO MULTIPLE COURSES ARE ASSIGNED TO DEPARTMENTS.</a:t>
+            </a:r>
+          </a:p>
+          <a:p>
+            <a:pPr marL="342900" indent="-342900">
+              <a:buFont typeface="Arial" panose="020B0604020202020204" pitchFamily="34" charset="0"/>
+              <a:buChar char="•"/>
+            </a:pPr>
+            <a:r>
+              <a:rPr lang="en-IN" dirty="0" smtClean="0">
+                <a:solidFill>
+                  <a:schemeClr val="tx1"/>
+                </a:solidFill>
+                <a:latin typeface="Times New Roman" panose="02020603050405020304" pitchFamily="18" charset="0"/>
+                <a:cs typeface="Times New Roman" panose="02020603050405020304" pitchFamily="18" charset="0"/>
+              </a:rPr>
+              <a:t>DATA FOR STUDENTS, FACULTY AND EMPLOYER IS ALSO GENERATED.</a:t>
+            </a:r>
+            <a:endParaRPr lang="en-IN" dirty="0">
+              <a:solidFill>
+                <a:schemeClr val="tx1"/>
+              </a:solidFill>
+              <a:latin typeface="Times New Roman" panose="02020603050405020304" pitchFamily="18" charset="0"/>
+              <a:cs typeface="Times New Roman" panose="02020603050405020304" pitchFamily="18" charset="0"/>
+            </a:endParaRPr>
+          </a:p>
+        </p:txBody>
+      </p:sp>
+    </p:spTree>
+    <p:extLst>
+      <p:ext uri="{BB962C8B-B14F-4D97-AF65-F5344CB8AC3E}">
+        <p14:creationId xmlns:p14="http://schemas.microsoft.com/office/powerpoint/2010/main" val="1182118139"/>
       </p:ext>
     </p:extLst>
   </p:cSld>
@@ -7839,7 +8750,7 @@
       </p:sp>
       <p:pic>
         <p:nvPicPr>
-          <p:cNvPr id="7" name="Picture 6"/>
+          <p:cNvPr id="2" name="Picture 1"/>
           <p:cNvPicPr>
             <a:picLocks noChangeAspect="1"/>
           </p:cNvPicPr>
@@ -7859,42 +8770,12 @@
         </p:blipFill>
         <p:spPr>
           <a:xfrm>
-            <a:off x="2088107" y="1616689"/>
-            <a:ext cx="7670042" cy="5104786"/>
+            <a:off x="1423165" y="1399016"/>
+            <a:ext cx="8881650" cy="5395395"/>
           </a:xfrm>
           <a:prstGeom prst="rect">
             <a:avLst/>
           </a:prstGeom>
-          <a:solidFill>
-            <a:srgbClr val="FFFFFF">
-              <a:shade val="85000"/>
-            </a:srgbClr>
-          </a:solidFill>
-          <a:ln w="88900" cap="sq">
-            <a:solidFill>
-              <a:srgbClr val="FFFFFF"/>
-            </a:solidFill>
-            <a:miter lim="800000"/>
-          </a:ln>
-          <a:effectLst>
-            <a:outerShdw blurRad="55000" dist="18000" dir="5400000" algn="tl" rotWithShape="0">
-              <a:srgbClr val="000000">
-                <a:alpha val="40000"/>
-              </a:srgbClr>
-            </a:outerShdw>
-          </a:effectLst>
-          <a:scene3d>
-            <a:camera prst="orthographicFront"/>
-            <a:lightRig rig="twoPt" dir="t">
-              <a:rot lat="0" lon="0" rev="7200000"/>
-            </a:lightRig>
-          </a:scene3d>
-          <a:sp3d>
-            <a:bevelT w="25400" h="19050"/>
-            <a:contourClr>
-              <a:srgbClr val="FFFFFF"/>
-            </a:contourClr>
-          </a:sp3d>
         </p:spPr>
       </p:pic>
     </p:spTree>
@@ -8518,7 +9399,7 @@
       </p:sp>
       <p:pic>
         <p:nvPicPr>
-          <p:cNvPr id="4" name="Picture 3"/>
+          <p:cNvPr id="2" name="Picture 1"/>
           <p:cNvPicPr>
             <a:picLocks noChangeAspect="1"/>
           </p:cNvPicPr>
@@ -8538,42 +9419,12 @@
         </p:blipFill>
         <p:spPr>
           <a:xfrm>
-            <a:off x="2366442" y="1719618"/>
-            <a:ext cx="7459116" cy="4938807"/>
+            <a:off x="1267542" y="1355202"/>
+            <a:ext cx="8703771" cy="5502798"/>
           </a:xfrm>
           <a:prstGeom prst="rect">
             <a:avLst/>
           </a:prstGeom>
-          <a:solidFill>
-            <a:srgbClr val="FFFFFF">
-              <a:shade val="85000"/>
-            </a:srgbClr>
-          </a:solidFill>
-          <a:ln w="88900" cap="sq">
-            <a:solidFill>
-              <a:srgbClr val="FFFFFF"/>
-            </a:solidFill>
-            <a:miter lim="800000"/>
-          </a:ln>
-          <a:effectLst>
-            <a:outerShdw blurRad="55000" dist="18000" dir="5400000" algn="tl" rotWithShape="0">
-              <a:srgbClr val="000000">
-                <a:alpha val="40000"/>
-              </a:srgbClr>
-            </a:outerShdw>
-          </a:effectLst>
-          <a:scene3d>
-            <a:camera prst="orthographicFront"/>
-            <a:lightRig rig="twoPt" dir="t">
-              <a:rot lat="0" lon="0" rev="7200000"/>
-            </a:lightRig>
-          </a:scene3d>
-          <a:sp3d>
-            <a:bevelT w="25400" h="19050"/>
-            <a:contourClr>
-              <a:srgbClr val="FFFFFF"/>
-            </a:contourClr>
-          </a:sp3d>
         </p:spPr>
       </p:pic>
     </p:spTree>
